--- a/ppt/8. 二维数组.pptx
+++ b/ppt/8. 二维数组.pptx
@@ -234,7 +234,7 @@
           <a:p>
             <a:fld id="{66C3546E-20F6-7649-A9A4-4E4A245D3E82}" type="datetimeFigureOut">
               <a:rPr kumimoji="1" lang="zh-CN" altLang="en-US" smtClean="0"/>
-              <a:t>2020/2/23</a:t>
+              <a:t>2020/2/26</a:t>
             </a:fld>
             <a:endParaRPr kumimoji="1" lang="zh-CN" altLang="en-US"/>
           </a:p>
@@ -1717,7 +1717,7 @@
           <a:p>
             <a:fld id="{1C49BB65-7B3F-4D4E-A397-BBFD82890A5A}" type="datetimeFigureOut">
               <a:rPr kumimoji="1" lang="zh-CN" altLang="en-US" smtClean="0"/>
-              <a:t>2020/2/23</a:t>
+              <a:t>2020/2/26</a:t>
             </a:fld>
             <a:endParaRPr kumimoji="1" lang="zh-CN" altLang="en-US"/>
           </a:p>
@@ -1915,7 +1915,7 @@
           <a:p>
             <a:fld id="{1C49BB65-7B3F-4D4E-A397-BBFD82890A5A}" type="datetimeFigureOut">
               <a:rPr kumimoji="1" lang="zh-CN" altLang="en-US" smtClean="0"/>
-              <a:t>2020/2/23</a:t>
+              <a:t>2020/2/26</a:t>
             </a:fld>
             <a:endParaRPr kumimoji="1" lang="zh-CN" altLang="en-US"/>
           </a:p>
@@ -2123,7 +2123,7 @@
           <a:p>
             <a:fld id="{1C49BB65-7B3F-4D4E-A397-BBFD82890A5A}" type="datetimeFigureOut">
               <a:rPr kumimoji="1" lang="zh-CN" altLang="en-US" smtClean="0"/>
-              <a:t>2020/2/23</a:t>
+              <a:t>2020/2/26</a:t>
             </a:fld>
             <a:endParaRPr kumimoji="1" lang="zh-CN" altLang="en-US"/>
           </a:p>
@@ -2321,7 +2321,7 @@
           <a:p>
             <a:fld id="{1C49BB65-7B3F-4D4E-A397-BBFD82890A5A}" type="datetimeFigureOut">
               <a:rPr kumimoji="1" lang="zh-CN" altLang="en-US" smtClean="0"/>
-              <a:t>2020/2/23</a:t>
+              <a:t>2020/2/26</a:t>
             </a:fld>
             <a:endParaRPr kumimoji="1" lang="zh-CN" altLang="en-US"/>
           </a:p>
@@ -2596,7 +2596,7 @@
           <a:p>
             <a:fld id="{1C49BB65-7B3F-4D4E-A397-BBFD82890A5A}" type="datetimeFigureOut">
               <a:rPr kumimoji="1" lang="zh-CN" altLang="en-US" smtClean="0"/>
-              <a:t>2020/2/23</a:t>
+              <a:t>2020/2/26</a:t>
             </a:fld>
             <a:endParaRPr kumimoji="1" lang="zh-CN" altLang="en-US"/>
           </a:p>
@@ -2861,7 +2861,7 @@
           <a:p>
             <a:fld id="{1C49BB65-7B3F-4D4E-A397-BBFD82890A5A}" type="datetimeFigureOut">
               <a:rPr kumimoji="1" lang="zh-CN" altLang="en-US" smtClean="0"/>
-              <a:t>2020/2/23</a:t>
+              <a:t>2020/2/26</a:t>
             </a:fld>
             <a:endParaRPr kumimoji="1" lang="zh-CN" altLang="en-US"/>
           </a:p>
@@ -3273,7 +3273,7 @@
           <a:p>
             <a:fld id="{1C49BB65-7B3F-4D4E-A397-BBFD82890A5A}" type="datetimeFigureOut">
               <a:rPr kumimoji="1" lang="zh-CN" altLang="en-US" smtClean="0"/>
-              <a:t>2020/2/23</a:t>
+              <a:t>2020/2/26</a:t>
             </a:fld>
             <a:endParaRPr kumimoji="1" lang="zh-CN" altLang="en-US"/>
           </a:p>
@@ -3414,7 +3414,7 @@
           <a:p>
             <a:fld id="{1C49BB65-7B3F-4D4E-A397-BBFD82890A5A}" type="datetimeFigureOut">
               <a:rPr kumimoji="1" lang="zh-CN" altLang="en-US" smtClean="0"/>
-              <a:t>2020/2/23</a:t>
+              <a:t>2020/2/26</a:t>
             </a:fld>
             <a:endParaRPr kumimoji="1" lang="zh-CN" altLang="en-US"/>
           </a:p>
@@ -3784,7 +3784,7 @@
           <a:p>
             <a:fld id="{1C49BB65-7B3F-4D4E-A397-BBFD82890A5A}" type="datetimeFigureOut">
               <a:rPr kumimoji="1" lang="zh-CN" altLang="en-US" smtClean="0"/>
-              <a:t>2020/2/23</a:t>
+              <a:t>2020/2/26</a:t>
             </a:fld>
             <a:endParaRPr kumimoji="1" lang="zh-CN" altLang="en-US"/>
           </a:p>
@@ -4072,7 +4072,7 @@
           <a:p>
             <a:fld id="{1C49BB65-7B3F-4D4E-A397-BBFD82890A5A}" type="datetimeFigureOut">
               <a:rPr kumimoji="1" lang="zh-CN" altLang="en-US" smtClean="0"/>
-              <a:t>2020/2/23</a:t>
+              <a:t>2020/2/26</a:t>
             </a:fld>
             <a:endParaRPr kumimoji="1" lang="zh-CN" altLang="en-US"/>
           </a:p>
@@ -4313,7 +4313,7 @@
           <a:p>
             <a:fld id="{1C49BB65-7B3F-4D4E-A397-BBFD82890A5A}" type="datetimeFigureOut">
               <a:rPr kumimoji="1" lang="zh-CN" altLang="en-US" smtClean="0"/>
-              <a:t>2020/2/23</a:t>
+              <a:t>2020/2/26</a:t>
             </a:fld>
             <a:endParaRPr kumimoji="1" lang="zh-CN" altLang="en-US"/>
           </a:p>
@@ -4891,7 +4891,7 @@
                 <a:latin typeface="Microsoft YaHei" panose="020B0503020204020204" pitchFamily="34" charset="-122"/>
                 <a:ea typeface="Microsoft YaHei" panose="020B0503020204020204" pitchFamily="34" charset="-122"/>
               </a:rPr>
-              <a:t>节  一维数组 和 二维数组</a:t>
+              <a:t>节   二维数组及多维数组</a:t>
             </a:r>
             <a:endParaRPr kumimoji="1" lang="en-US" altLang="zh-CN" sz="4000" dirty="0">
               <a:latin typeface="Microsoft YaHei" panose="020B0503020204020204" pitchFamily="34" charset="-122"/>
@@ -5970,7 +5970,7 @@
                 <a:latin typeface="Microsoft YaHei" panose="020B0503020204020204" pitchFamily="34" charset="-122"/>
                 <a:ea typeface="Microsoft YaHei" panose="020B0503020204020204" pitchFamily="34" charset="-122"/>
               </a:rPr>
-              <a:t>数组的基本知识</a:t>
+              <a:t>二维数组的基本知识</a:t>
             </a:r>
             <a:endParaRPr kumimoji="1" lang="en-US" altLang="zh-CN" sz="2800" dirty="0">
               <a:latin typeface="Microsoft YaHei" panose="020B0503020204020204" pitchFamily="34" charset="-122"/>
@@ -5986,26 +5986,16 @@
               <a:buChar char="Ø"/>
             </a:pPr>
             <a:r>
-              <a:rPr kumimoji="1" lang="en-US" altLang="zh-CN" sz="2800" dirty="0">
-                <a:latin typeface="Microsoft YaHei" panose="020B0503020204020204" pitchFamily="34" charset="-122"/>
-                <a:ea typeface="Microsoft YaHei" panose="020B0503020204020204" pitchFamily="34" charset="-122"/>
-              </a:rPr>
-              <a:t>ASCII</a:t>
-            </a:r>
-            <a:r>
               <a:rPr kumimoji="1" lang="zh-CN" altLang="en-US" sz="2800" dirty="0">
                 <a:latin typeface="Microsoft YaHei" panose="020B0503020204020204" pitchFamily="34" charset="-122"/>
                 <a:ea typeface="Microsoft YaHei" panose="020B0503020204020204" pitchFamily="34" charset="-122"/>
               </a:rPr>
-              <a:t> 和</a:t>
-            </a:r>
-            <a:r>
-              <a:rPr kumimoji="1" lang="en-US" altLang="zh-CN" sz="2800" dirty="0">
-                <a:latin typeface="Microsoft YaHei" panose="020B0503020204020204" pitchFamily="34" charset="-122"/>
-                <a:ea typeface="Microsoft YaHei" panose="020B0503020204020204" pitchFamily="34" charset="-122"/>
-              </a:rPr>
-              <a:t>Unicode</a:t>
-            </a:r>
+              <a:t>如何操作二维数组</a:t>
+            </a:r>
+            <a:endParaRPr kumimoji="1" lang="en-US" altLang="zh-CN" sz="2800" dirty="0">
+              <a:latin typeface="Microsoft YaHei" panose="020B0503020204020204" pitchFamily="34" charset="-122"/>
+              <a:ea typeface="Microsoft YaHei" panose="020B0503020204020204" pitchFamily="34" charset="-122"/>
+            </a:endParaRPr>
           </a:p>
           <a:p>
             <a:pPr marL="571500" indent="-571500">
@@ -6020,7 +6010,7 @@
                 <a:latin typeface="Microsoft YaHei" panose="020B0503020204020204" pitchFamily="34" charset="-122"/>
                 <a:ea typeface="Microsoft YaHei" panose="020B0503020204020204" pitchFamily="34" charset="-122"/>
               </a:rPr>
-              <a:t>字符数据类型和操作</a:t>
+              <a:t>将二维数组作为函数参数</a:t>
             </a:r>
             <a:endParaRPr kumimoji="1" lang="en-US" altLang="zh-CN" sz="2800" dirty="0">
               <a:latin typeface="Microsoft YaHei" panose="020B0503020204020204" pitchFamily="34" charset="-122"/>
@@ -6039,18 +6029,11 @@
               <a:buChar char="Ø"/>
             </a:pPr>
             <a:r>
-              <a:rPr kumimoji="1" lang="en-US" altLang="zh-CN" sz="2800" dirty="0">
-                <a:latin typeface="Microsoft YaHei" panose="020B0503020204020204" pitchFamily="34" charset="-122"/>
-                <a:ea typeface="Microsoft YaHei" panose="020B0503020204020204" pitchFamily="34" charset="-122"/>
-              </a:rPr>
-              <a:t>String</a:t>
-            </a:r>
-            <a:r>
               <a:rPr kumimoji="1" lang="zh-CN" altLang="en-US" sz="2800" dirty="0">
                 <a:latin typeface="Microsoft YaHei" panose="020B0503020204020204" pitchFamily="34" charset="-122"/>
                 <a:ea typeface="Microsoft YaHei" panose="020B0503020204020204" pitchFamily="34" charset="-122"/>
               </a:rPr>
-              <a:t> 类型</a:t>
+              <a:t>示例学习</a:t>
             </a:r>
           </a:p>
           <a:p>
@@ -6066,7 +6049,7 @@
                 <a:latin typeface="Microsoft YaHei" panose="020B0503020204020204" pitchFamily="34" charset="-122"/>
                 <a:ea typeface="Microsoft YaHei" panose="020B0503020204020204" pitchFamily="34" charset="-122"/>
               </a:rPr>
-              <a:t>实例分析</a:t>
+              <a:t>多维数组</a:t>
             </a:r>
             <a:endParaRPr kumimoji="1" lang="en-US" altLang="zh-CN" sz="2800" dirty="0">
               <a:ea typeface="Microsoft YaHei" panose="020B0503020204020204" pitchFamily="34" charset="-122"/>
@@ -6180,11 +6163,18 @@
               <a:t>1.</a:t>
             </a:r>
             <a:r>
+              <a:rPr kumimoji="1" lang="zh-CN" altLang="en-US" sz="4800">
+                <a:latin typeface="Microsoft YaHei" panose="020B0503020204020204" pitchFamily="34" charset="-122"/>
+                <a:ea typeface="Microsoft YaHei" panose="020B0503020204020204" pitchFamily="34" charset="-122"/>
+              </a:rPr>
+              <a:t> 二维数</a:t>
+            </a:r>
+            <a:r>
               <a:rPr kumimoji="1" lang="zh-CN" altLang="en-US" sz="4800" dirty="0">
                 <a:latin typeface="Microsoft YaHei" panose="020B0503020204020204" pitchFamily="34" charset="-122"/>
                 <a:ea typeface="Microsoft YaHei" panose="020B0503020204020204" pitchFamily="34" charset="-122"/>
               </a:rPr>
-              <a:t> 数组的基本知识</a:t>
+              <a:t>组的基本知识</a:t>
             </a:r>
             <a:endParaRPr kumimoji="1" lang="en-US" altLang="zh-CN" sz="4800" dirty="0">
               <a:ea typeface="Microsoft YaHei" panose="020B0503020204020204" pitchFamily="34" charset="-122"/>

--- a/ppt/8. 二维数组.pptx
+++ b/ppt/8. 二维数组.pptx
@@ -5,22 +5,23 @@
     <p:sldMasterId id="2147483648" r:id="rId1"/>
   </p:sldMasterIdLst>
   <p:notesMasterIdLst>
-    <p:notesMasterId r:id="rId15"/>
+    <p:notesMasterId r:id="rId16"/>
   </p:notesMasterIdLst>
   <p:sldIdLst>
     <p:sldId id="258" r:id="rId2"/>
     <p:sldId id="266" r:id="rId3"/>
     <p:sldId id="304" r:id="rId4"/>
-    <p:sldId id="319" r:id="rId5"/>
-    <p:sldId id="320" r:id="rId6"/>
-    <p:sldId id="321" r:id="rId7"/>
-    <p:sldId id="323" r:id="rId8"/>
-    <p:sldId id="322" r:id="rId9"/>
-    <p:sldId id="324" r:id="rId10"/>
-    <p:sldId id="325" r:id="rId11"/>
-    <p:sldId id="326" r:id="rId12"/>
-    <p:sldId id="279" r:id="rId13"/>
-    <p:sldId id="318" r:id="rId14"/>
+    <p:sldId id="324" r:id="rId5"/>
+    <p:sldId id="325" r:id="rId6"/>
+    <p:sldId id="319" r:id="rId7"/>
+    <p:sldId id="320" r:id="rId8"/>
+    <p:sldId id="326" r:id="rId9"/>
+    <p:sldId id="327" r:id="rId10"/>
+    <p:sldId id="321" r:id="rId11"/>
+    <p:sldId id="323" r:id="rId12"/>
+    <p:sldId id="328" r:id="rId13"/>
+    <p:sldId id="279" r:id="rId14"/>
+    <p:sldId id="329" r:id="rId15"/>
   </p:sldIdLst>
   <p:sldSz cx="12192000" cy="6858000"/>
   <p:notesSz cx="6858000" cy="9144000"/>
@@ -131,16 +132,17 @@
           <p14:sldIdLst>
             <p14:sldId id="266"/>
             <p14:sldId id="304"/>
+            <p14:sldId id="324"/>
+            <p14:sldId id="325"/>
             <p14:sldId id="319"/>
             <p14:sldId id="320"/>
+            <p14:sldId id="326"/>
+            <p14:sldId id="327"/>
             <p14:sldId id="321"/>
             <p14:sldId id="323"/>
-            <p14:sldId id="322"/>
-            <p14:sldId id="324"/>
-            <p14:sldId id="325"/>
-            <p14:sldId id="326"/>
+            <p14:sldId id="328"/>
             <p14:sldId id="279"/>
-            <p14:sldId id="318"/>
+            <p14:sldId id="329"/>
           </p14:sldIdLst>
         </p14:section>
       </p14:sectionLst>
@@ -631,42 +633,8 @@
           <a:p>
             <a:r>
               <a:rPr kumimoji="1" lang="zh-CN" altLang="en-US" dirty="0"/>
-              <a:t>思考 </a:t>
-            </a:r>
-            <a:r>
-              <a:rPr kumimoji="1" lang="en-US" altLang="zh-CN" dirty="0"/>
-              <a:t>string</a:t>
-            </a:r>
-            <a:r>
-              <a:rPr kumimoji="1" lang="zh-CN" altLang="en-US" dirty="0"/>
-              <a:t> </a:t>
-            </a:r>
-            <a:r>
-              <a:rPr kumimoji="1" lang="en-US" altLang="zh-CN" dirty="0"/>
-              <a:t>===</a:t>
-            </a:r>
-            <a:r>
-              <a:rPr kumimoji="1" lang="zh-CN" altLang="en-US" dirty="0"/>
-              <a:t> 和</a:t>
-            </a:r>
-            <a:r>
-              <a:rPr kumimoji="1" lang="en-US" altLang="zh-CN" dirty="0"/>
-              <a:t>equal</a:t>
-            </a:r>
-            <a:r>
-              <a:rPr kumimoji="1" lang="zh-CN" altLang="en-US" dirty="0"/>
-              <a:t>的区别</a:t>
-            </a:r>
-            <a:endParaRPr kumimoji="1" lang="en-US" altLang="zh-CN" dirty="0"/>
-          </a:p>
-          <a:p>
-            <a:r>
-              <a:rPr lang="en-US" altLang="zh-CN" dirty="0">
-                <a:hlinkClick r:id="rId3"/>
-              </a:rPr>
-              <a:t>https://www.cnblogs.com/dongguol/p/5845076.html</a:t>
-            </a:r>
-            <a:endParaRPr kumimoji="1" lang="zh-CN" altLang="en-US" dirty="0"/>
+              <a:t>切换到代码演示</a:t>
+            </a:r>
           </a:p>
         </p:txBody>
       </p:sp>
@@ -696,7 +664,7 @@
     </p:spTree>
     <p:extLst>
       <p:ext uri="{BB962C8B-B14F-4D97-AF65-F5344CB8AC3E}">
-        <p14:creationId xmlns:p14="http://schemas.microsoft.com/office/powerpoint/2010/main" val="3285456080"/>
+        <p14:creationId xmlns:p14="http://schemas.microsoft.com/office/powerpoint/2010/main" val="1804485898"/>
       </p:ext>
     </p:extLst>
   </p:cSld>
@@ -750,7 +718,10 @@
           <a:bodyPr/>
           <a:lstStyle/>
           <a:p>
-            <a:endParaRPr kumimoji="1" lang="zh-CN" altLang="en-US" dirty="0"/>
+            <a:r>
+              <a:rPr kumimoji="1" lang="zh-CN" altLang="en-US" dirty="0"/>
+              <a:t>切换到代码演示</a:t>
+            </a:r>
           </a:p>
         </p:txBody>
       </p:sp>
@@ -780,7 +751,7 @@
     </p:spTree>
     <p:extLst>
       <p:ext uri="{BB962C8B-B14F-4D97-AF65-F5344CB8AC3E}">
-        <p14:creationId xmlns:p14="http://schemas.microsoft.com/office/powerpoint/2010/main" val="4167110842"/>
+        <p14:creationId xmlns:p14="http://schemas.microsoft.com/office/powerpoint/2010/main" val="1286253796"/>
       </p:ext>
     </p:extLst>
   </p:cSld>
@@ -864,7 +835,91 @@
     </p:spTree>
     <p:extLst>
       <p:ext uri="{BB962C8B-B14F-4D97-AF65-F5344CB8AC3E}">
-        <p14:creationId xmlns:p14="http://schemas.microsoft.com/office/powerpoint/2010/main" val="216142064"/>
+        <p14:creationId xmlns:p14="http://schemas.microsoft.com/office/powerpoint/2010/main" val="4167110842"/>
+      </p:ext>
+    </p:extLst>
+  </p:cSld>
+  <p:clrMapOvr>
+    <a:masterClrMapping/>
+  </p:clrMapOvr>
+</p:notes>
+</file>
+
+<file path=ppt/notesSlides/notesSlide13.xml><?xml version="1.0" encoding="utf-8"?>
+<p:notes xmlns:a="http://schemas.openxmlformats.org/drawingml/2006/main" xmlns:r="http://schemas.openxmlformats.org/officeDocument/2006/relationships" xmlns:p="http://schemas.openxmlformats.org/presentationml/2006/main">
+  <p:cSld>
+    <p:spTree>
+      <p:nvGrpSpPr>
+        <p:cNvPr id="1" name=""/>
+        <p:cNvGrpSpPr/>
+        <p:nvPr/>
+      </p:nvGrpSpPr>
+      <p:grpSpPr>
+        <a:xfrm>
+          <a:off x="0" y="0"/>
+          <a:ext cx="0" cy="0"/>
+          <a:chOff x="0" y="0"/>
+          <a:chExt cx="0" cy="0"/>
+        </a:xfrm>
+      </p:grpSpPr>
+      <p:sp>
+        <p:nvSpPr>
+          <p:cNvPr id="2" name="幻灯片图像占位符 1"/>
+          <p:cNvSpPr>
+            <a:spLocks noGrp="1" noRot="1" noChangeAspect="1"/>
+          </p:cNvSpPr>
+          <p:nvPr>
+            <p:ph type="sldImg"/>
+          </p:nvPr>
+        </p:nvSpPr>
+        <p:spPr/>
+      </p:sp>
+      <p:sp>
+        <p:nvSpPr>
+          <p:cNvPr id="3" name="备注占位符 2"/>
+          <p:cNvSpPr>
+            <a:spLocks noGrp="1"/>
+          </p:cNvSpPr>
+          <p:nvPr>
+            <p:ph type="body" idx="1"/>
+          </p:nvPr>
+        </p:nvSpPr>
+        <p:spPr/>
+        <p:txBody>
+          <a:bodyPr/>
+          <a:lstStyle/>
+          <a:p>
+            <a:endParaRPr kumimoji="1" lang="zh-CN" altLang="en-US" dirty="0"/>
+          </a:p>
+        </p:txBody>
+      </p:sp>
+      <p:sp>
+        <p:nvSpPr>
+          <p:cNvPr id="4" name="灯片编号占位符 3"/>
+          <p:cNvSpPr>
+            <a:spLocks noGrp="1"/>
+          </p:cNvSpPr>
+          <p:nvPr>
+            <p:ph type="sldNum" sz="quarter" idx="5"/>
+          </p:nvPr>
+        </p:nvSpPr>
+        <p:spPr/>
+        <p:txBody>
+          <a:bodyPr/>
+          <a:lstStyle/>
+          <a:p>
+            <a:fld id="{0F8E57A1-C481-6944-857F-EAC8E932B5ED}" type="slidenum">
+              <a:rPr kumimoji="1" lang="zh-CN" altLang="en-US" smtClean="0"/>
+              <a:t>14</a:t>
+            </a:fld>
+            <a:endParaRPr kumimoji="1" lang="zh-CN" altLang="en-US"/>
+          </a:p>
+        </p:txBody>
+      </p:sp>
+    </p:spTree>
+    <p:extLst>
+      <p:ext uri="{BB962C8B-B14F-4D97-AF65-F5344CB8AC3E}">
+        <p14:creationId xmlns:p14="http://schemas.microsoft.com/office/powerpoint/2010/main" val="1549031721"/>
       </p:ext>
     </p:extLst>
   </p:cSld>
@@ -1006,9 +1061,168 @@
           <a:lstStyle/>
           <a:p>
             <a:r>
-              <a:rPr kumimoji="1" lang="zh-CN" altLang="en-US" dirty="0"/>
-              <a:t>切换到代码演示</a:t>
-            </a:r>
+              <a:rPr lang="en-US" altLang="zh-CN" sz="1200" b="0" i="0" kern="1200" dirty="0" err="1">
+                <a:solidFill>
+                  <a:schemeClr val="tx1"/>
+                </a:solidFill>
+                <a:effectLst/>
+                <a:latin typeface="+mn-lt"/>
+                <a:ea typeface="+mn-ea"/>
+                <a:cs typeface="+mn-cs"/>
+              </a:rPr>
+              <a:t>jvm</a:t>
+            </a:r>
+            <a:r>
+              <a:rPr lang="zh-CN" altLang="en-US" sz="1200" b="0" i="0" kern="1200" dirty="0">
+                <a:solidFill>
+                  <a:schemeClr val="tx1"/>
+                </a:solidFill>
+                <a:effectLst/>
+                <a:latin typeface="+mn-lt"/>
+                <a:ea typeface="+mn-ea"/>
+                <a:cs typeface="+mn-cs"/>
+              </a:rPr>
+              <a:t>这么做，估计方便管理不同维度的数组的生命周期，使数组的引用更独立。但是这对于数组元素访问效率是一个阻力。</a:t>
+            </a:r>
+            <a:endParaRPr lang="en-US" altLang="zh-CN" sz="1200" b="0" i="0" kern="1200" dirty="0">
+              <a:solidFill>
+                <a:schemeClr val="tx1"/>
+              </a:solidFill>
+              <a:effectLst/>
+              <a:latin typeface="+mn-lt"/>
+              <a:ea typeface="+mn-ea"/>
+              <a:cs typeface="+mn-cs"/>
+            </a:endParaRPr>
+          </a:p>
+          <a:p>
+            <a:pPr marL="0" marR="0" lvl="0" indent="0" algn="l" defTabSz="914400" rtl="0" eaLnBrk="1" fontAlgn="auto" latinLnBrk="0" hangingPunct="1">
+              <a:lnSpc>
+                <a:spcPct val="100000"/>
+              </a:lnSpc>
+              <a:spcBef>
+                <a:spcPts val="0"/>
+              </a:spcBef>
+              <a:spcAft>
+                <a:spcPts val="0"/>
+              </a:spcAft>
+              <a:buClrTx/>
+              <a:buSzTx/>
+              <a:buFontTx/>
+              <a:buNone/>
+              <a:tabLst/>
+              <a:defRPr/>
+            </a:pPr>
+            <a:r>
+              <a:rPr lang="zh-CN" altLang="en-US" sz="1200" dirty="0">
+                <a:latin typeface="Microsoft YaHei" panose="020B0503020204020204" pitchFamily="34" charset="-122"/>
+                <a:ea typeface="Microsoft YaHei" panose="020B0503020204020204" pitchFamily="34" charset="-122"/>
+              </a:rPr>
+              <a:t>在</a:t>
+            </a:r>
+            <a:r>
+              <a:rPr lang="en-US" altLang="zh-CN" sz="1200" dirty="0">
+                <a:latin typeface="Microsoft YaHei" panose="020B0503020204020204" pitchFamily="34" charset="-122"/>
+                <a:ea typeface="Microsoft YaHei" panose="020B0503020204020204" pitchFamily="34" charset="-122"/>
+              </a:rPr>
+              <a:t>C/C++</a:t>
+            </a:r>
+            <a:r>
+              <a:rPr lang="zh-CN" altLang="en-US" sz="1200" dirty="0">
+                <a:latin typeface="Microsoft YaHei" panose="020B0503020204020204" pitchFamily="34" charset="-122"/>
+                <a:ea typeface="Microsoft YaHei" panose="020B0503020204020204" pitchFamily="34" charset="-122"/>
+              </a:rPr>
+              <a:t>中，我们定义的变量所需的空间都是分配在栈上的，而</a:t>
+            </a:r>
+            <a:r>
+              <a:rPr lang="en-US" altLang="zh-CN" sz="1200" dirty="0">
+                <a:latin typeface="Microsoft YaHei" panose="020B0503020204020204" pitchFamily="34" charset="-122"/>
+                <a:ea typeface="Microsoft YaHei" panose="020B0503020204020204" pitchFamily="34" charset="-122"/>
+              </a:rPr>
+              <a:t>new</a:t>
+            </a:r>
+            <a:r>
+              <a:rPr lang="zh-CN" altLang="en-US" sz="1200" dirty="0">
+                <a:latin typeface="Microsoft YaHei" panose="020B0503020204020204" pitchFamily="34" charset="-122"/>
+                <a:ea typeface="Microsoft YaHei" panose="020B0503020204020204" pitchFamily="34" charset="-122"/>
+              </a:rPr>
+              <a:t>所需的空间都是分配在堆上的，在栈上的变量必须在代码中明确指出大小，所以在</a:t>
+            </a:r>
+            <a:r>
+              <a:rPr lang="en-US" altLang="zh-CN" sz="1200" dirty="0">
+                <a:latin typeface="Microsoft YaHei" panose="020B0503020204020204" pitchFamily="34" charset="-122"/>
+                <a:ea typeface="Microsoft YaHei" panose="020B0503020204020204" pitchFamily="34" charset="-122"/>
+              </a:rPr>
+              <a:t>C/C++</a:t>
+            </a:r>
+            <a:r>
+              <a:rPr lang="zh-CN" altLang="en-US" sz="1200" dirty="0">
+                <a:latin typeface="Microsoft YaHei" panose="020B0503020204020204" pitchFamily="34" charset="-122"/>
+                <a:ea typeface="Microsoft YaHei" panose="020B0503020204020204" pitchFamily="34" charset="-122"/>
+              </a:rPr>
+              <a:t>中定义数组必须指定大小。</a:t>
+            </a:r>
+            <a:br>
+              <a:rPr lang="zh-CN" altLang="en-US" sz="1200" dirty="0">
+                <a:latin typeface="Microsoft YaHei" panose="020B0503020204020204" pitchFamily="34" charset="-122"/>
+                <a:ea typeface="Microsoft YaHei" panose="020B0503020204020204" pitchFamily="34" charset="-122"/>
+              </a:rPr>
+            </a:br>
+            <a:r>
+              <a:rPr lang="zh-CN" altLang="en-US" sz="1200" dirty="0">
+                <a:latin typeface="Microsoft YaHei" panose="020B0503020204020204" pitchFamily="34" charset="-122"/>
+                <a:ea typeface="Microsoft YaHei" panose="020B0503020204020204" pitchFamily="34" charset="-122"/>
+              </a:rPr>
+              <a:t>而</a:t>
+            </a:r>
+            <a:r>
+              <a:rPr lang="en-US" altLang="zh-CN" sz="1200" dirty="0">
+                <a:latin typeface="Microsoft YaHei" panose="020B0503020204020204" pitchFamily="34" charset="-122"/>
+                <a:ea typeface="Microsoft YaHei" panose="020B0503020204020204" pitchFamily="34" charset="-122"/>
+              </a:rPr>
+              <a:t>JAVA</a:t>
+            </a:r>
+            <a:r>
+              <a:rPr lang="zh-CN" altLang="en-US" sz="1200" dirty="0">
+                <a:latin typeface="Microsoft YaHei" panose="020B0503020204020204" pitchFamily="34" charset="-122"/>
+                <a:ea typeface="Microsoft YaHei" panose="020B0503020204020204" pitchFamily="34" charset="-122"/>
+              </a:rPr>
+              <a:t>中所有的变量都是引用，换个角度理解就是</a:t>
+            </a:r>
+            <a:r>
+              <a:rPr lang="en-US" altLang="zh-CN" sz="1200" dirty="0">
+                <a:latin typeface="Microsoft YaHei" panose="020B0503020204020204" pitchFamily="34" charset="-122"/>
+                <a:ea typeface="Microsoft YaHei" panose="020B0503020204020204" pitchFamily="34" charset="-122"/>
+              </a:rPr>
+              <a:t>C++</a:t>
+            </a:r>
+            <a:r>
+              <a:rPr lang="zh-CN" altLang="en-US" sz="1200" dirty="0">
+                <a:latin typeface="Microsoft YaHei" panose="020B0503020204020204" pitchFamily="34" charset="-122"/>
+                <a:ea typeface="Microsoft YaHei" panose="020B0503020204020204" pitchFamily="34" charset="-122"/>
+              </a:rPr>
+              <a:t>中的指针，所以在</a:t>
+            </a:r>
+            <a:r>
+              <a:rPr lang="en-US" altLang="zh-CN" sz="1200" dirty="0">
+                <a:latin typeface="Microsoft YaHei" panose="020B0503020204020204" pitchFamily="34" charset="-122"/>
+                <a:ea typeface="Microsoft YaHei" panose="020B0503020204020204" pitchFamily="34" charset="-122"/>
+              </a:rPr>
+              <a:t>JAVA</a:t>
+            </a:r>
+            <a:r>
+              <a:rPr lang="zh-CN" altLang="en-US" sz="1200" dirty="0">
+                <a:latin typeface="Microsoft YaHei" panose="020B0503020204020204" pitchFamily="34" charset="-122"/>
+                <a:ea typeface="Microsoft YaHei" panose="020B0503020204020204" pitchFamily="34" charset="-122"/>
+              </a:rPr>
+              <a:t>中的变量都是后期分配的。</a:t>
+            </a:r>
+            <a:endParaRPr lang="en-US" altLang="zh-CN" sz="1200" dirty="0">
+              <a:latin typeface="Microsoft YaHei" panose="020B0503020204020204" pitchFamily="34" charset="-122"/>
+              <a:ea typeface="Microsoft YaHei" panose="020B0503020204020204" pitchFamily="34" charset="-122"/>
+            </a:endParaRPr>
+          </a:p>
+          <a:p>
+            <a:endParaRPr kumimoji="1" lang="zh-CN" altLang="en-US" dirty="0"/>
           </a:p>
         </p:txBody>
       </p:sp>
@@ -1038,7 +1252,7 @@
     </p:spTree>
     <p:extLst>
       <p:ext uri="{BB962C8B-B14F-4D97-AF65-F5344CB8AC3E}">
-        <p14:creationId xmlns:p14="http://schemas.microsoft.com/office/powerpoint/2010/main" val="4167065664"/>
+        <p14:creationId xmlns:p14="http://schemas.microsoft.com/office/powerpoint/2010/main" val="170495779"/>
       </p:ext>
     </p:extLst>
   </p:cSld>
@@ -1125,7 +1339,7 @@
     </p:spTree>
     <p:extLst>
       <p:ext uri="{BB962C8B-B14F-4D97-AF65-F5344CB8AC3E}">
-        <p14:creationId xmlns:p14="http://schemas.microsoft.com/office/powerpoint/2010/main" val="3878273792"/>
+        <p14:creationId xmlns:p14="http://schemas.microsoft.com/office/powerpoint/2010/main" val="542122144"/>
       </p:ext>
     </p:extLst>
   </p:cSld>
@@ -1212,7 +1426,7 @@
     </p:spTree>
     <p:extLst>
       <p:ext uri="{BB962C8B-B14F-4D97-AF65-F5344CB8AC3E}">
-        <p14:creationId xmlns:p14="http://schemas.microsoft.com/office/powerpoint/2010/main" val="170240638"/>
+        <p14:creationId xmlns:p14="http://schemas.microsoft.com/office/powerpoint/2010/main" val="4167065664"/>
       </p:ext>
     </p:extLst>
   </p:cSld>
@@ -1299,7 +1513,7 @@
     </p:spTree>
     <p:extLst>
       <p:ext uri="{BB962C8B-B14F-4D97-AF65-F5344CB8AC3E}">
-        <p14:creationId xmlns:p14="http://schemas.microsoft.com/office/powerpoint/2010/main" val="1804485898"/>
+        <p14:creationId xmlns:p14="http://schemas.microsoft.com/office/powerpoint/2010/main" val="3878273792"/>
       </p:ext>
     </p:extLst>
   </p:cSld>
@@ -1386,7 +1600,7 @@
     </p:spTree>
     <p:extLst>
       <p:ext uri="{BB962C8B-B14F-4D97-AF65-F5344CB8AC3E}">
-        <p14:creationId xmlns:p14="http://schemas.microsoft.com/office/powerpoint/2010/main" val="1812784520"/>
+        <p14:creationId xmlns:p14="http://schemas.microsoft.com/office/powerpoint/2010/main" val="3946330099"/>
       </p:ext>
     </p:extLst>
   </p:cSld>
@@ -1473,7 +1687,7 @@
     </p:spTree>
     <p:extLst>
       <p:ext uri="{BB962C8B-B14F-4D97-AF65-F5344CB8AC3E}">
-        <p14:creationId xmlns:p14="http://schemas.microsoft.com/office/powerpoint/2010/main" val="2895295428"/>
+        <p14:creationId xmlns:p14="http://schemas.microsoft.com/office/powerpoint/2010/main" val="3950146715"/>
       </p:ext>
     </p:extLst>
   </p:cSld>
@@ -1560,7 +1774,7 @@
     </p:spTree>
     <p:extLst>
       <p:ext uri="{BB962C8B-B14F-4D97-AF65-F5344CB8AC3E}">
-        <p14:creationId xmlns:p14="http://schemas.microsoft.com/office/powerpoint/2010/main" val="3449255867"/>
+        <p14:creationId xmlns:p14="http://schemas.microsoft.com/office/powerpoint/2010/main" val="170240638"/>
       </p:ext>
     </p:extLst>
   </p:cSld>
@@ -5016,23 +5230,16 @@
                 <a:latin typeface="Microsoft YaHei" panose="020B0503020204020204" pitchFamily="34" charset="-122"/>
                 <a:ea typeface="Microsoft YaHei" panose="020B0503020204020204" pitchFamily="34" charset="-122"/>
               </a:rPr>
-              <a:t>3.</a:t>
+              <a:t>4.</a:t>
             </a:r>
             <a:r>
               <a:rPr kumimoji="1" lang="zh-CN" altLang="en-US" sz="4800" dirty="0">
                 <a:latin typeface="Microsoft YaHei" panose="020B0503020204020204" pitchFamily="34" charset="-122"/>
                 <a:ea typeface="Microsoft YaHei" panose="020B0503020204020204" pitchFamily="34" charset="-122"/>
               </a:rPr>
-              <a:t>字符类</a:t>
-            </a:r>
-            <a:r>
-              <a:rPr kumimoji="1" lang="en-US" altLang="zh-CN" sz="4800" dirty="0">
-                <a:latin typeface="Microsoft YaHei" panose="020B0503020204020204" pitchFamily="34" charset="-122"/>
-                <a:ea typeface="Microsoft YaHei" panose="020B0503020204020204" pitchFamily="34" charset="-122"/>
-              </a:rPr>
-              <a:t>---character</a:t>
-            </a:r>
-            <a:endParaRPr kumimoji="1" lang="zh-CN" altLang="en-US" sz="4800" dirty="0">
+              <a:t> 书上代码例子分析</a:t>
+            </a:r>
+            <a:endParaRPr kumimoji="1" lang="en-US" altLang="zh-CN" sz="4800" dirty="0">
               <a:latin typeface="Microsoft YaHei" panose="020B0503020204020204" pitchFamily="34" charset="-122"/>
               <a:ea typeface="Microsoft YaHei" panose="020B0503020204020204" pitchFamily="34" charset="-122"/>
             </a:endParaRPr>
@@ -5041,10 +5248,10 @@
       </p:sp>
       <p:sp>
         <p:nvSpPr>
-          <p:cNvPr id="5" name="文本框 4">
-            <a:extLst>
-              <a:ext uri="{FF2B5EF4-FFF2-40B4-BE49-F238E27FC236}">
-                <a16:creationId xmlns:a16="http://schemas.microsoft.com/office/drawing/2014/main" id="{BDDFC8EF-233D-6844-BAEC-86A2AA36D545}"/>
+          <p:cNvPr id="8" name="文本框 7">
+            <a:extLst>
+              <a:ext uri="{FF2B5EF4-FFF2-40B4-BE49-F238E27FC236}">
+                <a16:creationId xmlns:a16="http://schemas.microsoft.com/office/drawing/2014/main" id="{B294230C-E86E-7247-BAC6-5F43DED3D0AF}"/>
               </a:ext>
             </a:extLst>
           </p:cNvPr>
@@ -5053,8 +5260,8 @@
         </p:nvSpPr>
         <p:spPr>
           <a:xfrm>
-            <a:off x="935664" y="2295988"/>
-            <a:ext cx="9937898" cy="523220"/>
+            <a:off x="2374391" y="2041451"/>
+            <a:ext cx="9236361" cy="3135511"/>
           </a:xfrm>
           <a:prstGeom prst="rect">
             <a:avLst/>
@@ -5062,215 +5269,97 @@
           <a:noFill/>
         </p:spPr>
         <p:txBody>
-          <a:bodyPr wrap="square" rtlCol="0">
+          <a:bodyPr wrap="square" tIns="360000" bIns="360000" rtlCol="0">
             <a:spAutoFit/>
           </a:bodyPr>
           <a:lstStyle/>
           <a:p>
-            <a:r>
-              <a:rPr lang="en-US" altLang="zh-CN" sz="2800" dirty="0"/>
-              <a:t>Java </a:t>
-            </a:r>
-            <a:r>
-              <a:rPr lang="zh-CN" altLang="en-US" sz="2800" dirty="0"/>
-              <a:t>的 </a:t>
-            </a:r>
-            <a:r>
-              <a:rPr lang="en-US" altLang="zh-CN" sz="2800" dirty="0"/>
-              <a:t>Character </a:t>
-            </a:r>
-            <a:r>
-              <a:rPr lang="zh-CN" altLang="en-US" sz="2800" dirty="0"/>
-              <a:t>类提供了下列方法用于进行字符处理</a:t>
-            </a:r>
-            <a:endParaRPr lang="en-US" altLang="zh-CN" sz="2800" dirty="0"/>
-          </a:p>
-        </p:txBody>
-      </p:sp>
-      <p:pic>
-        <p:nvPicPr>
-          <p:cNvPr id="6" name="图片 5">
-            <a:extLst>
-              <a:ext uri="{FF2B5EF4-FFF2-40B4-BE49-F238E27FC236}">
-                <a16:creationId xmlns:a16="http://schemas.microsoft.com/office/drawing/2014/main" id="{909F9A0F-7AF4-3E44-A204-D8DCFE21581E}"/>
-              </a:ext>
-            </a:extLst>
-          </p:cNvPr>
-          <p:cNvPicPr>
-            <a:picLocks noChangeAspect="1"/>
-          </p:cNvPicPr>
-          <p:nvPr/>
-        </p:nvPicPr>
-        <p:blipFill>
-          <a:blip r:embed="rId4"/>
-          <a:stretch>
-            <a:fillRect/>
-          </a:stretch>
-        </p:blipFill>
-        <p:spPr>
-          <a:xfrm>
-            <a:off x="935664" y="3104707"/>
-            <a:ext cx="10592985" cy="2817839"/>
-          </a:xfrm>
-          <a:prstGeom prst="rect">
-            <a:avLst/>
-          </a:prstGeom>
-        </p:spPr>
-      </p:pic>
-      <p:sp>
-        <p:nvSpPr>
-          <p:cNvPr id="7" name="文本框 6">
-            <a:extLst>
-              <a:ext uri="{FF2B5EF4-FFF2-40B4-BE49-F238E27FC236}">
-                <a16:creationId xmlns:a16="http://schemas.microsoft.com/office/drawing/2014/main" id="{6857331E-A777-044E-948D-BA4E25600C53}"/>
-              </a:ext>
-            </a:extLst>
-          </p:cNvPr>
-          <p:cNvSpPr txBox="1"/>
-          <p:nvPr/>
-        </p:nvSpPr>
-        <p:spPr>
-          <a:xfrm>
-            <a:off x="3296092" y="6138001"/>
-            <a:ext cx="4827181" cy="400110"/>
-          </a:xfrm>
-          <a:prstGeom prst="rect">
-            <a:avLst/>
-          </a:prstGeom>
-          <a:solidFill>
-            <a:schemeClr val="accent2"/>
-          </a:solidFill>
-        </p:spPr>
-        <p:txBody>
-          <a:bodyPr wrap="square" rtlCol="0">
-            <a:spAutoFit/>
-          </a:bodyPr>
-          <a:lstStyle/>
-          <a:p>
-            <a:r>
-              <a:rPr kumimoji="1" lang="zh-CN" altLang="en-US" sz="2000" dirty="0">
-                <a:solidFill>
-                  <a:schemeClr val="bg1"/>
-                </a:solidFill>
-              </a:rPr>
-              <a:t>上代码： </a:t>
-            </a:r>
-            <a:r>
-              <a:rPr kumimoji="1" lang="en-US" altLang="zh-CN" sz="2000" dirty="0">
-                <a:solidFill>
-                  <a:schemeClr val="bg1"/>
-                </a:solidFill>
-              </a:rPr>
-              <a:t>talk</a:t>
-            </a:r>
-            <a:r>
-              <a:rPr kumimoji="1" lang="zh-CN" altLang="en-US" sz="2000" dirty="0">
-                <a:solidFill>
-                  <a:schemeClr val="bg1"/>
-                </a:solidFill>
-              </a:rPr>
-              <a:t> </a:t>
-            </a:r>
-            <a:r>
-              <a:rPr kumimoji="1" lang="en-US" altLang="zh-CN" sz="2000" dirty="0">
-                <a:solidFill>
-                  <a:schemeClr val="bg1"/>
-                </a:solidFill>
-              </a:rPr>
-              <a:t>is</a:t>
-            </a:r>
-            <a:r>
-              <a:rPr kumimoji="1" lang="zh-CN" altLang="en-US" sz="2000" dirty="0">
-                <a:solidFill>
-                  <a:schemeClr val="bg1"/>
-                </a:solidFill>
-              </a:rPr>
-              <a:t> </a:t>
-            </a:r>
-            <a:r>
-              <a:rPr kumimoji="1" lang="en-US" altLang="zh-CN" sz="2000" dirty="0">
-                <a:solidFill>
-                  <a:schemeClr val="bg1"/>
-                </a:solidFill>
-              </a:rPr>
-              <a:t>cheap,</a:t>
-            </a:r>
-            <a:r>
-              <a:rPr kumimoji="1" lang="zh-CN" altLang="en-US" sz="2000" dirty="0">
-                <a:solidFill>
-                  <a:schemeClr val="bg1"/>
-                </a:solidFill>
-              </a:rPr>
-              <a:t> </a:t>
-            </a:r>
-            <a:r>
-              <a:rPr kumimoji="1" lang="en-US" altLang="zh-CN" sz="2000" dirty="0">
-                <a:solidFill>
-                  <a:schemeClr val="bg1"/>
-                </a:solidFill>
-              </a:rPr>
-              <a:t>show</a:t>
-            </a:r>
-            <a:r>
-              <a:rPr kumimoji="1" lang="zh-CN" altLang="en-US" sz="2000" dirty="0">
-                <a:solidFill>
-                  <a:schemeClr val="bg1"/>
-                </a:solidFill>
-              </a:rPr>
-              <a:t> </a:t>
-            </a:r>
-            <a:r>
-              <a:rPr kumimoji="1" lang="en-US" altLang="zh-CN" sz="2000" dirty="0">
-                <a:solidFill>
-                  <a:schemeClr val="bg1"/>
-                </a:solidFill>
-              </a:rPr>
-              <a:t>me</a:t>
-            </a:r>
-            <a:r>
-              <a:rPr kumimoji="1" lang="zh-CN" altLang="en-US" sz="2000" dirty="0">
-                <a:solidFill>
-                  <a:schemeClr val="bg1"/>
-                </a:solidFill>
-              </a:rPr>
-              <a:t> </a:t>
-            </a:r>
-            <a:r>
-              <a:rPr kumimoji="1" lang="en-US" altLang="zh-CN" sz="2000" dirty="0">
-                <a:solidFill>
-                  <a:schemeClr val="bg1"/>
-                </a:solidFill>
-              </a:rPr>
-              <a:t>the</a:t>
-            </a:r>
-            <a:r>
-              <a:rPr kumimoji="1" lang="zh-CN" altLang="en-US" sz="2000" dirty="0">
-                <a:solidFill>
-                  <a:schemeClr val="bg1"/>
-                </a:solidFill>
-              </a:rPr>
-              <a:t> </a:t>
-            </a:r>
-            <a:r>
-              <a:rPr kumimoji="1" lang="en-US" altLang="zh-CN" sz="2000" dirty="0">
-                <a:solidFill>
-                  <a:schemeClr val="bg1"/>
-                </a:solidFill>
-              </a:rPr>
-              <a:t>code</a:t>
-            </a:r>
-            <a:endParaRPr kumimoji="1" lang="zh-CN" altLang="en-US" sz="2000" dirty="0">
-              <a:solidFill>
-                <a:schemeClr val="bg1"/>
-              </a:solidFill>
+            <a:pPr marL="742950" indent="-742950">
+              <a:lnSpc>
+                <a:spcPct val="150000"/>
+              </a:lnSpc>
+              <a:buFont typeface="+mj-lt"/>
+              <a:buAutoNum type="arabicPeriod"/>
+            </a:pPr>
+            <a:r>
+              <a:rPr kumimoji="1" lang="zh-CN" altLang="en-US" sz="3600" dirty="0">
+                <a:ea typeface="Microsoft YaHei" panose="020B0503020204020204" pitchFamily="34" charset="-122"/>
+              </a:rPr>
+              <a:t>选择题测验评分</a:t>
+            </a:r>
+            <a:endParaRPr kumimoji="1" lang="en-US" altLang="zh-CN" sz="3600" dirty="0">
+              <a:ea typeface="Microsoft YaHei" panose="020B0503020204020204" pitchFamily="34" charset="-122"/>
             </a:endParaRPr>
+          </a:p>
+          <a:p>
+            <a:pPr marL="742950" indent="-742950">
+              <a:lnSpc>
+                <a:spcPct val="150000"/>
+              </a:lnSpc>
+              <a:buFont typeface="+mj-lt"/>
+              <a:buAutoNum type="arabicPeriod"/>
+            </a:pPr>
+            <a:r>
+              <a:rPr kumimoji="1" lang="zh-CN" altLang="en-US" sz="3600" dirty="0">
+                <a:ea typeface="Microsoft YaHei" panose="020B0503020204020204" pitchFamily="34" charset="-122"/>
+              </a:rPr>
+              <a:t>找出举例最近的</a:t>
+            </a:r>
+            <a:r>
+              <a:rPr kumimoji="1" lang="en-US" altLang="zh-CN" sz="3600" dirty="0">
+                <a:ea typeface="Microsoft YaHei" panose="020B0503020204020204" pitchFamily="34" charset="-122"/>
+              </a:rPr>
+              <a:t>2</a:t>
+            </a:r>
+            <a:r>
+              <a:rPr kumimoji="1" lang="zh-CN" altLang="en-US" sz="3600" dirty="0">
+                <a:ea typeface="Microsoft YaHei" panose="020B0503020204020204" pitchFamily="34" charset="-122"/>
+              </a:rPr>
+              <a:t>点</a:t>
+            </a:r>
+            <a:endParaRPr kumimoji="1" lang="en-US" altLang="zh-CN" sz="3600" dirty="0">
+              <a:ea typeface="Microsoft YaHei" panose="020B0503020204020204" pitchFamily="34" charset="-122"/>
+            </a:endParaRPr>
+          </a:p>
+          <a:p>
+            <a:pPr marL="742950" indent="-742950">
+              <a:lnSpc>
+                <a:spcPct val="150000"/>
+              </a:lnSpc>
+              <a:buFont typeface="+mj-lt"/>
+              <a:buAutoNum type="arabicPeriod"/>
+            </a:pPr>
+            <a:r>
+              <a:rPr kumimoji="1" lang="zh-CN" altLang="en-US" sz="3600" dirty="0">
+                <a:ea typeface="Microsoft YaHei" panose="020B0503020204020204" pitchFamily="34" charset="-122"/>
+              </a:rPr>
+              <a:t>数独</a:t>
+            </a:r>
+            <a:r>
+              <a:rPr kumimoji="1" lang="en-US" altLang="zh-CN" sz="3600" dirty="0">
+                <a:ea typeface="Microsoft YaHei" panose="020B0503020204020204" pitchFamily="34" charset="-122"/>
+              </a:rPr>
+              <a:t>(</a:t>
+            </a:r>
+            <a:r>
+              <a:rPr kumimoji="1" lang="zh-CN" altLang="en-US" sz="3600" dirty="0">
+                <a:ea typeface="Microsoft YaHei" panose="020B0503020204020204" pitchFamily="34" charset="-122"/>
+              </a:rPr>
+              <a:t>判断矩阵中每个方格是否</a:t>
+            </a:r>
+            <a:r>
+              <a:rPr kumimoji="1" lang="en-US" altLang="zh-CN" sz="3600" dirty="0">
+                <a:ea typeface="Microsoft YaHei" panose="020B0503020204020204" pitchFamily="34" charset="-122"/>
+              </a:rPr>
+              <a:t>valid)</a:t>
+            </a:r>
           </a:p>
         </p:txBody>
       </p:sp>
     </p:spTree>
     <p:extLst>
       <p:ext uri="{BB962C8B-B14F-4D97-AF65-F5344CB8AC3E}">
-        <p14:creationId xmlns:p14="http://schemas.microsoft.com/office/powerpoint/2010/main" val="1841721081"/>
+        <p14:creationId xmlns:p14="http://schemas.microsoft.com/office/powerpoint/2010/main" val="4198886012"/>
       </p:ext>
     </p:extLst>
   </p:cSld>
@@ -5340,49 +5429,24 @@
                 <a:latin typeface="Microsoft YaHei" panose="020B0503020204020204" pitchFamily="34" charset="-122"/>
                 <a:ea typeface="Microsoft YaHei" panose="020B0503020204020204" pitchFamily="34" charset="-122"/>
               </a:rPr>
-              <a:t>4.</a:t>
+              <a:t>5.</a:t>
             </a:r>
             <a:r>
               <a:rPr kumimoji="1" lang="zh-CN" altLang="en-US" sz="4800" dirty="0">
                 <a:latin typeface="Microsoft YaHei" panose="020B0503020204020204" pitchFamily="34" charset="-122"/>
                 <a:ea typeface="Microsoft YaHei" panose="020B0503020204020204" pitchFamily="34" charset="-122"/>
               </a:rPr>
-              <a:t>字符串</a:t>
-            </a:r>
-            <a:r>
-              <a:rPr kumimoji="1" lang="en-US" altLang="zh-CN" sz="4800" dirty="0">
-                <a:latin typeface="Microsoft YaHei" panose="020B0503020204020204" pitchFamily="34" charset="-122"/>
-                <a:ea typeface="Microsoft YaHei" panose="020B0503020204020204" pitchFamily="34" charset="-122"/>
-              </a:rPr>
-              <a:t>(java</a:t>
-            </a:r>
-            <a:r>
-              <a:rPr kumimoji="1" lang="zh-CN" altLang="en-US" sz="4800" dirty="0">
-                <a:latin typeface="Microsoft YaHei" panose="020B0503020204020204" pitchFamily="34" charset="-122"/>
-                <a:ea typeface="Microsoft YaHei" panose="020B0503020204020204" pitchFamily="34" charset="-122"/>
-              </a:rPr>
-              <a:t>重要部分来了</a:t>
-            </a:r>
-            <a:r>
-              <a:rPr kumimoji="1" lang="en-US" altLang="zh-CN" sz="4800" dirty="0">
-                <a:latin typeface="Microsoft YaHei" panose="020B0503020204020204" pitchFamily="34" charset="-122"/>
-                <a:ea typeface="Microsoft YaHei" panose="020B0503020204020204" pitchFamily="34" charset="-122"/>
-              </a:rPr>
-              <a:t>)</a:t>
-            </a:r>
-            <a:endParaRPr kumimoji="1" lang="zh-CN" altLang="en-US" sz="4800" dirty="0">
-              <a:latin typeface="Microsoft YaHei" panose="020B0503020204020204" pitchFamily="34" charset="-122"/>
-              <a:ea typeface="Microsoft YaHei" panose="020B0503020204020204" pitchFamily="34" charset="-122"/>
-            </a:endParaRPr>
-          </a:p>
-        </p:txBody>
-      </p:sp>
-      <p:sp>
-        <p:nvSpPr>
-          <p:cNvPr id="5" name="文本框 4">
-            <a:extLst>
-              <a:ext uri="{FF2B5EF4-FFF2-40B4-BE49-F238E27FC236}">
-                <a16:creationId xmlns:a16="http://schemas.microsoft.com/office/drawing/2014/main" id="{BDDFC8EF-233D-6844-BAEC-86A2AA36D545}"/>
+              <a:t>多维数组</a:t>
+            </a:r>
+          </a:p>
+        </p:txBody>
+      </p:sp>
+      <p:sp>
+        <p:nvSpPr>
+          <p:cNvPr id="4" name="文本框 3">
+            <a:extLst>
+              <a:ext uri="{FF2B5EF4-FFF2-40B4-BE49-F238E27FC236}">
+                <a16:creationId xmlns:a16="http://schemas.microsoft.com/office/drawing/2014/main" id="{7E45E982-CF6C-734E-9350-731B38FF0ED0}"/>
               </a:ext>
             </a:extLst>
           </p:cNvPr>
@@ -5391,8 +5455,157 @@
         </p:nvSpPr>
         <p:spPr>
           <a:xfrm>
-            <a:off x="935664" y="2419098"/>
-            <a:ext cx="4635796" cy="954107"/>
+            <a:off x="2020186" y="2275367"/>
+            <a:ext cx="9144000" cy="3046988"/>
+          </a:xfrm>
+          <a:prstGeom prst="rect">
+            <a:avLst/>
+          </a:prstGeom>
+          <a:noFill/>
+        </p:spPr>
+        <p:txBody>
+          <a:bodyPr wrap="square" rtlCol="0">
+            <a:spAutoFit/>
+          </a:bodyPr>
+          <a:lstStyle/>
+          <a:p>
+            <a:pPr marL="457200" indent="-457200">
+              <a:buFont typeface="Arial" panose="020B0604020202020204" pitchFamily="34" charset="0"/>
+              <a:buChar char="•"/>
+            </a:pPr>
+            <a:r>
+              <a:rPr kumimoji="1" lang="en-US" altLang="zh-CN" sz="3200" dirty="0"/>
+              <a:t>2</a:t>
+            </a:r>
+            <a:r>
+              <a:rPr kumimoji="1" lang="zh-CN" altLang="en-US" sz="3200" dirty="0"/>
+              <a:t>维数组由一个</a:t>
+            </a:r>
+            <a:r>
+              <a:rPr kumimoji="1" lang="en-US" altLang="zh-CN" sz="3200" dirty="0"/>
+              <a:t>1</a:t>
+            </a:r>
+            <a:r>
+              <a:rPr kumimoji="1" lang="zh-CN" altLang="en-US" sz="3200" dirty="0"/>
+              <a:t>维数组的数组组成，</a:t>
+            </a:r>
+            <a:r>
+              <a:rPr kumimoji="1" lang="en-US" altLang="zh-CN" sz="3200" dirty="0"/>
+              <a:t>2</a:t>
+            </a:r>
+            <a:r>
+              <a:rPr kumimoji="1" lang="zh-CN" altLang="en-US" sz="3200" dirty="0"/>
+              <a:t>维是一个</a:t>
+            </a:r>
+            <a:r>
+              <a:rPr kumimoji="1" lang="en-US" altLang="zh-CN" sz="3200" dirty="0" err="1"/>
+              <a:t>x,y</a:t>
+            </a:r>
+            <a:r>
+              <a:rPr kumimoji="1" lang="zh-CN" altLang="en-US" sz="3200" dirty="0"/>
+              <a:t>平面坐标系</a:t>
+            </a:r>
+            <a:endParaRPr kumimoji="1" lang="en-US" altLang="zh-CN" sz="3200" dirty="0"/>
+          </a:p>
+          <a:p>
+            <a:pPr marL="457200" indent="-457200">
+              <a:buFont typeface="Arial" panose="020B0604020202020204" pitchFamily="34" charset="0"/>
+              <a:buChar char="•"/>
+            </a:pPr>
+            <a:r>
+              <a:rPr kumimoji="1" lang="en-US" altLang="zh-CN" sz="3200" dirty="0"/>
+              <a:t>3</a:t>
+            </a:r>
+            <a:r>
+              <a:rPr kumimoji="1" lang="zh-CN" altLang="en-US" sz="3200" dirty="0"/>
+              <a:t>维数组可以认为是由一个</a:t>
+            </a:r>
+            <a:r>
+              <a:rPr kumimoji="1" lang="en-US" altLang="zh-CN" sz="3200" dirty="0"/>
+              <a:t>2</a:t>
+            </a:r>
+            <a:r>
+              <a:rPr kumimoji="1" lang="zh-CN" altLang="en-US" sz="3200" dirty="0"/>
+              <a:t>维数组的数组所组成 ，</a:t>
+            </a:r>
+            <a:r>
+              <a:rPr kumimoji="1" lang="en-US" altLang="zh-CN" sz="3200" dirty="0"/>
+              <a:t>3</a:t>
+            </a:r>
+            <a:r>
+              <a:rPr kumimoji="1" lang="zh-CN" altLang="en-US" sz="3200" dirty="0"/>
+              <a:t>维是个</a:t>
+            </a:r>
+            <a:r>
+              <a:rPr kumimoji="1" lang="en-US" altLang="zh-CN" sz="3200" dirty="0"/>
+              <a:t>(</a:t>
+            </a:r>
+            <a:r>
+              <a:rPr kumimoji="1" lang="en-US" altLang="zh-CN" sz="3200" dirty="0" err="1"/>
+              <a:t>x,y,z</a:t>
+            </a:r>
+            <a:r>
+              <a:rPr kumimoji="1" lang="en-US" altLang="zh-CN" sz="3200" dirty="0"/>
+              <a:t>)</a:t>
+            </a:r>
+            <a:r>
+              <a:rPr kumimoji="1" lang="zh-CN" altLang="en-US" sz="3200" dirty="0"/>
+              <a:t>的立体坐标系</a:t>
+            </a:r>
+            <a:endParaRPr kumimoji="1" lang="en-US" altLang="zh-CN" sz="3200" dirty="0"/>
+          </a:p>
+          <a:p>
+            <a:pPr marL="457200" indent="-457200">
+              <a:buFont typeface="Arial" panose="020B0604020202020204" pitchFamily="34" charset="0"/>
+              <a:buChar char="•"/>
+            </a:pPr>
+            <a:r>
+              <a:rPr kumimoji="1" lang="en-US" altLang="zh-CN" sz="3200" dirty="0"/>
+              <a:t>N</a:t>
+            </a:r>
+            <a:r>
+              <a:rPr kumimoji="1" lang="zh-CN" altLang="en-US" sz="3200" dirty="0"/>
+              <a:t>维 可以认为是由一个</a:t>
+            </a:r>
+            <a:r>
+              <a:rPr kumimoji="1" lang="en-US" altLang="zh-CN" sz="3200" dirty="0"/>
+              <a:t>N-1</a:t>
+            </a:r>
+            <a:r>
+              <a:rPr kumimoji="1" lang="zh-CN" altLang="en-US" sz="3200" dirty="0"/>
+              <a:t>维的数组组成。</a:t>
+            </a:r>
+            <a:endParaRPr kumimoji="1" lang="en-US" altLang="zh-CN" sz="3200" dirty="0"/>
+          </a:p>
+          <a:p>
+            <a:pPr marL="457200" indent="-457200">
+              <a:buFont typeface="Arial" panose="020B0604020202020204" pitchFamily="34" charset="0"/>
+              <a:buChar char="•"/>
+            </a:pPr>
+            <a:r>
+              <a:rPr kumimoji="1" lang="zh-CN" altLang="en-US" sz="3200" dirty="0"/>
+              <a:t>世界有多少维，那是物理学家的问题。</a:t>
+            </a:r>
+            <a:endParaRPr kumimoji="1" lang="en-US" altLang="zh-CN" sz="3200" dirty="0"/>
+          </a:p>
+        </p:txBody>
+      </p:sp>
+      <p:sp>
+        <p:nvSpPr>
+          <p:cNvPr id="3" name="文本框 2">
+            <a:extLst>
+              <a:ext uri="{FF2B5EF4-FFF2-40B4-BE49-F238E27FC236}">
+                <a16:creationId xmlns:a16="http://schemas.microsoft.com/office/drawing/2014/main" id="{9D69ACF0-35D1-CD41-A0FE-9303BDC6E216}"/>
+              </a:ext>
+            </a:extLst>
+          </p:cNvPr>
+          <p:cNvSpPr txBox="1"/>
+          <p:nvPr/>
+        </p:nvSpPr>
+        <p:spPr>
+          <a:xfrm>
+            <a:off x="5356554" y="5785115"/>
+            <a:ext cx="2062716" cy="523220"/>
           </a:xfrm>
           <a:prstGeom prst="rect">
             <a:avLst/>
@@ -5408,322 +5621,22 @@
           <a:lstStyle/>
           <a:p>
             <a:r>
-              <a:rPr lang="en-US" altLang="zh-CN" sz="2800" dirty="0">
+              <a:rPr kumimoji="1" lang="zh-CN" altLang="en-US" sz="2800" dirty="0">
                 <a:solidFill>
                   <a:schemeClr val="bg1"/>
                 </a:solidFill>
-              </a:rPr>
-              <a:t>char</a:t>
-            </a:r>
-            <a:r>
-              <a:rPr lang="zh-CN" altLang="en-US" sz="2800" dirty="0">
-                <a:solidFill>
-                  <a:schemeClr val="bg1"/>
-                </a:solidFill>
-              </a:rPr>
-              <a:t>类型只能表示一个字符</a:t>
-            </a:r>
-            <a:endParaRPr lang="en-US" altLang="zh-CN" sz="2800" dirty="0">
-              <a:solidFill>
-                <a:schemeClr val="bg1"/>
-              </a:solidFill>
-            </a:endParaRPr>
-          </a:p>
-          <a:p>
-            <a:r>
-              <a:rPr lang="en-US" altLang="zh-CN" sz="2800" dirty="0">
-                <a:solidFill>
-                  <a:schemeClr val="bg1"/>
-                </a:solidFill>
-              </a:rPr>
-              <a:t>String</a:t>
-            </a:r>
-            <a:r>
-              <a:rPr lang="zh-CN" altLang="en-US" sz="2800" dirty="0">
-                <a:solidFill>
-                  <a:schemeClr val="bg1"/>
-                </a:solidFill>
-              </a:rPr>
-              <a:t>类型能表示一串字符</a:t>
-            </a:r>
-            <a:endParaRPr lang="en-US" altLang="zh-CN" sz="2800" dirty="0">
-              <a:solidFill>
-                <a:schemeClr val="bg1"/>
-              </a:solidFill>
-            </a:endParaRPr>
-          </a:p>
-        </p:txBody>
-      </p:sp>
-      <p:sp>
-        <p:nvSpPr>
-          <p:cNvPr id="7" name="文本框 6">
-            <a:extLst>
-              <a:ext uri="{FF2B5EF4-FFF2-40B4-BE49-F238E27FC236}">
-                <a16:creationId xmlns:a16="http://schemas.microsoft.com/office/drawing/2014/main" id="{6857331E-A777-044E-948D-BA4E25600C53}"/>
-              </a:ext>
-            </a:extLst>
-          </p:cNvPr>
-          <p:cNvSpPr txBox="1"/>
-          <p:nvPr/>
-        </p:nvSpPr>
-        <p:spPr>
-          <a:xfrm>
-            <a:off x="3491022" y="6323800"/>
-            <a:ext cx="4827181" cy="400110"/>
-          </a:xfrm>
-          <a:prstGeom prst="rect">
-            <a:avLst/>
-          </a:prstGeom>
-          <a:solidFill>
-            <a:schemeClr val="accent2"/>
-          </a:solidFill>
-        </p:spPr>
-        <p:txBody>
-          <a:bodyPr wrap="square" rtlCol="0">
-            <a:spAutoFit/>
-          </a:bodyPr>
-          <a:lstStyle/>
-          <a:p>
-            <a:r>
-              <a:rPr kumimoji="1" lang="zh-CN" altLang="en-US" sz="2000" dirty="0">
-                <a:solidFill>
-                  <a:schemeClr val="bg1"/>
-                </a:solidFill>
-              </a:rPr>
-              <a:t>上代码： </a:t>
-            </a:r>
-            <a:r>
-              <a:rPr kumimoji="1" lang="en-US" altLang="zh-CN" sz="2000" dirty="0">
-                <a:solidFill>
-                  <a:schemeClr val="bg1"/>
-                </a:solidFill>
-              </a:rPr>
-              <a:t>talk</a:t>
-            </a:r>
-            <a:r>
-              <a:rPr kumimoji="1" lang="zh-CN" altLang="en-US" sz="2000" dirty="0">
-                <a:solidFill>
-                  <a:schemeClr val="bg1"/>
-                </a:solidFill>
-              </a:rPr>
-              <a:t> </a:t>
-            </a:r>
-            <a:r>
-              <a:rPr kumimoji="1" lang="en-US" altLang="zh-CN" sz="2000" dirty="0">
-                <a:solidFill>
-                  <a:schemeClr val="bg1"/>
-                </a:solidFill>
-              </a:rPr>
-              <a:t>is</a:t>
-            </a:r>
-            <a:r>
-              <a:rPr kumimoji="1" lang="zh-CN" altLang="en-US" sz="2000" dirty="0">
-                <a:solidFill>
-                  <a:schemeClr val="bg1"/>
-                </a:solidFill>
-              </a:rPr>
-              <a:t> </a:t>
-            </a:r>
-            <a:r>
-              <a:rPr kumimoji="1" lang="en-US" altLang="zh-CN" sz="2000" dirty="0">
-                <a:solidFill>
-                  <a:schemeClr val="bg1"/>
-                </a:solidFill>
-              </a:rPr>
-              <a:t>cheap,</a:t>
-            </a:r>
-            <a:r>
-              <a:rPr kumimoji="1" lang="zh-CN" altLang="en-US" sz="2000" dirty="0">
-                <a:solidFill>
-                  <a:schemeClr val="bg1"/>
-                </a:solidFill>
-              </a:rPr>
-              <a:t> </a:t>
-            </a:r>
-            <a:r>
-              <a:rPr kumimoji="1" lang="en-US" altLang="zh-CN" sz="2000" dirty="0">
-                <a:solidFill>
-                  <a:schemeClr val="bg1"/>
-                </a:solidFill>
-              </a:rPr>
-              <a:t>show</a:t>
-            </a:r>
-            <a:r>
-              <a:rPr kumimoji="1" lang="zh-CN" altLang="en-US" sz="2000" dirty="0">
-                <a:solidFill>
-                  <a:schemeClr val="bg1"/>
-                </a:solidFill>
-              </a:rPr>
-              <a:t> </a:t>
-            </a:r>
-            <a:r>
-              <a:rPr kumimoji="1" lang="en-US" altLang="zh-CN" sz="2000" dirty="0">
-                <a:solidFill>
-                  <a:schemeClr val="bg1"/>
-                </a:solidFill>
-              </a:rPr>
-              <a:t>me</a:t>
-            </a:r>
-            <a:r>
-              <a:rPr kumimoji="1" lang="zh-CN" altLang="en-US" sz="2000" dirty="0">
-                <a:solidFill>
-                  <a:schemeClr val="bg1"/>
-                </a:solidFill>
-              </a:rPr>
-              <a:t> </a:t>
-            </a:r>
-            <a:r>
-              <a:rPr kumimoji="1" lang="en-US" altLang="zh-CN" sz="2000" dirty="0">
-                <a:solidFill>
-                  <a:schemeClr val="bg1"/>
-                </a:solidFill>
-              </a:rPr>
-              <a:t>the</a:t>
-            </a:r>
-            <a:r>
-              <a:rPr kumimoji="1" lang="zh-CN" altLang="en-US" sz="2000" dirty="0">
-                <a:solidFill>
-                  <a:schemeClr val="bg1"/>
-                </a:solidFill>
-              </a:rPr>
-              <a:t> </a:t>
-            </a:r>
-            <a:r>
-              <a:rPr kumimoji="1" lang="en-US" altLang="zh-CN" sz="2000" dirty="0">
-                <a:solidFill>
-                  <a:schemeClr val="bg1"/>
-                </a:solidFill>
-              </a:rPr>
-              <a:t>code</a:t>
-            </a:r>
-            <a:endParaRPr kumimoji="1" lang="zh-CN" altLang="en-US" sz="2000" dirty="0">
-              <a:solidFill>
-                <a:schemeClr val="bg1"/>
-              </a:solidFill>
-            </a:endParaRPr>
-          </a:p>
-        </p:txBody>
-      </p:sp>
-      <p:sp>
-        <p:nvSpPr>
-          <p:cNvPr id="3" name="文本框 2">
-            <a:extLst>
-              <a:ext uri="{FF2B5EF4-FFF2-40B4-BE49-F238E27FC236}">
-                <a16:creationId xmlns:a16="http://schemas.microsoft.com/office/drawing/2014/main" id="{A16284F0-DF43-B04C-8CC5-F96CE7D472CF}"/>
-              </a:ext>
-            </a:extLst>
-          </p:cNvPr>
-          <p:cNvSpPr txBox="1"/>
-          <p:nvPr/>
-        </p:nvSpPr>
-        <p:spPr>
-          <a:xfrm>
-            <a:off x="6387912" y="1936851"/>
-            <a:ext cx="5557285" cy="4401205"/>
-          </a:xfrm>
-          <a:prstGeom prst="rect">
-            <a:avLst/>
-          </a:prstGeom>
-          <a:noFill/>
-        </p:spPr>
-        <p:txBody>
-          <a:bodyPr wrap="square" rtlCol="0">
-            <a:spAutoFit/>
-          </a:bodyPr>
-          <a:lstStyle/>
-          <a:p>
-            <a:r>
-              <a:rPr kumimoji="1" lang="zh-CN" altLang="en-US" sz="2800" dirty="0"/>
-              <a:t>字符串长度</a:t>
-            </a:r>
-            <a:endParaRPr kumimoji="1" lang="en-US" altLang="zh-CN" sz="2800" dirty="0"/>
-          </a:p>
-          <a:p>
-            <a:r>
-              <a:rPr kumimoji="1" lang="zh-CN" altLang="en-US" sz="2800" dirty="0"/>
-              <a:t>字符串拼接</a:t>
-            </a:r>
-            <a:endParaRPr kumimoji="1" lang="en-US" altLang="zh-CN" sz="2800" dirty="0"/>
-          </a:p>
-          <a:p>
-            <a:r>
-              <a:rPr kumimoji="1" lang="zh-CN" altLang="en-US" sz="2800" dirty="0"/>
-              <a:t>字符串中获取字符</a:t>
-            </a:r>
-            <a:endParaRPr kumimoji="1" lang="en-US" altLang="zh-CN" sz="2800" dirty="0"/>
-          </a:p>
-          <a:p>
-            <a:r>
-              <a:rPr kumimoji="1" lang="zh-CN" altLang="en-US" sz="2800" dirty="0"/>
-              <a:t>字符串大小写转换</a:t>
-            </a:r>
-            <a:endParaRPr kumimoji="1" lang="en-US" altLang="zh-CN" sz="2800" dirty="0"/>
-          </a:p>
-          <a:p>
-            <a:r>
-              <a:rPr kumimoji="1" lang="zh-CN" altLang="en-US" sz="2800" dirty="0"/>
-              <a:t>字符串比较</a:t>
-            </a:r>
-            <a:r>
-              <a:rPr kumimoji="1" lang="en-US" altLang="zh-CN" sz="2800" dirty="0"/>
-              <a:t>(equal)</a:t>
-            </a:r>
-          </a:p>
-          <a:p>
-            <a:r>
-              <a:rPr kumimoji="1" lang="zh-CN" altLang="en-US" sz="2800" dirty="0"/>
-              <a:t>字符串比较</a:t>
-            </a:r>
-            <a:r>
-              <a:rPr kumimoji="1" lang="en-US" altLang="zh-CN" sz="2800" dirty="0"/>
-              <a:t>(start</a:t>
-            </a:r>
-            <a:r>
-              <a:rPr kumimoji="1" lang="zh-CN" altLang="en-US" sz="2800" dirty="0"/>
-              <a:t> </a:t>
-            </a:r>
-            <a:r>
-              <a:rPr kumimoji="1" lang="en-US" altLang="zh-CN" sz="2800" dirty="0"/>
-              <a:t>with)</a:t>
-            </a:r>
-          </a:p>
-          <a:p>
-            <a:r>
-              <a:rPr kumimoji="1" lang="zh-CN" altLang="en-US" sz="2800" dirty="0"/>
-              <a:t>字符串包含关系</a:t>
-            </a:r>
-            <a:r>
-              <a:rPr kumimoji="1" lang="en-US" altLang="zh-CN" sz="2800" dirty="0"/>
-              <a:t>(contains)</a:t>
-            </a:r>
-          </a:p>
-          <a:p>
-            <a:r>
-              <a:rPr kumimoji="1" lang="zh-CN" altLang="en-US" sz="2800" dirty="0"/>
-              <a:t>字符串子串</a:t>
-            </a:r>
-            <a:endParaRPr kumimoji="1" lang="en-US" altLang="zh-CN" sz="2800" dirty="0"/>
-          </a:p>
-          <a:p>
-            <a:r>
-              <a:rPr kumimoji="1" lang="zh-CN" altLang="en-US" sz="2800" dirty="0"/>
-              <a:t>字符串和数字之间的转换</a:t>
-            </a:r>
-            <a:endParaRPr kumimoji="1" lang="en-US" altLang="zh-CN" sz="2800" dirty="0"/>
-          </a:p>
-          <a:p>
-            <a:r>
-              <a:rPr kumimoji="1" lang="en-US" altLang="zh-CN" sz="2800" dirty="0"/>
-              <a:t>…</a:t>
-            </a:r>
-            <a:endParaRPr kumimoji="1" lang="zh-CN" altLang="en-US" sz="2800" dirty="0"/>
+                <a:latin typeface="Microsoft YaHei" panose="020B0503020204020204" pitchFamily="34" charset="-122"/>
+                <a:ea typeface="Microsoft YaHei" panose="020B0503020204020204" pitchFamily="34" charset="-122"/>
+              </a:rPr>
+              <a:t>看书中示例</a:t>
+            </a:r>
           </a:p>
         </p:txBody>
       </p:sp>
     </p:spTree>
     <p:extLst>
       <p:ext uri="{BB962C8B-B14F-4D97-AF65-F5344CB8AC3E}">
-        <p14:creationId xmlns:p14="http://schemas.microsoft.com/office/powerpoint/2010/main" val="1931940136"/>
+        <p14:creationId xmlns:p14="http://schemas.microsoft.com/office/powerpoint/2010/main" val="3634669245"/>
       </p:ext>
     </p:extLst>
   </p:cSld>
@@ -5773,6 +5686,224 @@
         </p:nvSpPr>
         <p:spPr>
           <a:xfrm>
+            <a:off x="2520000" y="720000"/>
+            <a:ext cx="7735824" cy="830997"/>
+          </a:xfrm>
+          <a:prstGeom prst="rect">
+            <a:avLst/>
+          </a:prstGeom>
+          <a:noFill/>
+        </p:spPr>
+        <p:txBody>
+          <a:bodyPr wrap="square" rtlCol="0">
+            <a:spAutoFit/>
+          </a:bodyPr>
+          <a:lstStyle/>
+          <a:p>
+            <a:pPr algn="ctr"/>
+            <a:r>
+              <a:rPr kumimoji="1" lang="en-US" altLang="zh-CN" sz="4800" dirty="0">
+                <a:latin typeface="Microsoft YaHei" panose="020B0503020204020204" pitchFamily="34" charset="-122"/>
+                <a:ea typeface="Microsoft YaHei" panose="020B0503020204020204" pitchFamily="34" charset="-122"/>
+              </a:rPr>
+              <a:t>5.</a:t>
+            </a:r>
+            <a:r>
+              <a:rPr kumimoji="1" lang="zh-CN" altLang="en-US" sz="4800" dirty="0">
+                <a:latin typeface="Microsoft YaHei" panose="020B0503020204020204" pitchFamily="34" charset="-122"/>
+                <a:ea typeface="Microsoft YaHei" panose="020B0503020204020204" pitchFamily="34" charset="-122"/>
+              </a:rPr>
+              <a:t>多维数组的示例</a:t>
+            </a:r>
+          </a:p>
+        </p:txBody>
+      </p:sp>
+      <p:sp>
+        <p:nvSpPr>
+          <p:cNvPr id="3" name="文本框 2">
+            <a:extLst>
+              <a:ext uri="{FF2B5EF4-FFF2-40B4-BE49-F238E27FC236}">
+                <a16:creationId xmlns:a16="http://schemas.microsoft.com/office/drawing/2014/main" id="{9D69ACF0-35D1-CD41-A0FE-9303BDC6E216}"/>
+              </a:ext>
+            </a:extLst>
+          </p:cNvPr>
+          <p:cNvSpPr txBox="1"/>
+          <p:nvPr/>
+        </p:nvSpPr>
+        <p:spPr>
+          <a:xfrm>
+            <a:off x="5356554" y="5785115"/>
+            <a:ext cx="2062716" cy="523220"/>
+          </a:xfrm>
+          <a:prstGeom prst="rect">
+            <a:avLst/>
+          </a:prstGeom>
+          <a:solidFill>
+            <a:schemeClr val="accent2"/>
+          </a:solidFill>
+        </p:spPr>
+        <p:txBody>
+          <a:bodyPr wrap="square" rtlCol="0">
+            <a:spAutoFit/>
+          </a:bodyPr>
+          <a:lstStyle/>
+          <a:p>
+            <a:r>
+              <a:rPr kumimoji="1" lang="zh-CN" altLang="en-US" sz="2800" dirty="0">
+                <a:solidFill>
+                  <a:schemeClr val="bg1"/>
+                </a:solidFill>
+                <a:latin typeface="Microsoft YaHei" panose="020B0503020204020204" pitchFamily="34" charset="-122"/>
+                <a:ea typeface="Microsoft YaHei" panose="020B0503020204020204" pitchFamily="34" charset="-122"/>
+              </a:rPr>
+              <a:t>看书中示例</a:t>
+            </a:r>
+          </a:p>
+        </p:txBody>
+      </p:sp>
+      <p:sp>
+        <p:nvSpPr>
+          <p:cNvPr id="5" name="文本框 4">
+            <a:extLst>
+              <a:ext uri="{FF2B5EF4-FFF2-40B4-BE49-F238E27FC236}">
+                <a16:creationId xmlns:a16="http://schemas.microsoft.com/office/drawing/2014/main" id="{FF737259-1204-C64E-9DB6-0DEE96BF5886}"/>
+              </a:ext>
+            </a:extLst>
+          </p:cNvPr>
+          <p:cNvSpPr txBox="1"/>
+          <p:nvPr/>
+        </p:nvSpPr>
+        <p:spPr>
+          <a:xfrm>
+            <a:off x="2349878" y="2612519"/>
+            <a:ext cx="8920633" cy="1406260"/>
+          </a:xfrm>
+          <a:prstGeom prst="rect">
+            <a:avLst/>
+          </a:prstGeom>
+          <a:noFill/>
+        </p:spPr>
+        <p:txBody>
+          <a:bodyPr wrap="square" rtlCol="0">
+            <a:spAutoFit/>
+          </a:bodyPr>
+          <a:lstStyle/>
+          <a:p>
+            <a:r>
+              <a:rPr kumimoji="1" lang="zh-CN" altLang="en-US" sz="2800" dirty="0">
+                <a:latin typeface="Microsoft YaHei" panose="020B0503020204020204" pitchFamily="34" charset="-122"/>
+                <a:ea typeface="Microsoft YaHei" panose="020B0503020204020204" pitchFamily="34" charset="-122"/>
+              </a:rPr>
+              <a:t>参照二维的 </a:t>
+            </a:r>
+            <a:r>
+              <a:rPr kumimoji="1" lang="en-US" altLang="zh-CN" sz="2800" dirty="0">
+                <a:latin typeface="Microsoft YaHei" panose="020B0503020204020204" pitchFamily="34" charset="-122"/>
+                <a:ea typeface="Microsoft YaHei" panose="020B0503020204020204" pitchFamily="34" charset="-122"/>
+              </a:rPr>
+              <a:t>2</a:t>
+            </a:r>
+            <a:r>
+              <a:rPr kumimoji="1" lang="zh-CN" altLang="en-US" sz="2800" dirty="0">
+                <a:latin typeface="Microsoft YaHei" panose="020B0503020204020204" pitchFamily="34" charset="-122"/>
+                <a:ea typeface="Microsoft YaHei" panose="020B0503020204020204" pitchFamily="34" charset="-122"/>
+              </a:rPr>
+              <a:t>点之间最短，那对于</a:t>
+            </a:r>
+            <a:r>
+              <a:rPr kumimoji="1" lang="en-US" altLang="zh-CN" sz="2800" dirty="0">
+                <a:latin typeface="Microsoft YaHei" panose="020B0503020204020204" pitchFamily="34" charset="-122"/>
+                <a:ea typeface="Microsoft YaHei" panose="020B0503020204020204" pitchFamily="34" charset="-122"/>
+              </a:rPr>
+              <a:t>3</a:t>
+            </a:r>
+            <a:r>
+              <a:rPr kumimoji="1" lang="zh-CN" altLang="en-US" sz="2800" dirty="0">
+                <a:latin typeface="Microsoft YaHei" panose="020B0503020204020204" pitchFamily="34" charset="-122"/>
+                <a:ea typeface="Microsoft YaHei" panose="020B0503020204020204" pitchFamily="34" charset="-122"/>
+              </a:rPr>
+              <a:t>维，也可以写出</a:t>
+            </a:r>
+            <a:r>
+              <a:rPr kumimoji="1" lang="en-US" altLang="zh-CN" sz="2800" dirty="0">
+                <a:latin typeface="Microsoft YaHei" panose="020B0503020204020204" pitchFamily="34" charset="-122"/>
+                <a:ea typeface="Microsoft YaHei" panose="020B0503020204020204" pitchFamily="34" charset="-122"/>
+              </a:rPr>
+              <a:t>2</a:t>
+            </a:r>
+            <a:r>
+              <a:rPr kumimoji="1" lang="zh-CN" altLang="en-US" sz="2800" dirty="0">
+                <a:latin typeface="Microsoft YaHei" panose="020B0503020204020204" pitchFamily="34" charset="-122"/>
+                <a:ea typeface="Microsoft YaHei" panose="020B0503020204020204" pitchFamily="34" charset="-122"/>
+              </a:rPr>
+              <a:t>点之间最短的程序。请大家思考如何写这个程序？</a:t>
+            </a:r>
+            <a:endParaRPr kumimoji="1" lang="en-US" altLang="zh-CN" sz="2800" dirty="0">
+              <a:latin typeface="Microsoft YaHei" panose="020B0503020204020204" pitchFamily="34" charset="-122"/>
+              <a:ea typeface="Microsoft YaHei" panose="020B0503020204020204" pitchFamily="34" charset="-122"/>
+            </a:endParaRPr>
+          </a:p>
+          <a:p>
+            <a:endParaRPr kumimoji="1" lang="zh-CN" altLang="en-US" sz="2800" dirty="0">
+              <a:latin typeface="Microsoft YaHei" panose="020B0503020204020204" pitchFamily="34" charset="-122"/>
+              <a:ea typeface="Microsoft YaHei" panose="020B0503020204020204" pitchFamily="34" charset="-122"/>
+            </a:endParaRPr>
+          </a:p>
+        </p:txBody>
+      </p:sp>
+    </p:spTree>
+    <p:extLst>
+      <p:ext uri="{BB962C8B-B14F-4D97-AF65-F5344CB8AC3E}">
+        <p14:creationId xmlns:p14="http://schemas.microsoft.com/office/powerpoint/2010/main" val="1200545461"/>
+      </p:ext>
+    </p:extLst>
+  </p:cSld>
+  <p:clrMapOvr>
+    <a:masterClrMapping/>
+  </p:clrMapOvr>
+</p:sld>
+</file>
+
+<file path=ppt/slides/slide13.xml><?xml version="1.0" encoding="utf-8"?>
+<p:sld xmlns:a="http://schemas.openxmlformats.org/drawingml/2006/main" xmlns:r="http://schemas.openxmlformats.org/officeDocument/2006/relationships" xmlns:p="http://schemas.openxmlformats.org/presentationml/2006/main">
+  <p:cSld>
+    <p:bg>
+      <p:bgPr>
+        <a:blipFill>
+          <a:blip r:embed="rId3"/>
+          <a:tile tx="0" ty="0" sx="100000" sy="100000" flip="none" algn="tl"/>
+        </a:blipFill>
+        <a:effectLst/>
+      </p:bgPr>
+    </p:bg>
+    <p:spTree>
+      <p:nvGrpSpPr>
+        <p:cNvPr id="1" name=""/>
+        <p:cNvGrpSpPr/>
+        <p:nvPr/>
+      </p:nvGrpSpPr>
+      <p:grpSpPr>
+        <a:xfrm>
+          <a:off x="0" y="0"/>
+          <a:ext cx="0" cy="0"/>
+          <a:chOff x="0" y="0"/>
+          <a:chExt cx="0" cy="0"/>
+        </a:xfrm>
+      </p:grpSpPr>
+      <p:sp>
+        <p:nvSpPr>
+          <p:cNvPr id="2" name="文本框 1">
+            <a:extLst>
+              <a:ext uri="{FF2B5EF4-FFF2-40B4-BE49-F238E27FC236}">
+                <a16:creationId xmlns:a16="http://schemas.microsoft.com/office/drawing/2014/main" id="{12AA8BCC-7B15-4842-80C2-48C079429338}"/>
+              </a:ext>
+            </a:extLst>
+          </p:cNvPr>
+          <p:cNvSpPr txBox="1"/>
+          <p:nvPr/>
+        </p:nvSpPr>
+        <p:spPr>
+          <a:xfrm>
             <a:off x="2228088" y="2921168"/>
             <a:ext cx="7735824" cy="1015663"/>
           </a:xfrm>
@@ -5811,7 +5942,7 @@
 </p:sld>
 </file>
 
-<file path=ppt/slides/slide13.xml><?xml version="1.0" encoding="utf-8"?>
+<file path=ppt/slides/slide14.xml><?xml version="1.0" encoding="utf-8"?>
 <p:sld xmlns:a="http://schemas.openxmlformats.org/drawingml/2006/main" xmlns:r="http://schemas.openxmlformats.org/officeDocument/2006/relationships" xmlns:p="http://schemas.openxmlformats.org/presentationml/2006/main">
   <p:cSld>
     <p:bg>
@@ -5845,7 +5976,7 @@
     </p:spTree>
     <p:extLst>
       <p:ext uri="{BB962C8B-B14F-4D97-AF65-F5344CB8AC3E}">
-        <p14:creationId xmlns:p14="http://schemas.microsoft.com/office/powerpoint/2010/main" val="327218390"/>
+        <p14:creationId xmlns:p14="http://schemas.microsoft.com/office/powerpoint/2010/main" val="1945794368"/>
       </p:ext>
     </p:extLst>
   </p:cSld>
@@ -5990,7 +6121,7 @@
                 <a:latin typeface="Microsoft YaHei" panose="020B0503020204020204" pitchFamily="34" charset="-122"/>
                 <a:ea typeface="Microsoft YaHei" panose="020B0503020204020204" pitchFamily="34" charset="-122"/>
               </a:rPr>
-              <a:t>如何操作二维数组</a:t>
+              <a:t>二维数组的使用</a:t>
             </a:r>
             <a:endParaRPr kumimoji="1" lang="en-US" altLang="zh-CN" sz="2800" dirty="0">
               <a:latin typeface="Microsoft YaHei" panose="020B0503020204020204" pitchFamily="34" charset="-122"/>
@@ -6163,18 +6294,11 @@
               <a:t>1.</a:t>
             </a:r>
             <a:r>
-              <a:rPr kumimoji="1" lang="zh-CN" altLang="en-US" sz="4800">
-                <a:latin typeface="Microsoft YaHei" panose="020B0503020204020204" pitchFamily="34" charset="-122"/>
-                <a:ea typeface="Microsoft YaHei" panose="020B0503020204020204" pitchFamily="34" charset="-122"/>
-              </a:rPr>
-              <a:t> 二维数</a:t>
-            </a:r>
-            <a:r>
               <a:rPr kumimoji="1" lang="zh-CN" altLang="en-US" sz="4800" dirty="0">
                 <a:latin typeface="Microsoft YaHei" panose="020B0503020204020204" pitchFamily="34" charset="-122"/>
                 <a:ea typeface="Microsoft YaHei" panose="020B0503020204020204" pitchFamily="34" charset="-122"/>
               </a:rPr>
-              <a:t>组的基本知识</a:t>
+              <a:t> 二维数组的基本知识</a:t>
             </a:r>
             <a:endParaRPr kumimoji="1" lang="en-US" altLang="zh-CN" sz="4800" dirty="0">
               <a:ea typeface="Microsoft YaHei" panose="020B0503020204020204" pitchFamily="34" charset="-122"/>
@@ -6197,7 +6321,7 @@
         <p:spPr>
           <a:xfrm>
             <a:off x="1353667" y="2123605"/>
-            <a:ext cx="7443216" cy="1305395"/>
+            <a:ext cx="7443216" cy="1951725"/>
           </a:xfrm>
           <a:prstGeom prst="rect">
             <a:avLst/>
@@ -6210,20 +6334,144 @@
           </a:bodyPr>
           <a:lstStyle/>
           <a:p>
-            <a:pPr>
+            <a:pPr marL="514350" indent="-514350">
               <a:lnSpc>
                 <a:spcPct val="150000"/>
               </a:lnSpc>
+              <a:buFont typeface="+mj-lt"/>
+              <a:buAutoNum type="arabicPeriod"/>
             </a:pPr>
             <a:r>
               <a:rPr kumimoji="1" lang="zh-CN" altLang="en-US" sz="2800" dirty="0">
                 <a:ea typeface="Microsoft YaHei" panose="020B0503020204020204" pitchFamily="34" charset="-122"/>
               </a:rPr>
-              <a:t>定义：存储相同类型的变量的线性表</a:t>
+              <a:t>声明初始化二维数组</a:t>
             </a:r>
             <a:endParaRPr kumimoji="1" lang="en-US" altLang="zh-CN" sz="2800" dirty="0">
               <a:ea typeface="Microsoft YaHei" panose="020B0503020204020204" pitchFamily="34" charset="-122"/>
             </a:endParaRPr>
+          </a:p>
+          <a:p>
+            <a:pPr marL="514350" indent="-514350">
+              <a:lnSpc>
+                <a:spcPct val="150000"/>
+              </a:lnSpc>
+              <a:buFont typeface="+mj-lt"/>
+              <a:buAutoNum type="arabicPeriod"/>
+            </a:pPr>
+            <a:r>
+              <a:rPr kumimoji="1" lang="zh-CN" altLang="en-US" sz="2800" dirty="0">
+                <a:ea typeface="Microsoft YaHei" panose="020B0503020204020204" pitchFamily="34" charset="-122"/>
+              </a:rPr>
+              <a:t>数组长度</a:t>
+            </a:r>
+            <a:endParaRPr kumimoji="1" lang="en-US" altLang="zh-CN" sz="2800" dirty="0">
+              <a:ea typeface="Microsoft YaHei" panose="020B0503020204020204" pitchFamily="34" charset="-122"/>
+            </a:endParaRPr>
+          </a:p>
+        </p:txBody>
+      </p:sp>
+      <p:sp>
+        <p:nvSpPr>
+          <p:cNvPr id="3" name="文本框 2">
+            <a:extLst>
+              <a:ext uri="{FF2B5EF4-FFF2-40B4-BE49-F238E27FC236}">
+                <a16:creationId xmlns:a16="http://schemas.microsoft.com/office/drawing/2014/main" id="{E817C69E-CC3F-3A46-8295-CC3FD8B6B583}"/>
+              </a:ext>
+            </a:extLst>
+          </p:cNvPr>
+          <p:cNvSpPr txBox="1"/>
+          <p:nvPr/>
+        </p:nvSpPr>
+        <p:spPr>
+          <a:xfrm>
+            <a:off x="5319823" y="5393721"/>
+            <a:ext cx="1552354" cy="461665"/>
+          </a:xfrm>
+          <a:prstGeom prst="rect">
+            <a:avLst/>
+          </a:prstGeom>
+          <a:solidFill>
+            <a:schemeClr val="accent2"/>
+          </a:solidFill>
+        </p:spPr>
+        <p:txBody>
+          <a:bodyPr wrap="square" rtlCol="0">
+            <a:spAutoFit/>
+          </a:bodyPr>
+          <a:lstStyle/>
+          <a:p>
+            <a:r>
+              <a:rPr kumimoji="1" lang="zh-CN" altLang="en-US" sz="2400" dirty="0">
+                <a:solidFill>
+                  <a:schemeClr val="bg1"/>
+                </a:solidFill>
+              </a:rPr>
+              <a:t>看代码</a:t>
+            </a:r>
+          </a:p>
+        </p:txBody>
+      </p:sp>
+      <p:sp>
+        <p:nvSpPr>
+          <p:cNvPr id="5" name="文本框 4">
+            <a:extLst>
+              <a:ext uri="{FF2B5EF4-FFF2-40B4-BE49-F238E27FC236}">
+                <a16:creationId xmlns:a16="http://schemas.microsoft.com/office/drawing/2014/main" id="{7F404375-3BE9-B843-B595-7628CB946902}"/>
+              </a:ext>
+            </a:extLst>
+          </p:cNvPr>
+          <p:cNvSpPr txBox="1"/>
+          <p:nvPr/>
+        </p:nvSpPr>
+        <p:spPr>
+          <a:xfrm>
+            <a:off x="7974419" y="2406969"/>
+            <a:ext cx="3089480" cy="1384995"/>
+          </a:xfrm>
+          <a:prstGeom prst="rect">
+            <a:avLst/>
+          </a:prstGeom>
+          <a:solidFill>
+            <a:schemeClr val="accent2"/>
+          </a:solidFill>
+        </p:spPr>
+        <p:txBody>
+          <a:bodyPr wrap="square" rtlCol="0">
+            <a:spAutoFit/>
+          </a:bodyPr>
+          <a:lstStyle/>
+          <a:p>
+            <a:r>
+              <a:rPr kumimoji="1" lang="zh-CN" altLang="en-US" sz="2800" dirty="0">
+                <a:solidFill>
+                  <a:schemeClr val="bg1"/>
+                </a:solidFill>
+                <a:latin typeface="Microsoft YaHei" panose="020B0503020204020204" pitchFamily="34" charset="-122"/>
+                <a:ea typeface="Microsoft YaHei" panose="020B0503020204020204" pitchFamily="34" charset="-122"/>
+              </a:rPr>
+              <a:t>请用</a:t>
+            </a:r>
+            <a:r>
+              <a:rPr kumimoji="1" lang="en-US" altLang="zh-CN" sz="2800" dirty="0">
+                <a:solidFill>
+                  <a:schemeClr val="bg1"/>
+                </a:solidFill>
+                <a:latin typeface="Microsoft YaHei" panose="020B0503020204020204" pitchFamily="34" charset="-122"/>
+                <a:ea typeface="Microsoft YaHei" panose="020B0503020204020204" pitchFamily="34" charset="-122"/>
+              </a:rPr>
+              <a:t>Excel</a:t>
+            </a:r>
+            <a:r>
+              <a:rPr kumimoji="1" lang="zh-CN" altLang="en-US" sz="2800" dirty="0">
+                <a:solidFill>
+                  <a:schemeClr val="bg1"/>
+                </a:solidFill>
+                <a:latin typeface="Microsoft YaHei" panose="020B0503020204020204" pitchFamily="34" charset="-122"/>
+                <a:ea typeface="Microsoft YaHei" panose="020B0503020204020204" pitchFamily="34" charset="-122"/>
+              </a:rPr>
+              <a:t> 表对比二维数组，这样更容易理解</a:t>
+            </a:r>
           </a:p>
         </p:txBody>
       </p:sp>
@@ -6280,8 +6528,8 @@
         </p:nvSpPr>
         <p:spPr>
           <a:xfrm>
-            <a:off x="2520000" y="720000"/>
-            <a:ext cx="7735824" cy="830997"/>
+            <a:off x="574159" y="829340"/>
+            <a:ext cx="10994064" cy="830997"/>
           </a:xfrm>
           <a:prstGeom prst="rect">
             <a:avLst/>
@@ -6296,31 +6544,39 @@
           <a:p>
             <a:pPr algn="ctr"/>
             <a:r>
+              <a:rPr kumimoji="1" lang="zh-CN" altLang="en-US" sz="4800" dirty="0">
+                <a:latin typeface="Microsoft YaHei" panose="020B0503020204020204" pitchFamily="34" charset="-122"/>
+                <a:ea typeface="Microsoft YaHei" panose="020B0503020204020204" pitchFamily="34" charset="-122"/>
+              </a:rPr>
+              <a:t>特别注意：二维数组</a:t>
+            </a:r>
+            <a:r>
               <a:rPr kumimoji="1" lang="en-US" altLang="zh-CN" sz="4800" dirty="0">
                 <a:latin typeface="Microsoft YaHei" panose="020B0503020204020204" pitchFamily="34" charset="-122"/>
                 <a:ea typeface="Microsoft YaHei" panose="020B0503020204020204" pitchFamily="34" charset="-122"/>
               </a:rPr>
-              <a:t>1.</a:t>
+              <a:t>C</a:t>
             </a:r>
             <a:r>
               <a:rPr kumimoji="1" lang="zh-CN" altLang="en-US" sz="4800" dirty="0">
                 <a:latin typeface="Microsoft YaHei" panose="020B0503020204020204" pitchFamily="34" charset="-122"/>
                 <a:ea typeface="Microsoft YaHei" panose="020B0503020204020204" pitchFamily="34" charset="-122"/>
               </a:rPr>
-              <a:t> 常用的方法</a:t>
+              <a:t>语言和</a:t>
             </a:r>
             <a:r>
               <a:rPr kumimoji="1" lang="en-US" altLang="zh-CN" sz="4800" dirty="0">
                 <a:latin typeface="Microsoft YaHei" panose="020B0503020204020204" pitchFamily="34" charset="-122"/>
                 <a:ea typeface="Microsoft YaHei" panose="020B0503020204020204" pitchFamily="34" charset="-122"/>
               </a:rPr>
-              <a:t>---</a:t>
+              <a:t>java</a:t>
             </a:r>
             <a:r>
               <a:rPr kumimoji="1" lang="zh-CN" altLang="en-US" sz="4800" dirty="0">
-                <a:ea typeface="Microsoft YaHei" panose="020B0503020204020204" pitchFamily="34" charset="-122"/>
-              </a:rPr>
-              <a:t>取整函数</a:t>
+                <a:latin typeface="Microsoft YaHei" panose="020B0503020204020204" pitchFamily="34" charset="-122"/>
+                <a:ea typeface="Microsoft YaHei" panose="020B0503020204020204" pitchFamily="34" charset="-122"/>
+              </a:rPr>
+              <a:t>的区别</a:t>
             </a:r>
             <a:endParaRPr kumimoji="1" lang="en-US" altLang="zh-CN" sz="4800" dirty="0">
               <a:ea typeface="Microsoft YaHei" panose="020B0503020204020204" pitchFamily="34" charset="-122"/>
@@ -6330,10 +6586,10 @@
       </p:sp>
       <p:sp>
         <p:nvSpPr>
-          <p:cNvPr id="8" name="文本框 7">
-            <a:extLst>
-              <a:ext uri="{FF2B5EF4-FFF2-40B4-BE49-F238E27FC236}">
-                <a16:creationId xmlns:a16="http://schemas.microsoft.com/office/drawing/2014/main" id="{B294230C-E86E-7247-BAC6-5F43DED3D0AF}"/>
+          <p:cNvPr id="3" name="文本框 2">
+            <a:extLst>
+              <a:ext uri="{FF2B5EF4-FFF2-40B4-BE49-F238E27FC236}">
+                <a16:creationId xmlns:a16="http://schemas.microsoft.com/office/drawing/2014/main" id="{BEDFF244-5544-1C47-8A5F-43DB60BA0EBD}"/>
               </a:ext>
             </a:extLst>
           </p:cNvPr>
@@ -6342,8 +6598,8 @@
         </p:nvSpPr>
         <p:spPr>
           <a:xfrm>
-            <a:off x="2374391" y="2041451"/>
-            <a:ext cx="9236361" cy="3132626"/>
+            <a:off x="1488558" y="2445488"/>
+            <a:ext cx="10703442" cy="4154984"/>
           </a:xfrm>
           <a:prstGeom prst="rect">
             <a:avLst/>
@@ -6351,145 +6607,244 @@
           <a:noFill/>
         </p:spPr>
         <p:txBody>
-          <a:bodyPr wrap="square" tIns="360000" bIns="360000" rtlCol="0">
+          <a:bodyPr wrap="square" rtlCol="0">
             <a:spAutoFit/>
           </a:bodyPr>
           <a:lstStyle/>
           <a:p>
-            <a:pPr>
-              <a:lnSpc>
-                <a:spcPct val="150000"/>
-              </a:lnSpc>
-            </a:pPr>
-            <a:r>
-              <a:rPr kumimoji="1" lang="en-US" altLang="zh-CN" sz="3600" dirty="0" err="1">
-                <a:ea typeface="Microsoft YaHei" panose="020B0503020204020204" pitchFamily="34" charset="-122"/>
-              </a:rPr>
-              <a:t>Math.ceil</a:t>
-            </a:r>
-            <a:r>
-              <a:rPr kumimoji="1" lang="en-US" altLang="zh-CN" sz="3600" dirty="0">
-                <a:ea typeface="Microsoft YaHei" panose="020B0503020204020204" pitchFamily="34" charset="-122"/>
-              </a:rPr>
-              <a:t>(3.45)</a:t>
-            </a:r>
-            <a:r>
-              <a:rPr kumimoji="1" lang="zh-CN" altLang="en-US" sz="3600" dirty="0">
-                <a:ea typeface="Microsoft YaHei" panose="020B0503020204020204" pitchFamily="34" charset="-122"/>
-              </a:rPr>
-              <a:t>  </a:t>
-            </a:r>
-            <a:r>
-              <a:rPr kumimoji="1" lang="en-US" altLang="zh-CN" sz="3600" dirty="0">
-                <a:ea typeface="Microsoft YaHei" panose="020B0503020204020204" pitchFamily="34" charset="-122"/>
-              </a:rPr>
-              <a:t>//</a:t>
-            </a:r>
-            <a:r>
-              <a:rPr kumimoji="1" lang="zh-CN" altLang="en-US" sz="3600" dirty="0">
-                <a:ea typeface="Microsoft YaHei" panose="020B0503020204020204" pitchFamily="34" charset="-122"/>
-              </a:rPr>
-              <a:t> 向上取整，返回</a:t>
-            </a:r>
-            <a:r>
-              <a:rPr kumimoji="1" lang="en-US" altLang="zh-CN" sz="3600" dirty="0">
-                <a:ea typeface="Microsoft YaHei" panose="020B0503020204020204" pitchFamily="34" charset="-122"/>
-              </a:rPr>
-              <a:t>4.0</a:t>
-            </a:r>
-          </a:p>
-          <a:p>
-            <a:pPr>
-              <a:lnSpc>
-                <a:spcPct val="150000"/>
-              </a:lnSpc>
-            </a:pPr>
-            <a:r>
-              <a:rPr kumimoji="1" lang="en-US" altLang="zh-CN" sz="3600" dirty="0" err="1">
-                <a:ea typeface="Microsoft YaHei" panose="020B0503020204020204" pitchFamily="34" charset="-122"/>
-              </a:rPr>
-              <a:t>Math.floor</a:t>
-            </a:r>
-            <a:r>
-              <a:rPr kumimoji="1" lang="en-US" altLang="zh-CN" sz="3600" dirty="0">
-                <a:ea typeface="Microsoft YaHei" panose="020B0503020204020204" pitchFamily="34" charset="-122"/>
-              </a:rPr>
-              <a:t>(3.45)</a:t>
-            </a:r>
-            <a:r>
-              <a:rPr kumimoji="1" lang="zh-CN" altLang="en-US" sz="3600" dirty="0">
-                <a:ea typeface="Microsoft YaHei" panose="020B0503020204020204" pitchFamily="34" charset="-122"/>
-              </a:rPr>
-              <a:t>   </a:t>
-            </a:r>
-            <a:r>
-              <a:rPr kumimoji="1" lang="en-US" altLang="zh-CN" sz="3600" dirty="0">
-                <a:ea typeface="Microsoft YaHei" panose="020B0503020204020204" pitchFamily="34" charset="-122"/>
-              </a:rPr>
-              <a:t>//</a:t>
-            </a:r>
-            <a:r>
-              <a:rPr kumimoji="1" lang="zh-CN" altLang="en-US" sz="3600" dirty="0">
-                <a:ea typeface="Microsoft YaHei" panose="020B0503020204020204" pitchFamily="34" charset="-122"/>
-              </a:rPr>
-              <a:t>向下取整，返回</a:t>
-            </a:r>
-            <a:r>
-              <a:rPr kumimoji="1" lang="en-US" altLang="zh-CN" sz="3600" dirty="0">
-                <a:ea typeface="Microsoft YaHei" panose="020B0503020204020204" pitchFamily="34" charset="-122"/>
-              </a:rPr>
-              <a:t>3.0</a:t>
-            </a:r>
-          </a:p>
-          <a:p>
-            <a:pPr>
-              <a:lnSpc>
-                <a:spcPct val="150000"/>
-              </a:lnSpc>
-            </a:pPr>
-            <a:r>
-              <a:rPr kumimoji="1" lang="en-US" altLang="zh-CN" sz="3600" dirty="0" err="1">
-                <a:ea typeface="Microsoft YaHei" panose="020B0503020204020204" pitchFamily="34" charset="-122"/>
-              </a:rPr>
-              <a:t>Math.round</a:t>
-            </a:r>
-            <a:r>
-              <a:rPr kumimoji="1" lang="en-US" altLang="zh-CN" sz="3600" dirty="0">
-                <a:ea typeface="Microsoft YaHei" panose="020B0503020204020204" pitchFamily="34" charset="-122"/>
-              </a:rPr>
-              <a:t>(3.45)</a:t>
-            </a:r>
-            <a:r>
-              <a:rPr kumimoji="1" lang="zh-CN" altLang="en-US" sz="3600" dirty="0">
+            <a:r>
+              <a:rPr lang="en-US" altLang="zh-CN" sz="2400" dirty="0">
+                <a:latin typeface="Microsoft YaHei" panose="020B0503020204020204" pitchFamily="34" charset="-122"/>
+                <a:ea typeface="Microsoft YaHei" panose="020B0503020204020204" pitchFamily="34" charset="-122"/>
+              </a:rPr>
+              <a:t>C</a:t>
+            </a:r>
+            <a:r>
+              <a:rPr lang="zh-CN" altLang="en-US" sz="2400" dirty="0">
+                <a:latin typeface="Microsoft YaHei" panose="020B0503020204020204" pitchFamily="34" charset="-122"/>
+                <a:ea typeface="Microsoft YaHei" panose="020B0503020204020204" pitchFamily="34" charset="-122"/>
+              </a:rPr>
+              <a:t>语言：变量数组可省略行数，但</a:t>
+            </a:r>
+            <a:r>
+              <a:rPr lang="zh-CN" altLang="en-US" sz="2400" dirty="0">
+                <a:solidFill>
+                  <a:srgbClr val="FF0000"/>
+                </a:solidFill>
+                <a:latin typeface="Microsoft YaHei" panose="020B0503020204020204" pitchFamily="34" charset="-122"/>
+                <a:ea typeface="Microsoft YaHei" panose="020B0503020204020204" pitchFamily="34" charset="-122"/>
+              </a:rPr>
+              <a:t>不可省略列数</a:t>
+            </a:r>
+            <a:endParaRPr lang="en-US" altLang="zh-CN" sz="2400" dirty="0">
+              <a:solidFill>
+                <a:srgbClr val="FF0000"/>
+              </a:solidFill>
+              <a:latin typeface="Microsoft YaHei" panose="020B0503020204020204" pitchFamily="34" charset="-122"/>
+              <a:ea typeface="Microsoft YaHei" panose="020B0503020204020204" pitchFamily="34" charset="-122"/>
+            </a:endParaRPr>
+          </a:p>
+          <a:p>
+            <a:pPr lvl="0"/>
+            <a:r>
+              <a:rPr lang="en-US" altLang="zh-CN" sz="2400" dirty="0">
+                <a:solidFill>
+                  <a:prstClr val="black"/>
+                </a:solidFill>
+                <a:latin typeface="Microsoft YaHei" panose="020B0503020204020204" pitchFamily="34" charset="-122"/>
+                <a:ea typeface="Microsoft YaHei" panose="020B0503020204020204" pitchFamily="34" charset="-122"/>
+              </a:rPr>
+              <a:t>	int a[][3]={{1,2,3},{4,5,6},{7,8,9}};</a:t>
+            </a:r>
+          </a:p>
+          <a:p>
+            <a:pPr lvl="0"/>
+            <a:endParaRPr lang="en-US" altLang="zh-CN" sz="2400" dirty="0">
+              <a:solidFill>
+                <a:srgbClr val="FF0000"/>
+              </a:solidFill>
+              <a:latin typeface="Microsoft YaHei" panose="020B0503020204020204" pitchFamily="34" charset="-122"/>
+              <a:ea typeface="Microsoft YaHei" panose="020B0503020204020204" pitchFamily="34" charset="-122"/>
+            </a:endParaRPr>
+          </a:p>
+          <a:p>
+            <a:r>
+              <a:rPr lang="en-US" altLang="zh-CN" sz="2400" dirty="0">
+                <a:latin typeface="Microsoft YaHei" panose="020B0503020204020204" pitchFamily="34" charset="-122"/>
+                <a:ea typeface="Microsoft YaHei" panose="020B0503020204020204" pitchFamily="34" charset="-122"/>
+              </a:rPr>
+              <a:t>Java:</a:t>
+            </a:r>
+            <a:r>
+              <a:rPr lang="zh-CN" altLang="en-US" sz="2400" dirty="0">
+                <a:latin typeface="Microsoft YaHei" panose="020B0503020204020204" pitchFamily="34" charset="-122"/>
                 <a:ea typeface="Microsoft YaHei" panose="020B0503020204020204" pitchFamily="34" charset="-122"/>
               </a:rPr>
               <a:t> </a:t>
             </a:r>
-            <a:r>
-              <a:rPr kumimoji="1" lang="en-US" altLang="zh-CN" sz="3600" dirty="0">
-                <a:ea typeface="Microsoft YaHei" panose="020B0503020204020204" pitchFamily="34" charset="-122"/>
-              </a:rPr>
-              <a:t>//</a:t>
-            </a:r>
-            <a:r>
-              <a:rPr kumimoji="1" lang="zh-CN" altLang="en-US" sz="3600" dirty="0">
-                <a:ea typeface="Microsoft YaHei" panose="020B0503020204020204" pitchFamily="34" charset="-122"/>
-              </a:rPr>
-              <a:t>四舍五入法，返回</a:t>
-            </a:r>
-            <a:r>
-              <a:rPr kumimoji="1" lang="en-US" altLang="zh-CN" sz="3600" dirty="0">
-                <a:ea typeface="Microsoft YaHei" panose="020B0503020204020204" pitchFamily="34" charset="-122"/>
-              </a:rPr>
-              <a:t>3</a:t>
-            </a:r>
+            <a:endParaRPr lang="en-US" altLang="zh-CN" sz="2400" dirty="0">
+              <a:latin typeface="Microsoft YaHei" panose="020B0503020204020204" pitchFamily="34" charset="-122"/>
+              <a:ea typeface="Microsoft YaHei" panose="020B0503020204020204" pitchFamily="34" charset="-122"/>
+            </a:endParaRPr>
+          </a:p>
+          <a:p>
+            <a:r>
+              <a:rPr lang="en-US" altLang="zh-CN" sz="2400" dirty="0">
+                <a:latin typeface="Microsoft YaHei" panose="020B0503020204020204" pitchFamily="34" charset="-122"/>
+                <a:ea typeface="Microsoft YaHei" panose="020B0503020204020204" pitchFamily="34" charset="-122"/>
+              </a:rPr>
+              <a:t>	1.</a:t>
+            </a:r>
+            <a:r>
+              <a:rPr lang="zh-CN" altLang="en-US" sz="2400" dirty="0">
+                <a:latin typeface="Microsoft YaHei" panose="020B0503020204020204" pitchFamily="34" charset="-122"/>
+                <a:ea typeface="Microsoft YaHei" panose="020B0503020204020204" pitchFamily="34" charset="-122"/>
+              </a:rPr>
+              <a:t>  在</a:t>
+            </a:r>
+            <a:r>
+              <a:rPr lang="en-US" altLang="zh-CN" sz="2400" dirty="0">
+                <a:solidFill>
+                  <a:srgbClr val="FF0000"/>
+                </a:solidFill>
+                <a:latin typeface="Microsoft YaHei" panose="020B0503020204020204" pitchFamily="34" charset="-122"/>
+                <a:ea typeface="Microsoft YaHei" panose="020B0503020204020204" pitchFamily="34" charset="-122"/>
+              </a:rPr>
+              <a:t>new</a:t>
+            </a:r>
+            <a:r>
+              <a:rPr lang="zh-CN" altLang="en-US" sz="2400" dirty="0">
+                <a:solidFill>
+                  <a:srgbClr val="FF0000"/>
+                </a:solidFill>
+                <a:latin typeface="Microsoft YaHei" panose="020B0503020204020204" pitchFamily="34" charset="-122"/>
+                <a:ea typeface="Microsoft YaHei" panose="020B0503020204020204" pitchFamily="34" charset="-122"/>
+              </a:rPr>
+              <a:t>的时候</a:t>
+            </a:r>
+            <a:r>
+              <a:rPr lang="zh-CN" altLang="en-US" sz="2400" dirty="0">
+                <a:latin typeface="Microsoft YaHei" panose="020B0503020204020204" pitchFamily="34" charset="-122"/>
+                <a:ea typeface="Microsoft YaHei" panose="020B0503020204020204" pitchFamily="34" charset="-122"/>
+              </a:rPr>
+              <a:t>可省略列数，但</a:t>
+            </a:r>
+            <a:r>
+              <a:rPr lang="zh-CN" altLang="en-US" sz="2400" dirty="0">
+                <a:solidFill>
+                  <a:srgbClr val="FF0000"/>
+                </a:solidFill>
+                <a:latin typeface="Microsoft YaHei" panose="020B0503020204020204" pitchFamily="34" charset="-122"/>
+                <a:ea typeface="Microsoft YaHei" panose="020B0503020204020204" pitchFamily="34" charset="-122"/>
+              </a:rPr>
+              <a:t>不可省略行数</a:t>
+            </a:r>
+            <a:endParaRPr lang="en-US" altLang="zh-CN" sz="2400" dirty="0">
+              <a:solidFill>
+                <a:srgbClr val="FF0000"/>
+              </a:solidFill>
+              <a:latin typeface="Microsoft YaHei" panose="020B0503020204020204" pitchFamily="34" charset="-122"/>
+              <a:ea typeface="Microsoft YaHei" panose="020B0503020204020204" pitchFamily="34" charset="-122"/>
+            </a:endParaRPr>
+          </a:p>
+          <a:p>
+            <a:r>
+              <a:rPr lang="en-US" altLang="zh-CN" sz="2400" dirty="0">
+                <a:latin typeface="Microsoft YaHei" panose="020B0503020204020204" pitchFamily="34" charset="-122"/>
+                <a:ea typeface="Microsoft YaHei" panose="020B0503020204020204" pitchFamily="34" charset="-122"/>
+              </a:rPr>
+              <a:t>	</a:t>
+            </a:r>
+            <a:r>
+              <a:rPr lang="zh-CN" altLang="en-US" sz="2400" dirty="0">
+                <a:latin typeface="Microsoft YaHei" panose="020B0503020204020204" pitchFamily="34" charset="-122"/>
+                <a:ea typeface="Microsoft YaHei" panose="020B0503020204020204" pitchFamily="34" charset="-122"/>
+              </a:rPr>
+              <a:t>     </a:t>
+            </a:r>
+            <a:r>
+              <a:rPr lang="en-US" altLang="zh-CN" sz="2400" dirty="0">
+                <a:latin typeface="Microsoft YaHei" panose="020B0503020204020204" pitchFamily="34" charset="-122"/>
+                <a:ea typeface="Microsoft YaHei" panose="020B0503020204020204" pitchFamily="34" charset="-122"/>
+              </a:rPr>
+              <a:t>int[][] a = new int[5][]; </a:t>
+            </a:r>
+          </a:p>
+          <a:p>
+            <a:endParaRPr lang="en-US" altLang="zh-CN" sz="2400" dirty="0">
+              <a:solidFill>
+                <a:srgbClr val="FF0000"/>
+              </a:solidFill>
+              <a:latin typeface="Microsoft YaHei" panose="020B0503020204020204" pitchFamily="34" charset="-122"/>
+              <a:ea typeface="Microsoft YaHei" panose="020B0503020204020204" pitchFamily="34" charset="-122"/>
+            </a:endParaRPr>
+          </a:p>
+          <a:p>
+            <a:r>
+              <a:rPr lang="en-US" altLang="zh-CN" sz="2400" dirty="0">
+                <a:latin typeface="Microsoft YaHei" panose="020B0503020204020204" pitchFamily="34" charset="-122"/>
+                <a:ea typeface="Microsoft YaHei" panose="020B0503020204020204" pitchFamily="34" charset="-122"/>
+              </a:rPr>
+              <a:t>	2.</a:t>
+            </a:r>
+            <a:r>
+              <a:rPr lang="zh-CN" altLang="en-US" sz="2400" dirty="0">
+                <a:latin typeface="Microsoft YaHei" panose="020B0503020204020204" pitchFamily="34" charset="-122"/>
+                <a:ea typeface="Microsoft YaHei" panose="020B0503020204020204" pitchFamily="34" charset="-122"/>
+              </a:rPr>
+              <a:t> 静态定义二维数组 </a:t>
+            </a:r>
+            <a:r>
+              <a:rPr lang="en-US" altLang="zh-CN" sz="2400" dirty="0">
+                <a:latin typeface="Microsoft YaHei" panose="020B0503020204020204" pitchFamily="34" charset="-122"/>
+                <a:ea typeface="Microsoft YaHei" panose="020B0503020204020204" pitchFamily="34" charset="-122"/>
+              </a:rPr>
+              <a:t>int a[][]= {{0,1,2,3,4,5,6},{0,1,2,3,4,5,6,7,8,9}};</a:t>
+            </a:r>
+            <a:r>
+              <a:rPr lang="zh-CN" altLang="en-US" sz="2400" dirty="0">
+                <a:latin typeface="Microsoft YaHei" panose="020B0503020204020204" pitchFamily="34" charset="-122"/>
+                <a:ea typeface="Microsoft YaHei" panose="020B0503020204020204" pitchFamily="34" charset="-122"/>
+              </a:rPr>
+              <a:t>注</a:t>
+            </a:r>
+            <a:r>
+              <a:rPr lang="en-US" altLang="zh-CN" sz="2400" dirty="0">
+                <a:latin typeface="Microsoft YaHei" panose="020B0503020204020204" pitchFamily="34" charset="-122"/>
+                <a:ea typeface="Microsoft YaHei" panose="020B0503020204020204" pitchFamily="34" charset="-122"/>
+              </a:rPr>
+              <a:t>	</a:t>
+            </a:r>
+            <a:r>
+              <a:rPr lang="zh-CN" altLang="en-US" sz="2400" dirty="0">
+                <a:latin typeface="Microsoft YaHei" panose="020B0503020204020204" pitchFamily="34" charset="-122"/>
+                <a:ea typeface="Microsoft YaHei" panose="020B0503020204020204" pitchFamily="34" charset="-122"/>
+              </a:rPr>
+              <a:t>    意 第二维的子数组长度可以不相同</a:t>
+            </a:r>
+            <a:endParaRPr lang="en-US" altLang="zh-CN" sz="2400" dirty="0">
+              <a:latin typeface="Microsoft YaHei" panose="020B0503020204020204" pitchFamily="34" charset="-122"/>
+              <a:ea typeface="Microsoft YaHei" panose="020B0503020204020204" pitchFamily="34" charset="-122"/>
+            </a:endParaRPr>
+          </a:p>
+          <a:p>
+            <a:endParaRPr lang="en-US" altLang="zh-CN" sz="2400" dirty="0">
+              <a:latin typeface="Microsoft YaHei" panose="020B0503020204020204" pitchFamily="34" charset="-122"/>
+              <a:ea typeface="Microsoft YaHei" panose="020B0503020204020204" pitchFamily="34" charset="-122"/>
+            </a:endParaRPr>
+          </a:p>
+          <a:p>
+            <a:endParaRPr kumimoji="1" lang="zh-CN" altLang="en-US" sz="2400" dirty="0">
+              <a:latin typeface="Microsoft YaHei" panose="020B0503020204020204" pitchFamily="34" charset="-122"/>
+              <a:ea typeface="Microsoft YaHei" panose="020B0503020204020204" pitchFamily="34" charset="-122"/>
+            </a:endParaRPr>
           </a:p>
         </p:txBody>
       </p:sp>
     </p:spTree>
     <p:extLst>
       <p:ext uri="{BB962C8B-B14F-4D97-AF65-F5344CB8AC3E}">
-        <p14:creationId xmlns:p14="http://schemas.microsoft.com/office/powerpoint/2010/main" val="2325618620"/>
+        <p14:creationId xmlns:p14="http://schemas.microsoft.com/office/powerpoint/2010/main" val="1468744519"/>
       </p:ext>
     </p:extLst>
   </p:cSld>
@@ -6539,8 +6894,8 @@
         </p:nvSpPr>
         <p:spPr>
           <a:xfrm>
-            <a:off x="2520000" y="720000"/>
-            <a:ext cx="7735824" cy="2308324"/>
+            <a:off x="1954532" y="531627"/>
+            <a:ext cx="8899367" cy="830997"/>
           </a:xfrm>
           <a:prstGeom prst="rect">
             <a:avLst/>
@@ -6553,266 +6908,74 @@
           </a:bodyPr>
           <a:lstStyle/>
           <a:p>
-            <a:pPr marL="914400" indent="-914400" algn="ctr">
-              <a:buAutoNum type="arabicPeriod"/>
-            </a:pPr>
+            <a:pPr algn="ctr"/>
             <a:r>
               <a:rPr kumimoji="1" lang="zh-CN" altLang="en-US" sz="4800" dirty="0">
-                <a:latin typeface="Microsoft YaHei" panose="020B0503020204020204" pitchFamily="34" charset="-122"/>
-                <a:ea typeface="Microsoft YaHei" panose="020B0503020204020204" pitchFamily="34" charset="-122"/>
-              </a:rPr>
-              <a:t>常用的方法</a:t>
-            </a:r>
-            <a:endParaRPr kumimoji="1" lang="en-US" altLang="zh-CN" sz="4800" dirty="0">
-              <a:latin typeface="Microsoft YaHei" panose="020B0503020204020204" pitchFamily="34" charset="-122"/>
-              <a:ea typeface="Microsoft YaHei" panose="020B0503020204020204" pitchFamily="34" charset="-122"/>
-            </a:endParaRPr>
-          </a:p>
-          <a:p>
-            <a:pPr algn="ctr"/>
+                <a:ea typeface="Microsoft YaHei" panose="020B0503020204020204" pitchFamily="34" charset="-122"/>
+              </a:rPr>
+              <a:t>锯齿形矩阵</a:t>
+            </a:r>
             <a:r>
               <a:rPr kumimoji="1" lang="zh-CN" altLang="en-US" sz="4800" dirty="0">
-                <a:ea typeface="Microsoft YaHei" panose="020B0503020204020204" pitchFamily="34" charset="-122"/>
-              </a:rPr>
-              <a:t>最大，最小，绝对值函数</a:t>
+                <a:latin typeface="Microsoft YaHei" panose="020B0503020204020204" pitchFamily="34" charset="-122"/>
+                <a:ea typeface="Microsoft YaHei" panose="020B0503020204020204" pitchFamily="34" charset="-122"/>
+              </a:rPr>
+              <a:t> </a:t>
+            </a:r>
+            <a:r>
+              <a:rPr kumimoji="1" lang="en-US" altLang="zh-CN" sz="4800" dirty="0">
+                <a:latin typeface="Microsoft YaHei" panose="020B0503020204020204" pitchFamily="34" charset="-122"/>
+                <a:ea typeface="Microsoft YaHei" panose="020B0503020204020204" pitchFamily="34" charset="-122"/>
+              </a:rPr>
+              <a:t>–</a:t>
+            </a:r>
+            <a:r>
+              <a:rPr kumimoji="1" lang="zh-CN" altLang="en-US" sz="4800" dirty="0">
+                <a:latin typeface="Microsoft YaHei" panose="020B0503020204020204" pitchFamily="34" charset="-122"/>
+                <a:ea typeface="Microsoft YaHei" panose="020B0503020204020204" pitchFamily="34" charset="-122"/>
+              </a:rPr>
+              <a:t>特殊变长二维矩阵</a:t>
             </a:r>
             <a:endParaRPr kumimoji="1" lang="en-US" altLang="zh-CN" sz="4800" dirty="0">
               <a:ea typeface="Microsoft YaHei" panose="020B0503020204020204" pitchFamily="34" charset="-122"/>
             </a:endParaRPr>
           </a:p>
-          <a:p>
-            <a:pPr marL="914400" indent="-914400" algn="ctr">
-              <a:buAutoNum type="arabicPeriod"/>
-            </a:pPr>
-            <a:endParaRPr kumimoji="1" lang="zh-CN" altLang="en-US" sz="4800" dirty="0">
-              <a:latin typeface="Microsoft YaHei" panose="020B0503020204020204" pitchFamily="34" charset="-122"/>
-              <a:ea typeface="Microsoft YaHei" panose="020B0503020204020204" pitchFamily="34" charset="-122"/>
-            </a:endParaRPr>
-          </a:p>
-        </p:txBody>
-      </p:sp>
-      <p:sp>
-        <p:nvSpPr>
-          <p:cNvPr id="8" name="文本框 7">
-            <a:extLst>
-              <a:ext uri="{FF2B5EF4-FFF2-40B4-BE49-F238E27FC236}">
-                <a16:creationId xmlns:a16="http://schemas.microsoft.com/office/drawing/2014/main" id="{B294230C-E86E-7247-BAC6-5F43DED3D0AF}"/>
-              </a:ext>
-            </a:extLst>
-          </p:cNvPr>
-          <p:cNvSpPr txBox="1"/>
+        </p:txBody>
+      </p:sp>
+      <p:pic>
+        <p:nvPicPr>
+          <p:cNvPr id="4" name="图片 3">
+            <a:extLst>
+              <a:ext uri="{FF2B5EF4-FFF2-40B4-BE49-F238E27FC236}">
+                <a16:creationId xmlns:a16="http://schemas.microsoft.com/office/drawing/2014/main" id="{70D93A93-4A1E-1146-8EEE-B4BDAD2B4DE4}"/>
+              </a:ext>
+            </a:extLst>
+          </p:cNvPr>
+          <p:cNvPicPr>
+            <a:picLocks noChangeAspect="1"/>
+          </p:cNvPicPr>
           <p:nvPr/>
-        </p:nvSpPr>
+        </p:nvPicPr>
+        <p:blipFill>
+          <a:blip r:embed="rId4"/>
+          <a:stretch>
+            <a:fillRect/>
+          </a:stretch>
+        </p:blipFill>
         <p:spPr>
           <a:xfrm>
-            <a:off x="2161740" y="3005374"/>
-            <a:ext cx="9236361" cy="3132626"/>
+            <a:off x="1389066" y="2340431"/>
+            <a:ext cx="10030300" cy="3337355"/>
           </a:xfrm>
           <a:prstGeom prst="rect">
             <a:avLst/>
           </a:prstGeom>
-          <a:noFill/>
         </p:spPr>
-        <p:txBody>
-          <a:bodyPr wrap="square" tIns="360000" bIns="360000" rtlCol="0">
-            <a:spAutoFit/>
-          </a:bodyPr>
-          <a:lstStyle/>
-          <a:p>
-            <a:pPr>
-              <a:lnSpc>
-                <a:spcPct val="150000"/>
-              </a:lnSpc>
-            </a:pPr>
-            <a:r>
-              <a:rPr kumimoji="1" lang="en-US" altLang="zh-CN" sz="3600" dirty="0" err="1">
-                <a:ea typeface="Microsoft YaHei" panose="020B0503020204020204" pitchFamily="34" charset="-122"/>
-              </a:rPr>
-              <a:t>Math.max</a:t>
-            </a:r>
-            <a:r>
-              <a:rPr kumimoji="1" lang="en-US" altLang="zh-CN" sz="3600" dirty="0">
-                <a:ea typeface="Microsoft YaHei" panose="020B0503020204020204" pitchFamily="34" charset="-122"/>
-              </a:rPr>
-              <a:t>(3</a:t>
-            </a:r>
-            <a:r>
-              <a:rPr kumimoji="1" lang="zh-CN" altLang="en-US" sz="3600" dirty="0">
-                <a:ea typeface="Microsoft YaHei" panose="020B0503020204020204" pitchFamily="34" charset="-122"/>
-              </a:rPr>
-              <a:t> </a:t>
-            </a:r>
-            <a:r>
-              <a:rPr kumimoji="1" lang="en-US" altLang="zh-CN" sz="3600" dirty="0">
-                <a:ea typeface="Microsoft YaHei" panose="020B0503020204020204" pitchFamily="34" charset="-122"/>
-              </a:rPr>
-              <a:t>,</a:t>
-            </a:r>
-            <a:r>
-              <a:rPr kumimoji="1" lang="zh-CN" altLang="en-US" sz="3600" dirty="0">
-                <a:ea typeface="Microsoft YaHei" panose="020B0503020204020204" pitchFamily="34" charset="-122"/>
-              </a:rPr>
-              <a:t> </a:t>
-            </a:r>
-            <a:r>
-              <a:rPr kumimoji="1" lang="en-US" altLang="zh-CN" sz="3600" dirty="0">
-                <a:ea typeface="Microsoft YaHei" panose="020B0503020204020204" pitchFamily="34" charset="-122"/>
-              </a:rPr>
-              <a:t>4)</a:t>
-            </a:r>
-            <a:r>
-              <a:rPr kumimoji="1" lang="zh-CN" altLang="en-US" sz="3600" dirty="0">
-                <a:ea typeface="Microsoft YaHei" panose="020B0503020204020204" pitchFamily="34" charset="-122"/>
-              </a:rPr>
-              <a:t>  </a:t>
-            </a:r>
-            <a:r>
-              <a:rPr kumimoji="1" lang="en-US" altLang="zh-CN" sz="3600" dirty="0">
-                <a:ea typeface="Microsoft YaHei" panose="020B0503020204020204" pitchFamily="34" charset="-122"/>
-              </a:rPr>
-              <a:t>//</a:t>
-            </a:r>
-            <a:r>
-              <a:rPr kumimoji="1" lang="zh-CN" altLang="en-US" sz="3600" dirty="0">
-                <a:ea typeface="Microsoft YaHei" panose="020B0503020204020204" pitchFamily="34" charset="-122"/>
-              </a:rPr>
-              <a:t> 取最大数值，返回</a:t>
-            </a:r>
-            <a:r>
-              <a:rPr kumimoji="1" lang="en-US" altLang="zh-CN" sz="3600" dirty="0">
-                <a:ea typeface="Microsoft YaHei" panose="020B0503020204020204" pitchFamily="34" charset="-122"/>
-              </a:rPr>
-              <a:t>4</a:t>
-            </a:r>
-          </a:p>
-          <a:p>
-            <a:pPr>
-              <a:lnSpc>
-                <a:spcPct val="150000"/>
-              </a:lnSpc>
-            </a:pPr>
-            <a:r>
-              <a:rPr kumimoji="1" lang="en-US" altLang="zh-CN" sz="3600" dirty="0" err="1">
-                <a:ea typeface="Microsoft YaHei" panose="020B0503020204020204" pitchFamily="34" charset="-122"/>
-              </a:rPr>
-              <a:t>Math.min</a:t>
-            </a:r>
-            <a:r>
-              <a:rPr kumimoji="1" lang="en-US" altLang="zh-CN" sz="3600" dirty="0">
-                <a:ea typeface="Microsoft YaHei" panose="020B0503020204020204" pitchFamily="34" charset="-122"/>
-              </a:rPr>
-              <a:t>(3</a:t>
-            </a:r>
-            <a:r>
-              <a:rPr kumimoji="1" lang="zh-CN" altLang="en-US" sz="3600" dirty="0">
-                <a:ea typeface="Microsoft YaHei" panose="020B0503020204020204" pitchFamily="34" charset="-122"/>
-              </a:rPr>
-              <a:t> </a:t>
-            </a:r>
-            <a:r>
-              <a:rPr kumimoji="1" lang="en-US" altLang="zh-CN" sz="3600" dirty="0">
-                <a:ea typeface="Microsoft YaHei" panose="020B0503020204020204" pitchFamily="34" charset="-122"/>
-              </a:rPr>
-              <a:t>,</a:t>
-            </a:r>
-            <a:r>
-              <a:rPr kumimoji="1" lang="zh-CN" altLang="en-US" sz="3600" dirty="0">
-                <a:ea typeface="Microsoft YaHei" panose="020B0503020204020204" pitchFamily="34" charset="-122"/>
-              </a:rPr>
-              <a:t> </a:t>
-            </a:r>
-            <a:r>
-              <a:rPr kumimoji="1" lang="en-US" altLang="zh-CN" sz="3600" dirty="0">
-                <a:ea typeface="Microsoft YaHei" panose="020B0503020204020204" pitchFamily="34" charset="-122"/>
-              </a:rPr>
-              <a:t>4</a:t>
-            </a:r>
-            <a:r>
-              <a:rPr kumimoji="1" lang="zh-CN" altLang="en-US" sz="3600" dirty="0">
-                <a:ea typeface="Microsoft YaHei" panose="020B0503020204020204" pitchFamily="34" charset="-122"/>
-              </a:rPr>
-              <a:t> </a:t>
-            </a:r>
-            <a:r>
-              <a:rPr kumimoji="1" lang="en-US" altLang="zh-CN" sz="3600" dirty="0">
-                <a:ea typeface="Microsoft YaHei" panose="020B0503020204020204" pitchFamily="34" charset="-122"/>
-              </a:rPr>
-              <a:t>)</a:t>
-            </a:r>
-            <a:r>
-              <a:rPr kumimoji="1" lang="zh-CN" altLang="en-US" sz="3600" dirty="0">
-                <a:ea typeface="Microsoft YaHei" panose="020B0503020204020204" pitchFamily="34" charset="-122"/>
-              </a:rPr>
-              <a:t>   </a:t>
-            </a:r>
-            <a:r>
-              <a:rPr kumimoji="1" lang="en-US" altLang="zh-CN" sz="3600" dirty="0">
-                <a:ea typeface="Microsoft YaHei" panose="020B0503020204020204" pitchFamily="34" charset="-122"/>
-              </a:rPr>
-              <a:t>//</a:t>
-            </a:r>
-            <a:r>
-              <a:rPr kumimoji="1" lang="zh-CN" altLang="en-US" sz="3600" dirty="0">
-                <a:ea typeface="Microsoft YaHei" panose="020B0503020204020204" pitchFamily="34" charset="-122"/>
-              </a:rPr>
-              <a:t>取最小数值，返回</a:t>
-            </a:r>
-            <a:r>
-              <a:rPr kumimoji="1" lang="en-US" altLang="zh-CN" sz="3600" dirty="0">
-                <a:ea typeface="Microsoft YaHei" panose="020B0503020204020204" pitchFamily="34" charset="-122"/>
-              </a:rPr>
-              <a:t>3</a:t>
-            </a:r>
-          </a:p>
-          <a:p>
-            <a:pPr>
-              <a:lnSpc>
-                <a:spcPct val="150000"/>
-              </a:lnSpc>
-            </a:pPr>
-            <a:r>
-              <a:rPr kumimoji="1" lang="en-US" altLang="zh-CN" sz="3600" dirty="0" err="1">
-                <a:ea typeface="Microsoft YaHei" panose="020B0503020204020204" pitchFamily="34" charset="-122"/>
-              </a:rPr>
-              <a:t>Math.abs</a:t>
-            </a:r>
-            <a:r>
-              <a:rPr kumimoji="1" lang="en-US" altLang="zh-CN" sz="3600" dirty="0">
-                <a:ea typeface="Microsoft YaHei" panose="020B0503020204020204" pitchFamily="34" charset="-122"/>
-              </a:rPr>
-              <a:t>(-3)</a:t>
-            </a:r>
-            <a:r>
-              <a:rPr kumimoji="1" lang="zh-CN" altLang="en-US" sz="3600" dirty="0">
-                <a:ea typeface="Microsoft YaHei" panose="020B0503020204020204" pitchFamily="34" charset="-122"/>
-              </a:rPr>
-              <a:t>       </a:t>
-            </a:r>
-            <a:r>
-              <a:rPr kumimoji="1" lang="en-US" altLang="zh-CN" sz="3600" dirty="0">
-                <a:ea typeface="Microsoft YaHei" panose="020B0503020204020204" pitchFamily="34" charset="-122"/>
-              </a:rPr>
-              <a:t>//</a:t>
-            </a:r>
-            <a:r>
-              <a:rPr kumimoji="1" lang="zh-CN" altLang="en-US" sz="3600" dirty="0">
-                <a:ea typeface="Microsoft YaHei" panose="020B0503020204020204" pitchFamily="34" charset="-122"/>
-              </a:rPr>
-              <a:t>取绝对值，返回</a:t>
-            </a:r>
-            <a:r>
-              <a:rPr kumimoji="1" lang="en-US" altLang="zh-CN" sz="3600" dirty="0">
-                <a:ea typeface="Microsoft YaHei" panose="020B0503020204020204" pitchFamily="34" charset="-122"/>
-              </a:rPr>
-              <a:t>3</a:t>
-            </a:r>
-          </a:p>
-        </p:txBody>
-      </p:sp>
+      </p:pic>
     </p:spTree>
     <p:extLst>
       <p:ext uri="{BB962C8B-B14F-4D97-AF65-F5344CB8AC3E}">
-        <p14:creationId xmlns:p14="http://schemas.microsoft.com/office/powerpoint/2010/main" val="453787182"/>
+        <p14:creationId xmlns:p14="http://schemas.microsoft.com/office/powerpoint/2010/main" val="1797617187"/>
       </p:ext>
     </p:extLst>
   </p:cSld>
@@ -6876,23 +7039,24 @@
           </a:bodyPr>
           <a:lstStyle/>
           <a:p>
-            <a:pPr marL="914400" indent="-914400" algn="ctr">
-              <a:buAutoNum type="arabicPeriod"/>
-            </a:pPr>
+            <a:pPr algn="ctr"/>
+            <a:r>
+              <a:rPr kumimoji="1" lang="en-US" altLang="zh-CN" sz="4800" dirty="0">
+                <a:latin typeface="Microsoft YaHei" panose="020B0503020204020204" pitchFamily="34" charset="-122"/>
+                <a:ea typeface="Microsoft YaHei" panose="020B0503020204020204" pitchFamily="34" charset="-122"/>
+              </a:rPr>
+              <a:t>2.</a:t>
+            </a:r>
             <a:r>
               <a:rPr kumimoji="1" lang="zh-CN" altLang="en-US" sz="4800" dirty="0">
                 <a:latin typeface="Microsoft YaHei" panose="020B0503020204020204" pitchFamily="34" charset="-122"/>
                 <a:ea typeface="Microsoft YaHei" panose="020B0503020204020204" pitchFamily="34" charset="-122"/>
               </a:rPr>
-              <a:t>常用的方法</a:t>
-            </a:r>
-            <a:r>
-              <a:rPr kumimoji="1" lang="en-US" altLang="zh-CN" sz="4800" dirty="0">
-                <a:latin typeface="Microsoft YaHei" panose="020B0503020204020204" pitchFamily="34" charset="-122"/>
-                <a:ea typeface="Microsoft YaHei" panose="020B0503020204020204" pitchFamily="34" charset="-122"/>
-              </a:rPr>
-              <a:t>---Random</a:t>
-            </a:r>
+              <a:t> 二维数组的使用</a:t>
+            </a:r>
+            <a:endParaRPr kumimoji="1" lang="en-US" altLang="zh-CN" sz="4800" dirty="0">
+              <a:ea typeface="Microsoft YaHei" panose="020B0503020204020204" pitchFamily="34" charset="-122"/>
+            </a:endParaRPr>
           </a:p>
         </p:txBody>
       </p:sp>
@@ -6910,8 +7074,8 @@
         </p:nvSpPr>
         <p:spPr>
           <a:xfrm>
-            <a:off x="2374391" y="2041451"/>
-            <a:ext cx="9236361" cy="2301629"/>
+            <a:off x="3522707" y="2841097"/>
+            <a:ext cx="9236361" cy="1473518"/>
           </a:xfrm>
           <a:prstGeom prst="rect">
             <a:avLst/>
@@ -6930,150 +7094,33 @@
               </a:lnSpc>
             </a:pPr>
             <a:r>
-              <a:rPr kumimoji="1" lang="en-US" altLang="zh-CN" sz="3600" dirty="0" err="1">
-                <a:ea typeface="Microsoft YaHei" panose="020B0503020204020204" pitchFamily="34" charset="-122"/>
-              </a:rPr>
-              <a:t>Math.random</a:t>
+              <a:rPr kumimoji="1" lang="zh-CN" altLang="en-US" sz="3600" dirty="0">
+                <a:ea typeface="Microsoft YaHei" panose="020B0503020204020204" pitchFamily="34" charset="-122"/>
+              </a:rPr>
+              <a:t>主要是 两个</a:t>
             </a:r>
             <a:r>
               <a:rPr kumimoji="1" lang="en-US" altLang="zh-CN" sz="3600" dirty="0">
                 <a:ea typeface="Microsoft YaHei" panose="020B0503020204020204" pitchFamily="34" charset="-122"/>
               </a:rPr>
-              <a:t>()</a:t>
+              <a:t>for</a:t>
             </a:r>
             <a:r>
               <a:rPr kumimoji="1" lang="zh-CN" altLang="en-US" sz="3600" dirty="0">
                 <a:ea typeface="Microsoft YaHei" panose="020B0503020204020204" pitchFamily="34" charset="-122"/>
               </a:rPr>
-              <a:t>  </a:t>
-            </a:r>
-            <a:r>
-              <a:rPr kumimoji="1" lang="en-US" altLang="zh-CN" sz="3600" dirty="0">
-                <a:ea typeface="Microsoft YaHei" panose="020B0503020204020204" pitchFamily="34" charset="-122"/>
-              </a:rPr>
-              <a:t>//</a:t>
-            </a:r>
-            <a:r>
-              <a:rPr kumimoji="1" lang="zh-CN" altLang="en-US" sz="3600" dirty="0">
-                <a:ea typeface="Microsoft YaHei" panose="020B0503020204020204" pitchFamily="34" charset="-122"/>
-              </a:rPr>
-              <a:t> 返回 </a:t>
-            </a:r>
-            <a:r>
-              <a:rPr kumimoji="1" lang="en-US" altLang="zh-CN" sz="3600" dirty="0">
-                <a:ea typeface="Microsoft YaHei" panose="020B0503020204020204" pitchFamily="34" charset="-122"/>
-              </a:rPr>
-              <a:t>0</a:t>
-            </a:r>
-            <a:r>
-              <a:rPr kumimoji="1" lang="zh-CN" altLang="en-US" sz="3600" dirty="0">
-                <a:ea typeface="Microsoft YaHei" panose="020B0503020204020204" pitchFamily="34" charset="-122"/>
-              </a:rPr>
-              <a:t> 到</a:t>
-            </a:r>
-            <a:r>
-              <a:rPr kumimoji="1" lang="en-US" altLang="zh-CN" sz="3600" dirty="0">
-                <a:ea typeface="Microsoft YaHei" panose="020B0503020204020204" pitchFamily="34" charset="-122"/>
-              </a:rPr>
-              <a:t>1</a:t>
-            </a:r>
-            <a:r>
-              <a:rPr kumimoji="1" lang="zh-CN" altLang="en-US" sz="3600" dirty="0">
-                <a:ea typeface="Microsoft YaHei" panose="020B0503020204020204" pitchFamily="34" charset="-122"/>
-              </a:rPr>
-              <a:t>的双精度数值</a:t>
+              <a:t>循环进行操作</a:t>
             </a:r>
             <a:endParaRPr kumimoji="1" lang="en-US" altLang="zh-CN" sz="3600" dirty="0">
               <a:ea typeface="Microsoft YaHei" panose="020B0503020204020204" pitchFamily="34" charset="-122"/>
             </a:endParaRPr>
           </a:p>
-          <a:p>
-            <a:pPr>
-              <a:lnSpc>
-                <a:spcPct val="150000"/>
-              </a:lnSpc>
-            </a:pPr>
-            <a:r>
-              <a:rPr kumimoji="1" lang="zh-CN" altLang="en-US" sz="3600" dirty="0">
-                <a:ea typeface="Microsoft YaHei" panose="020B0503020204020204" pitchFamily="34" charset="-122"/>
-              </a:rPr>
-              <a:t>拓展，还有另一种</a:t>
-            </a:r>
-            <a:r>
-              <a:rPr kumimoji="1" lang="en-US" altLang="zh-CN" sz="3600" dirty="0">
-                <a:ea typeface="Microsoft YaHei" panose="020B0503020204020204" pitchFamily="34" charset="-122"/>
-              </a:rPr>
-              <a:t>Random</a:t>
-            </a:r>
-            <a:r>
-              <a:rPr kumimoji="1" lang="zh-CN" altLang="en-US" sz="3600" dirty="0">
-                <a:ea typeface="Microsoft YaHei" panose="020B0503020204020204" pitchFamily="34" charset="-122"/>
-              </a:rPr>
-              <a:t> 对象。</a:t>
-            </a:r>
-            <a:endParaRPr kumimoji="1" lang="en-US" altLang="zh-CN" sz="3600" dirty="0">
-              <a:ea typeface="Microsoft YaHei" panose="020B0503020204020204" pitchFamily="34" charset="-122"/>
-            </a:endParaRPr>
-          </a:p>
-        </p:txBody>
-      </p:sp>
-      <p:sp>
-        <p:nvSpPr>
-          <p:cNvPr id="3" name="文本框 2">
-            <a:extLst>
-              <a:ext uri="{FF2B5EF4-FFF2-40B4-BE49-F238E27FC236}">
-                <a16:creationId xmlns:a16="http://schemas.microsoft.com/office/drawing/2014/main" id="{51BF0D5B-BEEB-5F4B-8528-3D302D662D5C}"/>
-              </a:ext>
-            </a:extLst>
-          </p:cNvPr>
-          <p:cNvSpPr txBox="1"/>
-          <p:nvPr/>
-        </p:nvSpPr>
-        <p:spPr>
-          <a:xfrm>
-            <a:off x="2520000" y="5664531"/>
-            <a:ext cx="3203944" cy="588110"/>
-          </a:xfrm>
-          <a:prstGeom prst="rect">
-            <a:avLst/>
-          </a:prstGeom>
-          <a:solidFill>
-            <a:schemeClr val="accent2"/>
-          </a:solidFill>
-        </p:spPr>
-        <p:txBody>
-          <a:bodyPr wrap="square" rtlCol="0">
-            <a:spAutoFit/>
-          </a:bodyPr>
-          <a:lstStyle/>
-          <a:p>
-            <a:pPr>
-              <a:lnSpc>
-                <a:spcPct val="150000"/>
-              </a:lnSpc>
-            </a:pPr>
-            <a:r>
-              <a:rPr kumimoji="1" lang="zh-CN" altLang="en-US" sz="2400" dirty="0">
-                <a:solidFill>
-                  <a:schemeClr val="bg1"/>
-                </a:solidFill>
-                <a:ea typeface="Microsoft YaHei" panose="020B0503020204020204" pitchFamily="34" charset="-122"/>
-              </a:rPr>
-              <a:t>上代码</a:t>
-            </a:r>
-            <a:endParaRPr kumimoji="1" lang="en-US" altLang="zh-CN" sz="2400" dirty="0">
-              <a:solidFill>
-                <a:schemeClr val="bg1"/>
-              </a:solidFill>
-              <a:ea typeface="Microsoft YaHei" panose="020B0503020204020204" pitchFamily="34" charset="-122"/>
-            </a:endParaRPr>
-          </a:p>
         </p:txBody>
       </p:sp>
     </p:spTree>
     <p:extLst>
       <p:ext uri="{BB962C8B-B14F-4D97-AF65-F5344CB8AC3E}">
-        <p14:creationId xmlns:p14="http://schemas.microsoft.com/office/powerpoint/2010/main" val="4198886012"/>
+        <p14:creationId xmlns:p14="http://schemas.microsoft.com/office/powerpoint/2010/main" val="2325618620"/>
       </p:ext>
     </p:extLst>
   </p:cSld>
@@ -7140,38 +7187,15 @@
             <a:pPr algn="ctr"/>
             <a:r>
               <a:rPr kumimoji="1" lang="en-US" altLang="zh-CN" sz="4800" dirty="0">
-                <a:latin typeface="Microsoft YaHei" panose="020B0503020204020204" pitchFamily="34" charset="-122"/>
-                <a:ea typeface="Microsoft YaHei" panose="020B0503020204020204" pitchFamily="34" charset="-122"/>
-              </a:rPr>
-              <a:t>2.</a:t>
+                <a:ea typeface="Microsoft YaHei" panose="020B0503020204020204" pitchFamily="34" charset="-122"/>
+              </a:rPr>
+              <a:t>3.</a:t>
             </a:r>
             <a:r>
               <a:rPr kumimoji="1" lang="zh-CN" altLang="en-US" sz="4800" dirty="0">
-                <a:latin typeface="Microsoft YaHei" panose="020B0503020204020204" pitchFamily="34" charset="-122"/>
-                <a:ea typeface="Microsoft YaHei" panose="020B0503020204020204" pitchFamily="34" charset="-122"/>
-              </a:rPr>
-              <a:t> </a:t>
-            </a:r>
-            <a:r>
-              <a:rPr kumimoji="1" lang="en-US" altLang="zh-CN" sz="4800" dirty="0">
-                <a:latin typeface="Microsoft YaHei" panose="020B0503020204020204" pitchFamily="34" charset="-122"/>
-                <a:ea typeface="Microsoft YaHei" panose="020B0503020204020204" pitchFamily="34" charset="-122"/>
-              </a:rPr>
-              <a:t>ASCII</a:t>
-            </a:r>
-            <a:r>
-              <a:rPr kumimoji="1" lang="zh-CN" altLang="en-US" sz="4800" dirty="0">
-                <a:latin typeface="Microsoft YaHei" panose="020B0503020204020204" pitchFamily="34" charset="-122"/>
-                <a:ea typeface="Microsoft YaHei" panose="020B0503020204020204" pitchFamily="34" charset="-122"/>
-              </a:rPr>
-              <a:t> 和</a:t>
-            </a:r>
-            <a:r>
-              <a:rPr kumimoji="1" lang="en-US" altLang="zh-CN" sz="4800" dirty="0">
-                <a:latin typeface="Microsoft YaHei" panose="020B0503020204020204" pitchFamily="34" charset="-122"/>
-                <a:ea typeface="Microsoft YaHei" panose="020B0503020204020204" pitchFamily="34" charset="-122"/>
-              </a:rPr>
-              <a:t>Unicode</a:t>
+                <a:ea typeface="Microsoft YaHei" panose="020B0503020204020204" pitchFamily="34" charset="-122"/>
+              </a:rPr>
+              <a:t>二维数组作为函数参数</a:t>
             </a:r>
             <a:endParaRPr kumimoji="1" lang="zh-CN" altLang="en-US" sz="4800" dirty="0">
               <a:latin typeface="Microsoft YaHei" panose="020B0503020204020204" pitchFamily="34" charset="-122"/>
@@ -7182,10 +7206,10 @@
       </p:sp>
       <p:sp>
         <p:nvSpPr>
-          <p:cNvPr id="4" name="文本框 3">
-            <a:extLst>
-              <a:ext uri="{FF2B5EF4-FFF2-40B4-BE49-F238E27FC236}">
-                <a16:creationId xmlns:a16="http://schemas.microsoft.com/office/drawing/2014/main" id="{7E45E982-CF6C-734E-9350-731B38FF0ED0}"/>
+          <p:cNvPr id="8" name="文本框 7">
+            <a:extLst>
+              <a:ext uri="{FF2B5EF4-FFF2-40B4-BE49-F238E27FC236}">
+                <a16:creationId xmlns:a16="http://schemas.microsoft.com/office/drawing/2014/main" id="{B294230C-E86E-7247-BAC6-5F43DED3D0AF}"/>
               </a:ext>
             </a:extLst>
           </p:cNvPr>
@@ -7194,8 +7218,8 @@
         </p:nvSpPr>
         <p:spPr>
           <a:xfrm>
-            <a:off x="2020186" y="2275367"/>
-            <a:ext cx="9144000" cy="3539430"/>
+            <a:off x="2289331" y="2692241"/>
+            <a:ext cx="9236361" cy="2301629"/>
           </a:xfrm>
           <a:prstGeom prst="rect">
             <a:avLst/>
@@ -7203,125 +7227,56 @@
           <a:noFill/>
         </p:spPr>
         <p:txBody>
-          <a:bodyPr wrap="square" rtlCol="0">
+          <a:bodyPr wrap="square" tIns="360000" bIns="360000" rtlCol="0">
             <a:spAutoFit/>
           </a:bodyPr>
           <a:lstStyle/>
           <a:p>
-            <a:pPr marL="457200" indent="-457200">
-              <a:buFont typeface="Arial" panose="020B0604020202020204" pitchFamily="34" charset="0"/>
-              <a:buChar char="•"/>
+            <a:pPr>
+              <a:lnSpc>
+                <a:spcPct val="150000"/>
+              </a:lnSpc>
             </a:pPr>
             <a:r>
-              <a:rPr kumimoji="1" lang="en-US" altLang="zh-CN" sz="3200" dirty="0"/>
-              <a:t>ASCII</a:t>
-            </a:r>
-            <a:r>
-              <a:rPr kumimoji="1" lang="zh-CN" altLang="en-US" sz="3200" dirty="0"/>
-              <a:t> </a:t>
-            </a:r>
-            <a:r>
-              <a:rPr kumimoji="1" lang="en-US" altLang="zh-CN" sz="3200" dirty="0"/>
-              <a:t>:</a:t>
-            </a:r>
-            <a:r>
-              <a:rPr kumimoji="1" lang="zh-CN" altLang="en-US" sz="3200" dirty="0"/>
-              <a:t> </a:t>
-            </a:r>
-            <a:r>
-              <a:rPr kumimoji="1" lang="en-US" altLang="zh-CN" sz="3200" dirty="0"/>
-              <a:t>8</a:t>
-            </a:r>
-            <a:r>
-              <a:rPr kumimoji="1" lang="zh-CN" altLang="en-US" sz="3200" dirty="0"/>
-              <a:t>位编码 。 因为它表示字符有限，所以有了下面的</a:t>
-            </a:r>
-            <a:r>
-              <a:rPr kumimoji="1" lang="en-US" altLang="zh-CN" sz="3200" dirty="0"/>
-              <a:t>Unicode</a:t>
-            </a:r>
-            <a:r>
-              <a:rPr kumimoji="1" lang="zh-CN" altLang="en-US" sz="3200" dirty="0"/>
-              <a:t>。</a:t>
-            </a:r>
-            <a:endParaRPr kumimoji="1" lang="en-US" altLang="zh-CN" sz="3200" dirty="0"/>
-          </a:p>
-          <a:p>
-            <a:pPr marL="457200" indent="-457200">
-              <a:buFont typeface="Arial" panose="020B0604020202020204" pitchFamily="34" charset="0"/>
-              <a:buChar char="•"/>
-            </a:pPr>
-            <a:r>
-              <a:rPr kumimoji="1" lang="en-US" altLang="zh-CN" sz="3200" dirty="0"/>
-              <a:t>Unicode:</a:t>
-            </a:r>
-            <a:r>
-              <a:rPr kumimoji="1" lang="zh-CN" altLang="en-US" sz="3200" dirty="0"/>
-              <a:t> 用</a:t>
-            </a:r>
-            <a:r>
-              <a:rPr kumimoji="1" lang="en-US" altLang="zh-CN" sz="3200" dirty="0"/>
-              <a:t>1-4</a:t>
-            </a:r>
-            <a:r>
-              <a:rPr kumimoji="1" lang="zh-CN" altLang="en-US" sz="3200" dirty="0"/>
-              <a:t>个字节</a:t>
-            </a:r>
-            <a:r>
-              <a:rPr kumimoji="1" lang="en-US" altLang="zh-CN" sz="3200" dirty="0"/>
-              <a:t>(8-32</a:t>
-            </a:r>
-            <a:r>
-              <a:rPr kumimoji="1" lang="zh-CN" altLang="en-US" sz="3200" dirty="0"/>
-              <a:t>位编码</a:t>
-            </a:r>
-            <a:r>
-              <a:rPr kumimoji="1" lang="en-US" altLang="zh-CN" sz="3200" dirty="0"/>
-              <a:t>)</a:t>
-            </a:r>
-            <a:r>
-              <a:rPr kumimoji="1" lang="zh-CN" altLang="en-US" sz="3200" dirty="0"/>
-              <a:t>，能表示所有语言的符号。其中有</a:t>
-            </a:r>
-            <a:r>
-              <a:rPr kumimoji="1" lang="en-US" altLang="zh-CN" sz="3200" dirty="0"/>
-              <a:t>UTF-8</a:t>
-            </a:r>
-            <a:r>
-              <a:rPr kumimoji="1" lang="zh-CN" altLang="en-US" sz="3200" dirty="0"/>
-              <a:t>，</a:t>
-            </a:r>
-            <a:r>
-              <a:rPr kumimoji="1" lang="en-US" altLang="zh-CN" sz="3200" dirty="0"/>
-              <a:t>UTF-16,UTF-32</a:t>
-            </a:r>
-            <a:r>
-              <a:rPr kumimoji="1" lang="zh-CN" altLang="en-US" sz="3200" dirty="0"/>
-              <a:t>等标准。</a:t>
-            </a:r>
-            <a:r>
-              <a:rPr kumimoji="1" lang="en-US" altLang="zh-CN" sz="3200" dirty="0"/>
-              <a:t>UTF-8</a:t>
-            </a:r>
-            <a:r>
-              <a:rPr kumimoji="1" lang="zh-CN" altLang="en-US" sz="3200" dirty="0"/>
-              <a:t>是常用的编码方式，是种压缩的编码，毕竟每个字符是不需要</a:t>
-            </a:r>
-            <a:r>
-              <a:rPr kumimoji="1" lang="en-US" altLang="zh-CN" sz="3200" dirty="0"/>
-              <a:t>32</a:t>
-            </a:r>
-            <a:r>
-              <a:rPr kumimoji="1" lang="zh-CN" altLang="en-US" sz="3200" dirty="0"/>
-              <a:t>位来浪费存储的。</a:t>
-            </a:r>
+              <a:rPr kumimoji="1" lang="zh-CN" altLang="en-US" sz="3600" dirty="0">
+                <a:ea typeface="Microsoft YaHei" panose="020B0503020204020204" pitchFamily="34" charset="-122"/>
+              </a:rPr>
+              <a:t>和</a:t>
+            </a:r>
+            <a:r>
+              <a:rPr kumimoji="1" lang="en-US" altLang="zh-CN" sz="3600" dirty="0">
+                <a:ea typeface="Microsoft YaHei" panose="020B0503020204020204" pitchFamily="34" charset="-122"/>
+              </a:rPr>
+              <a:t>C</a:t>
+            </a:r>
+            <a:r>
+              <a:rPr kumimoji="1" lang="zh-CN" altLang="en-US" sz="3600" dirty="0">
+                <a:ea typeface="Microsoft YaHei" panose="020B0503020204020204" pitchFamily="34" charset="-122"/>
+              </a:rPr>
+              <a:t>语言有些区别，道理和第</a:t>
+            </a:r>
+            <a:r>
+              <a:rPr kumimoji="1" lang="en-US" altLang="zh-CN" sz="3600" dirty="0">
+                <a:ea typeface="Microsoft YaHei" panose="020B0503020204020204" pitchFamily="34" charset="-122"/>
+              </a:rPr>
+              <a:t>1</a:t>
+            </a:r>
+            <a:r>
+              <a:rPr kumimoji="1" lang="zh-CN" altLang="en-US" sz="3600" dirty="0">
+                <a:ea typeface="Microsoft YaHei" panose="020B0503020204020204" pitchFamily="34" charset="-122"/>
+              </a:rPr>
+              <a:t>部分两者定义的区别类似</a:t>
+            </a:r>
+            <a:endParaRPr kumimoji="1" lang="en-US" altLang="zh-CN" sz="3600" dirty="0">
+              <a:ea typeface="Microsoft YaHei" panose="020B0503020204020204" pitchFamily="34" charset="-122"/>
+            </a:endParaRPr>
           </a:p>
         </p:txBody>
       </p:sp>
     </p:spTree>
     <p:extLst>
       <p:ext uri="{BB962C8B-B14F-4D97-AF65-F5344CB8AC3E}">
-        <p14:creationId xmlns:p14="http://schemas.microsoft.com/office/powerpoint/2010/main" val="3634669245"/>
+        <p14:creationId xmlns:p14="http://schemas.microsoft.com/office/powerpoint/2010/main" val="453787182"/>
       </p:ext>
     </p:extLst>
   </p:cSld>
@@ -7372,7 +7327,7 @@
         <p:spPr>
           <a:xfrm>
             <a:off x="2520000" y="720000"/>
-            <a:ext cx="7735824" cy="830997"/>
+            <a:ext cx="7735824" cy="1569660"/>
           </a:xfrm>
           <a:prstGeom prst="rect">
             <a:avLst/>
@@ -7388,27 +7343,59 @@
             <a:pPr algn="ctr"/>
             <a:r>
               <a:rPr kumimoji="1" lang="en-US" altLang="zh-CN" sz="4800" dirty="0">
-                <a:latin typeface="Microsoft YaHei" panose="020B0503020204020204" pitchFamily="34" charset="-122"/>
                 <a:ea typeface="Microsoft YaHei" panose="020B0503020204020204" pitchFamily="34" charset="-122"/>
               </a:rPr>
               <a:t>3.</a:t>
             </a:r>
             <a:r>
               <a:rPr kumimoji="1" lang="zh-CN" altLang="en-US" sz="4800" dirty="0">
-                <a:latin typeface="Microsoft YaHei" panose="020B0503020204020204" pitchFamily="34" charset="-122"/>
-                <a:ea typeface="Microsoft YaHei" panose="020B0503020204020204" pitchFamily="34" charset="-122"/>
-              </a:rPr>
-              <a:t>特殊字符和转义字符</a:t>
-            </a:r>
-          </a:p>
-        </p:txBody>
-      </p:sp>
-      <p:sp>
-        <p:nvSpPr>
-          <p:cNvPr id="4" name="文本框 3">
-            <a:extLst>
-              <a:ext uri="{FF2B5EF4-FFF2-40B4-BE49-F238E27FC236}">
-                <a16:creationId xmlns:a16="http://schemas.microsoft.com/office/drawing/2014/main" id="{7E45E982-CF6C-734E-9350-731B38FF0ED0}"/>
+                <a:ea typeface="Microsoft YaHei" panose="020B0503020204020204" pitchFamily="34" charset="-122"/>
+              </a:rPr>
+              <a:t>二维数组作为函数参数 </a:t>
+            </a:r>
+            <a:endParaRPr kumimoji="1" lang="en-US" altLang="zh-CN" sz="4800" dirty="0">
+              <a:ea typeface="Microsoft YaHei" panose="020B0503020204020204" pitchFamily="34" charset="-122"/>
+            </a:endParaRPr>
+          </a:p>
+          <a:p>
+            <a:pPr algn="ctr"/>
+            <a:r>
+              <a:rPr kumimoji="1" lang="en-US" altLang="zh-CN" sz="4800" dirty="0">
+                <a:ea typeface="Microsoft YaHei" panose="020B0503020204020204" pitchFamily="34" charset="-122"/>
+              </a:rPr>
+              <a:t>C</a:t>
+            </a:r>
+            <a:r>
+              <a:rPr kumimoji="1" lang="zh-CN" altLang="en-US" sz="4800" dirty="0">
+                <a:ea typeface="Microsoft YaHei" panose="020B0503020204020204" pitchFamily="34" charset="-122"/>
+              </a:rPr>
+              <a:t>和</a:t>
+            </a:r>
+            <a:r>
+              <a:rPr kumimoji="1" lang="en-US" altLang="zh-CN" sz="4800" dirty="0">
+                <a:ea typeface="Microsoft YaHei" panose="020B0503020204020204" pitchFamily="34" charset="-122"/>
+              </a:rPr>
+              <a:t>Java</a:t>
+            </a:r>
+            <a:r>
+              <a:rPr kumimoji="1" lang="zh-CN" altLang="en-US" sz="4800" dirty="0">
+                <a:ea typeface="Microsoft YaHei" panose="020B0503020204020204" pitchFamily="34" charset="-122"/>
+              </a:rPr>
+              <a:t>中的区别</a:t>
+            </a:r>
+            <a:endParaRPr kumimoji="1" lang="zh-CN" altLang="en-US" sz="4800" dirty="0">
+              <a:latin typeface="Microsoft YaHei" panose="020B0503020204020204" pitchFamily="34" charset="-122"/>
+              <a:ea typeface="Microsoft YaHei" panose="020B0503020204020204" pitchFamily="34" charset="-122"/>
+            </a:endParaRPr>
+          </a:p>
+        </p:txBody>
+      </p:sp>
+      <p:sp>
+        <p:nvSpPr>
+          <p:cNvPr id="8" name="文本框 7">
+            <a:extLst>
+              <a:ext uri="{FF2B5EF4-FFF2-40B4-BE49-F238E27FC236}">
+                <a16:creationId xmlns:a16="http://schemas.microsoft.com/office/drawing/2014/main" id="{B294230C-E86E-7247-BAC6-5F43DED3D0AF}"/>
               </a:ext>
             </a:extLst>
           </p:cNvPr>
@@ -7417,8 +7404,8 @@
         </p:nvSpPr>
         <p:spPr>
           <a:xfrm>
-            <a:off x="877907" y="4856861"/>
-            <a:ext cx="10419907" cy="954107"/>
+            <a:off x="1769732" y="2849525"/>
+            <a:ext cx="5098902" cy="3431746"/>
           </a:xfrm>
           <a:prstGeom prst="rect">
             <a:avLst/>
@@ -7426,69 +7413,299 @@
           <a:noFill/>
         </p:spPr>
         <p:txBody>
-          <a:bodyPr wrap="square" rtlCol="0">
+          <a:bodyPr wrap="square" tIns="360000" bIns="360000" rtlCol="0">
             <a:spAutoFit/>
           </a:bodyPr>
           <a:lstStyle/>
           <a:p>
-            <a:r>
-              <a:rPr kumimoji="1" lang="en-US" altLang="zh-CN" sz="2800" dirty="0" err="1"/>
-              <a:t>System.out.println</a:t>
-            </a:r>
-            <a:r>
-              <a:rPr kumimoji="1" lang="en-US" altLang="zh-CN" sz="2800" dirty="0"/>
-              <a:t>(“</a:t>
-            </a:r>
-            <a:r>
-              <a:rPr kumimoji="1" lang="zh-CN" altLang="en-US" sz="2800" dirty="0"/>
-              <a:t> 妈妈说 </a:t>
-            </a:r>
-            <a:r>
-              <a:rPr kumimoji="1" lang="en-US" altLang="zh-CN" sz="2800" dirty="0"/>
-              <a:t>:</a:t>
-            </a:r>
-            <a:r>
-              <a:rPr kumimoji="1" lang="zh-CN" altLang="en-US" sz="2800" dirty="0"/>
-              <a:t> </a:t>
-            </a:r>
-            <a:r>
-              <a:rPr kumimoji="1" lang="en-US" altLang="zh-CN" sz="2800" dirty="0"/>
-              <a:t>\</a:t>
-            </a:r>
-            <a:r>
-              <a:rPr kumimoji="1" lang="zh-CN" altLang="en-US" sz="2800" dirty="0"/>
-              <a:t>”天气冷了，你该穿秋裤了“</a:t>
-            </a:r>
-            <a:r>
-              <a:rPr kumimoji="1" lang="en-US" altLang="zh-CN" sz="2800" dirty="0"/>
-              <a:t>\</a:t>
-            </a:r>
-            <a:r>
-              <a:rPr kumimoji="1" lang="zh-CN" altLang="en-US" sz="2800" dirty="0"/>
-              <a:t>，你听到后</a:t>
-            </a:r>
-            <a:r>
-              <a:rPr kumimoji="1" lang="en-US" altLang="zh-CN" sz="2800" dirty="0"/>
-              <a:t>….</a:t>
-            </a:r>
-            <a:r>
-              <a:rPr kumimoji="1" lang="zh-CN" altLang="en-US" sz="2800" dirty="0"/>
-              <a:t> </a:t>
-            </a:r>
-            <a:r>
-              <a:rPr kumimoji="1" lang="en-US" altLang="zh-CN" sz="2800" dirty="0"/>
-              <a:t>”)</a:t>
-            </a:r>
-            <a:endParaRPr kumimoji="1" lang="zh-CN" altLang="en-US" sz="2800" dirty="0"/>
-          </a:p>
-        </p:txBody>
-      </p:sp>
-      <p:sp>
-        <p:nvSpPr>
-          <p:cNvPr id="5" name="文本框 4">
-            <a:extLst>
-              <a:ext uri="{FF2B5EF4-FFF2-40B4-BE49-F238E27FC236}">
-                <a16:creationId xmlns:a16="http://schemas.microsoft.com/office/drawing/2014/main" id="{BDDFC8EF-233D-6844-BAEC-86A2AA36D545}"/>
+            <a:pPr>
+              <a:lnSpc>
+                <a:spcPct val="150000"/>
+              </a:lnSpc>
+            </a:pPr>
+            <a:r>
+              <a:rPr lang="en-US" altLang="zh-CN" sz="2400" dirty="0">
+                <a:latin typeface="Microsoft YaHei" panose="020B0503020204020204" pitchFamily="34" charset="-122"/>
+                <a:ea typeface="Microsoft YaHei" panose="020B0503020204020204" pitchFamily="34" charset="-122"/>
+              </a:rPr>
+              <a:t>C</a:t>
+            </a:r>
+            <a:r>
+              <a:rPr lang="zh-CN" altLang="en-US" sz="2400" dirty="0">
+                <a:latin typeface="Microsoft YaHei" panose="020B0503020204020204" pitchFamily="34" charset="-122"/>
+                <a:ea typeface="Microsoft YaHei" panose="020B0503020204020204" pitchFamily="34" charset="-122"/>
+              </a:rPr>
+              <a:t>语言写法</a:t>
+            </a:r>
+            <a:endParaRPr lang="en-US" altLang="zh-CN" sz="2400" dirty="0">
+              <a:latin typeface="Microsoft YaHei" panose="020B0503020204020204" pitchFamily="34" charset="-122"/>
+              <a:ea typeface="Microsoft YaHei" panose="020B0503020204020204" pitchFamily="34" charset="-122"/>
+            </a:endParaRPr>
+          </a:p>
+          <a:p>
+            <a:pPr>
+              <a:lnSpc>
+                <a:spcPct val="150000"/>
+              </a:lnSpc>
+            </a:pPr>
+            <a:r>
+              <a:rPr lang="en-US" altLang="zh-CN" sz="2400" dirty="0">
+                <a:latin typeface="Microsoft YaHei" panose="020B0503020204020204" pitchFamily="34" charset="-122"/>
+                <a:ea typeface="Microsoft YaHei" panose="020B0503020204020204" pitchFamily="34" charset="-122"/>
+              </a:rPr>
+              <a:t>void find</a:t>
+            </a:r>
+            <a:r>
+              <a:rPr lang="zh-CN" altLang="en-US" sz="2400" dirty="0">
+                <a:latin typeface="Microsoft YaHei" panose="020B0503020204020204" pitchFamily="34" charset="-122"/>
+                <a:ea typeface="Microsoft YaHei" panose="020B0503020204020204" pitchFamily="34" charset="-122"/>
+              </a:rPr>
+              <a:t>（</a:t>
+            </a:r>
+            <a:r>
+              <a:rPr lang="en-US" altLang="zh-CN" sz="2400" dirty="0">
+                <a:latin typeface="Microsoft YaHei" panose="020B0503020204020204" pitchFamily="34" charset="-122"/>
+                <a:ea typeface="Microsoft YaHei" panose="020B0503020204020204" pitchFamily="34" charset="-122"/>
+              </a:rPr>
+              <a:t>char a[3][10]</a:t>
+            </a:r>
+            <a:r>
+              <a:rPr lang="zh-CN" altLang="en-US" sz="2400" dirty="0">
+                <a:latin typeface="Microsoft YaHei" panose="020B0503020204020204" pitchFamily="34" charset="-122"/>
+                <a:ea typeface="Microsoft YaHei" panose="020B0503020204020204" pitchFamily="34" charset="-122"/>
+              </a:rPr>
+              <a:t>）</a:t>
+            </a:r>
+            <a:r>
+              <a:rPr lang="en-US" altLang="zh-CN" sz="2400" dirty="0">
+                <a:latin typeface="Microsoft YaHei" panose="020B0503020204020204" pitchFamily="34" charset="-122"/>
+                <a:ea typeface="Microsoft YaHei" panose="020B0503020204020204" pitchFamily="34" charset="-122"/>
+              </a:rPr>
+              <a:t>;</a:t>
+            </a:r>
+          </a:p>
+          <a:p>
+            <a:pPr>
+              <a:lnSpc>
+                <a:spcPct val="150000"/>
+              </a:lnSpc>
+            </a:pPr>
+            <a:r>
+              <a:rPr lang="en-US" altLang="zh-CN" sz="2400" dirty="0">
+                <a:latin typeface="Microsoft YaHei" panose="020B0503020204020204" pitchFamily="34" charset="-122"/>
+                <a:ea typeface="Microsoft YaHei" panose="020B0503020204020204" pitchFamily="34" charset="-122"/>
+              </a:rPr>
+              <a:t> void find (char a[ ][10]);</a:t>
+            </a:r>
+          </a:p>
+          <a:p>
+            <a:pPr>
+              <a:lnSpc>
+                <a:spcPct val="150000"/>
+              </a:lnSpc>
+            </a:pPr>
+            <a:r>
+              <a:rPr lang="en-US" altLang="zh-CN" sz="2400" dirty="0">
+                <a:latin typeface="Microsoft YaHei" panose="020B0503020204020204" pitchFamily="34" charset="-122"/>
+                <a:ea typeface="Microsoft YaHei" panose="020B0503020204020204" pitchFamily="34" charset="-122"/>
+              </a:rPr>
+              <a:t>void find</a:t>
+            </a:r>
+            <a:r>
+              <a:rPr lang="zh-CN" altLang="en-US" sz="2400" dirty="0">
+                <a:latin typeface="Microsoft YaHei" panose="020B0503020204020204" pitchFamily="34" charset="-122"/>
+                <a:ea typeface="Microsoft YaHei" panose="020B0503020204020204" pitchFamily="34" charset="-122"/>
+              </a:rPr>
+              <a:t>（</a:t>
+            </a:r>
+            <a:r>
+              <a:rPr lang="en-US" altLang="zh-CN" sz="2400" dirty="0">
+                <a:latin typeface="Microsoft YaHei" panose="020B0503020204020204" pitchFamily="34" charset="-122"/>
+                <a:ea typeface="Microsoft YaHei" panose="020B0503020204020204" pitchFamily="34" charset="-122"/>
+              </a:rPr>
+              <a:t>char a[ ][ ]</a:t>
+            </a:r>
+            <a:r>
+              <a:rPr lang="zh-CN" altLang="en-US" sz="2400" dirty="0">
+                <a:latin typeface="Microsoft YaHei" panose="020B0503020204020204" pitchFamily="34" charset="-122"/>
+                <a:ea typeface="Microsoft YaHei" panose="020B0503020204020204" pitchFamily="34" charset="-122"/>
+              </a:rPr>
+              <a:t>）</a:t>
+            </a:r>
+            <a:r>
+              <a:rPr lang="en-US" altLang="zh-CN" sz="2400" dirty="0">
+                <a:latin typeface="Microsoft YaHei" panose="020B0503020204020204" pitchFamily="34" charset="-122"/>
+                <a:ea typeface="Microsoft YaHei" panose="020B0503020204020204" pitchFamily="34" charset="-122"/>
+              </a:rPr>
+              <a:t>; </a:t>
+            </a:r>
+          </a:p>
+          <a:p>
+            <a:pPr>
+              <a:lnSpc>
+                <a:spcPct val="150000"/>
+              </a:lnSpc>
+            </a:pPr>
+            <a:r>
+              <a:rPr lang="en-US" altLang="zh-CN" sz="2400" dirty="0">
+                <a:latin typeface="Microsoft YaHei" panose="020B0503020204020204" pitchFamily="34" charset="-122"/>
+                <a:ea typeface="Microsoft YaHei" panose="020B0503020204020204" pitchFamily="34" charset="-122"/>
+              </a:rPr>
+              <a:t>void find (char a[3][ ]);</a:t>
+            </a:r>
+          </a:p>
+        </p:txBody>
+      </p:sp>
+      <p:pic>
+        <p:nvPicPr>
+          <p:cNvPr id="4" name="图形 3" descr="关闭">
+            <a:extLst>
+              <a:ext uri="{FF2B5EF4-FFF2-40B4-BE49-F238E27FC236}">
+                <a16:creationId xmlns:a16="http://schemas.microsoft.com/office/drawing/2014/main" id="{8DB66323-126A-924B-BBC3-B7EEBD21D839}"/>
+              </a:ext>
+            </a:extLst>
+          </p:cNvPr>
+          <p:cNvPicPr>
+            <a:picLocks noChangeAspect="1"/>
+          </p:cNvPicPr>
+          <p:nvPr/>
+        </p:nvPicPr>
+        <p:blipFill>
+          <a:blip r:embed="rId4">
+            <a:extLst>
+              <a:ext uri="{96DAC541-7B7A-43D3-8B79-37D633B846F1}">
+                <asvg:svgBlip xmlns:asvg="http://schemas.microsoft.com/office/drawing/2016/SVG/main" r:embed="rId5"/>
+              </a:ext>
+            </a:extLst>
+          </a:blip>
+          <a:stretch>
+            <a:fillRect/>
+          </a:stretch>
+        </p:blipFill>
+        <p:spPr>
+          <a:xfrm>
+            <a:off x="5926895" y="4773099"/>
+            <a:ext cx="409730" cy="409730"/>
+          </a:xfrm>
+          <a:prstGeom prst="rect">
+            <a:avLst/>
+          </a:prstGeom>
+        </p:spPr>
+      </p:pic>
+      <p:pic>
+        <p:nvPicPr>
+          <p:cNvPr id="5" name="图形 4" descr="复选标记">
+            <a:extLst>
+              <a:ext uri="{FF2B5EF4-FFF2-40B4-BE49-F238E27FC236}">
+                <a16:creationId xmlns:a16="http://schemas.microsoft.com/office/drawing/2014/main" id="{39CDACA9-19FE-9641-96DE-4661BE8F68E7}"/>
+              </a:ext>
+            </a:extLst>
+          </p:cNvPr>
+          <p:cNvPicPr>
+            <a:picLocks noChangeAspect="1"/>
+          </p:cNvPicPr>
+          <p:nvPr/>
+        </p:nvPicPr>
+        <p:blipFill>
+          <a:blip r:embed="rId6">
+            <a:extLst>
+              <a:ext uri="{96DAC541-7B7A-43D3-8B79-37D633B846F1}">
+                <asvg:svgBlip xmlns:asvg="http://schemas.microsoft.com/office/drawing/2016/SVG/main" r:embed="rId7"/>
+              </a:ext>
+            </a:extLst>
+          </a:blip>
+          <a:stretch>
+            <a:fillRect/>
+          </a:stretch>
+        </p:blipFill>
+        <p:spPr>
+          <a:xfrm>
+            <a:off x="5978876" y="3632711"/>
+            <a:ext cx="357749" cy="357749"/>
+          </a:xfrm>
+          <a:prstGeom prst="rect">
+            <a:avLst/>
+          </a:prstGeom>
+        </p:spPr>
+      </p:pic>
+      <p:pic>
+        <p:nvPicPr>
+          <p:cNvPr id="6" name="图形 5" descr="复选标记">
+            <a:extLst>
+              <a:ext uri="{FF2B5EF4-FFF2-40B4-BE49-F238E27FC236}">
+                <a16:creationId xmlns:a16="http://schemas.microsoft.com/office/drawing/2014/main" id="{43FEC382-A14F-A947-80C9-F27557C64B7E}"/>
+              </a:ext>
+            </a:extLst>
+          </p:cNvPr>
+          <p:cNvPicPr>
+            <a:picLocks noChangeAspect="1"/>
+          </p:cNvPicPr>
+          <p:nvPr/>
+        </p:nvPicPr>
+        <p:blipFill>
+          <a:blip r:embed="rId6">
+            <a:extLst>
+              <a:ext uri="{96DAC541-7B7A-43D3-8B79-37D633B846F1}">
+                <asvg:svgBlip xmlns:asvg="http://schemas.microsoft.com/office/drawing/2016/SVG/main" r:embed="rId7"/>
+              </a:ext>
+            </a:extLst>
+          </a:blip>
+          <a:stretch>
+            <a:fillRect/>
+          </a:stretch>
+        </p:blipFill>
+        <p:spPr>
+          <a:xfrm>
+            <a:off x="5978876" y="4182205"/>
+            <a:ext cx="357749" cy="357749"/>
+          </a:xfrm>
+          <a:prstGeom prst="rect">
+            <a:avLst/>
+          </a:prstGeom>
+        </p:spPr>
+      </p:pic>
+      <p:pic>
+        <p:nvPicPr>
+          <p:cNvPr id="7" name="图形 6" descr="关闭">
+            <a:extLst>
+              <a:ext uri="{FF2B5EF4-FFF2-40B4-BE49-F238E27FC236}">
+                <a16:creationId xmlns:a16="http://schemas.microsoft.com/office/drawing/2014/main" id="{DF7EAEA4-0E73-E444-888D-520CF7BB0E12}"/>
+              </a:ext>
+            </a:extLst>
+          </p:cNvPr>
+          <p:cNvPicPr>
+            <a:picLocks noChangeAspect="1"/>
+          </p:cNvPicPr>
+          <p:nvPr/>
+        </p:nvPicPr>
+        <p:blipFill>
+          <a:blip r:embed="rId4">
+            <a:extLst>
+              <a:ext uri="{96DAC541-7B7A-43D3-8B79-37D633B846F1}">
+                <asvg:svgBlip xmlns:asvg="http://schemas.microsoft.com/office/drawing/2016/SVG/main" r:embed="rId5"/>
+              </a:ext>
+            </a:extLst>
+          </a:blip>
+          <a:stretch>
+            <a:fillRect/>
+          </a:stretch>
+        </p:blipFill>
+        <p:spPr>
+          <a:xfrm>
+            <a:off x="5952885" y="5333511"/>
+            <a:ext cx="409730" cy="409730"/>
+          </a:xfrm>
+          <a:prstGeom prst="rect">
+            <a:avLst/>
+          </a:prstGeom>
+        </p:spPr>
+      </p:pic>
+      <p:sp>
+        <p:nvSpPr>
+          <p:cNvPr id="3" name="文本框 2">
+            <a:extLst>
+              <a:ext uri="{FF2B5EF4-FFF2-40B4-BE49-F238E27FC236}">
+                <a16:creationId xmlns:a16="http://schemas.microsoft.com/office/drawing/2014/main" id="{49C8381A-3983-F445-BA79-620B50240C59}"/>
               </a:ext>
             </a:extLst>
           </p:cNvPr>
@@ -7497,8 +7714,8 @@
         </p:nvSpPr>
         <p:spPr>
           <a:xfrm>
-            <a:off x="935664" y="2295988"/>
-            <a:ext cx="9937898" cy="1815882"/>
+            <a:off x="7482894" y="3212575"/>
+            <a:ext cx="4678326" cy="2123658"/>
           </a:xfrm>
           <a:prstGeom prst="rect">
             <a:avLst/>
@@ -7511,66 +7728,525 @@
           </a:bodyPr>
           <a:lstStyle/>
           <a:p>
-            <a:r>
-              <a:rPr kumimoji="1" lang="zh-CN" altLang="en-US" sz="2800" dirty="0"/>
-              <a:t>转义字符的作用：</a:t>
-            </a:r>
-            <a:endParaRPr kumimoji="1" lang="en-US" altLang="zh-CN" sz="2800" dirty="0"/>
-          </a:p>
-          <a:p>
-            <a:pPr marL="514350" indent="-514350">
-              <a:buFont typeface="+mj-lt"/>
-              <a:buAutoNum type="arabicPeriod"/>
+            <a:pPr>
+              <a:lnSpc>
+                <a:spcPct val="150000"/>
+              </a:lnSpc>
             </a:pPr>
             <a:r>
-              <a:rPr kumimoji="1" lang="zh-CN" altLang="en-US" sz="2800" dirty="0"/>
-              <a:t>为了让字符串内容中出现的某些符号</a:t>
-            </a:r>
-            <a:r>
-              <a:rPr kumimoji="1" lang="en-US" altLang="zh-CN" sz="2800" dirty="0"/>
-              <a:t>(</a:t>
-            </a:r>
-            <a:r>
-              <a:rPr kumimoji="1" lang="zh-CN" altLang="en-US" sz="2800" dirty="0"/>
-              <a:t>已被字符串指定为特殊用途</a:t>
-            </a:r>
-            <a:r>
-              <a:rPr kumimoji="1" lang="en-US" altLang="zh-CN" sz="2800" dirty="0"/>
-              <a:t>)</a:t>
-            </a:r>
-            <a:r>
-              <a:rPr kumimoji="1" lang="zh-CN" altLang="en-US" sz="2800" dirty="0"/>
-              <a:t>，按照其本身意义输出，比如 双引号“</a:t>
-            </a:r>
-            <a:endParaRPr kumimoji="1" lang="en-US" altLang="zh-CN" sz="2800" dirty="0"/>
-          </a:p>
-          <a:p>
-            <a:pPr marL="514350" indent="-514350">
-              <a:buFont typeface="+mj-lt"/>
-              <a:buAutoNum type="arabicPeriod"/>
+              <a:rPr lang="en-US" altLang="zh-CN" sz="2400" dirty="0">
+                <a:latin typeface="Microsoft YaHei" panose="020B0503020204020204" pitchFamily="34" charset="-122"/>
+                <a:ea typeface="Microsoft YaHei" panose="020B0503020204020204" pitchFamily="34" charset="-122"/>
+              </a:rPr>
+              <a:t>Java</a:t>
+            </a:r>
+            <a:r>
+              <a:rPr lang="zh-CN" altLang="en-US" sz="2400" dirty="0">
+                <a:latin typeface="Microsoft YaHei" panose="020B0503020204020204" pitchFamily="34" charset="-122"/>
+                <a:ea typeface="Microsoft YaHei" panose="020B0503020204020204" pitchFamily="34" charset="-122"/>
+              </a:rPr>
+              <a:t> 写法</a:t>
+            </a:r>
+            <a:endParaRPr lang="en-US" altLang="zh-CN" sz="2400" dirty="0">
+              <a:latin typeface="Microsoft YaHei" panose="020B0503020204020204" pitchFamily="34" charset="-122"/>
+              <a:ea typeface="Microsoft YaHei" panose="020B0503020204020204" pitchFamily="34" charset="-122"/>
+            </a:endParaRPr>
+          </a:p>
+          <a:p>
+            <a:pPr>
+              <a:lnSpc>
+                <a:spcPct val="150000"/>
+              </a:lnSpc>
             </a:pPr>
             <a:r>
-              <a:rPr kumimoji="1" lang="zh-CN" altLang="en-US" sz="2800" dirty="0"/>
-              <a:t>为了输出 通过键盘上难以打出的字符 ，比如换行</a:t>
-            </a:r>
-            <a:r>
-              <a:rPr kumimoji="1" lang="en-US" altLang="zh-CN" sz="2800" dirty="0"/>
-              <a:t>:\n</a:t>
-            </a:r>
-            <a:endParaRPr kumimoji="1" lang="zh-CN" altLang="en-US" sz="2800" dirty="0"/>
-          </a:p>
-        </p:txBody>
-      </p:sp>
+              <a:rPr lang="en-US" altLang="zh-CN" sz="2400" dirty="0">
+                <a:latin typeface="Microsoft YaHei" panose="020B0503020204020204" pitchFamily="34" charset="-122"/>
+                <a:ea typeface="Microsoft YaHei" panose="020B0503020204020204" pitchFamily="34" charset="-122"/>
+              </a:rPr>
+              <a:t>void find</a:t>
+            </a:r>
+            <a:r>
+              <a:rPr lang="zh-CN" altLang="en-US" sz="2400" dirty="0">
+                <a:latin typeface="Microsoft YaHei" panose="020B0503020204020204" pitchFamily="34" charset="-122"/>
+                <a:ea typeface="Microsoft YaHei" panose="020B0503020204020204" pitchFamily="34" charset="-122"/>
+              </a:rPr>
+              <a:t>（</a:t>
+            </a:r>
+            <a:r>
+              <a:rPr lang="en-US" altLang="zh-CN" sz="2400" dirty="0">
+                <a:latin typeface="Microsoft YaHei" panose="020B0503020204020204" pitchFamily="34" charset="-122"/>
+                <a:ea typeface="Microsoft YaHei" panose="020B0503020204020204" pitchFamily="34" charset="-122"/>
+              </a:rPr>
+              <a:t>char a[][]</a:t>
+            </a:r>
+            <a:r>
+              <a:rPr lang="zh-CN" altLang="en-US" sz="2400" dirty="0">
+                <a:latin typeface="Microsoft YaHei" panose="020B0503020204020204" pitchFamily="34" charset="-122"/>
+                <a:ea typeface="Microsoft YaHei" panose="020B0503020204020204" pitchFamily="34" charset="-122"/>
+              </a:rPr>
+              <a:t>）</a:t>
+            </a:r>
+            <a:endParaRPr lang="en-US" altLang="zh-CN" sz="2400" dirty="0">
+              <a:latin typeface="Microsoft YaHei" panose="020B0503020204020204" pitchFamily="34" charset="-122"/>
+              <a:ea typeface="Microsoft YaHei" panose="020B0503020204020204" pitchFamily="34" charset="-122"/>
+            </a:endParaRPr>
+          </a:p>
+          <a:p>
+            <a:pPr>
+              <a:lnSpc>
+                <a:spcPct val="150000"/>
+              </a:lnSpc>
+            </a:pPr>
+            <a:r>
+              <a:rPr lang="zh-CN" altLang="en-US" sz="2400" dirty="0">
+                <a:latin typeface="Microsoft YaHei" panose="020B0503020204020204" pitchFamily="34" charset="-122"/>
+                <a:ea typeface="Microsoft YaHei" panose="020B0503020204020204" pitchFamily="34" charset="-122"/>
+              </a:rPr>
+              <a:t>其他 写法</a:t>
+            </a:r>
+            <a:endParaRPr lang="en-US" altLang="zh-CN" sz="2400" dirty="0">
+              <a:latin typeface="Microsoft YaHei" panose="020B0503020204020204" pitchFamily="34" charset="-122"/>
+              <a:ea typeface="Microsoft YaHei" panose="020B0503020204020204" pitchFamily="34" charset="-122"/>
+            </a:endParaRPr>
+          </a:p>
+          <a:p>
+            <a:endParaRPr lang="zh-CN" altLang="en-US" sz="2400" dirty="0">
+              <a:latin typeface="Microsoft YaHei" panose="020B0503020204020204" pitchFamily="34" charset="-122"/>
+              <a:ea typeface="Microsoft YaHei" panose="020B0503020204020204" pitchFamily="34" charset="-122"/>
+            </a:endParaRPr>
+          </a:p>
+        </p:txBody>
+      </p:sp>
+      <p:pic>
+        <p:nvPicPr>
+          <p:cNvPr id="9" name="图形 8" descr="复选标记">
+            <a:extLst>
+              <a:ext uri="{FF2B5EF4-FFF2-40B4-BE49-F238E27FC236}">
+                <a16:creationId xmlns:a16="http://schemas.microsoft.com/office/drawing/2014/main" id="{2C69658E-1188-1847-B076-29D22D0E0518}"/>
+              </a:ext>
+            </a:extLst>
+          </p:cNvPr>
+          <p:cNvPicPr>
+            <a:picLocks noChangeAspect="1"/>
+          </p:cNvPicPr>
+          <p:nvPr/>
+        </p:nvPicPr>
+        <p:blipFill>
+          <a:blip r:embed="rId6">
+            <a:extLst>
+              <a:ext uri="{96DAC541-7B7A-43D3-8B79-37D633B846F1}">
+                <asvg:svgBlip xmlns:asvg="http://schemas.microsoft.com/office/drawing/2016/SVG/main" r:embed="rId7"/>
+              </a:ext>
+            </a:extLst>
+          </a:blip>
+          <a:stretch>
+            <a:fillRect/>
+          </a:stretch>
+        </p:blipFill>
+        <p:spPr>
+          <a:xfrm>
+            <a:off x="10898903" y="3824456"/>
+            <a:ext cx="357749" cy="357749"/>
+          </a:xfrm>
+          <a:prstGeom prst="rect">
+            <a:avLst/>
+          </a:prstGeom>
+        </p:spPr>
+      </p:pic>
+      <p:pic>
+        <p:nvPicPr>
+          <p:cNvPr id="10" name="图形 9" descr="关闭">
+            <a:extLst>
+              <a:ext uri="{FF2B5EF4-FFF2-40B4-BE49-F238E27FC236}">
+                <a16:creationId xmlns:a16="http://schemas.microsoft.com/office/drawing/2014/main" id="{5CDB8804-00E6-E14D-BF32-4DDB9A16D38F}"/>
+              </a:ext>
+            </a:extLst>
+          </p:cNvPr>
+          <p:cNvPicPr>
+            <a:picLocks noChangeAspect="1"/>
+          </p:cNvPicPr>
+          <p:nvPr/>
+        </p:nvPicPr>
+        <p:blipFill>
+          <a:blip r:embed="rId4">
+            <a:extLst>
+              <a:ext uri="{96DAC541-7B7A-43D3-8B79-37D633B846F1}">
+                <asvg:svgBlip xmlns:asvg="http://schemas.microsoft.com/office/drawing/2016/SVG/main" r:embed="rId5"/>
+              </a:ext>
+            </a:extLst>
+          </a:blip>
+          <a:stretch>
+            <a:fillRect/>
+          </a:stretch>
+        </p:blipFill>
+        <p:spPr>
+          <a:xfrm>
+            <a:off x="10868123" y="4363369"/>
+            <a:ext cx="409730" cy="409730"/>
+          </a:xfrm>
+          <a:prstGeom prst="rect">
+            <a:avLst/>
+          </a:prstGeom>
+        </p:spPr>
+      </p:pic>
     </p:spTree>
     <p:extLst>
       <p:ext uri="{BB962C8B-B14F-4D97-AF65-F5344CB8AC3E}">
-        <p14:creationId xmlns:p14="http://schemas.microsoft.com/office/powerpoint/2010/main" val="1711521261"/>
+        <p14:creationId xmlns:p14="http://schemas.microsoft.com/office/powerpoint/2010/main" val="2027143612"/>
       </p:ext>
     </p:extLst>
   </p:cSld>
   <p:clrMapOvr>
     <a:masterClrMapping/>
   </p:clrMapOvr>
+  <p:timing>
+    <p:tnLst>
+      <p:par>
+        <p:cTn id="1" dur="indefinite" restart="never" nodeType="tmRoot">
+          <p:childTnLst>
+            <p:seq concurrent="1" nextAc="seek">
+              <p:cTn id="2" dur="indefinite" nodeType="mainSeq">
+                <p:childTnLst>
+                  <p:par>
+                    <p:cTn id="3" fill="hold">
+                      <p:stCondLst>
+                        <p:cond delay="indefinite"/>
+                      </p:stCondLst>
+                      <p:childTnLst>
+                        <p:par>
+                          <p:cTn id="4" fill="hold">
+                            <p:stCondLst>
+                              <p:cond delay="0"/>
+                            </p:stCondLst>
+                            <p:childTnLst>
+                              <p:par>
+                                <p:cTn id="5" presetID="16" presetClass="entr" presetSubtype="21" fill="hold" nodeType="clickEffect">
+                                  <p:stCondLst>
+                                    <p:cond delay="0"/>
+                                  </p:stCondLst>
+                                  <p:childTnLst>
+                                    <p:set>
+                                      <p:cBhvr>
+                                        <p:cTn id="6" dur="1" fill="hold">
+                                          <p:stCondLst>
+                                            <p:cond delay="0"/>
+                                          </p:stCondLst>
+                                        </p:cTn>
+                                        <p:tgtEl>
+                                          <p:spTgt spid="4"/>
+                                        </p:tgtEl>
+                                        <p:attrNameLst>
+                                          <p:attrName>style.visibility</p:attrName>
+                                        </p:attrNameLst>
+                                      </p:cBhvr>
+                                      <p:to>
+                                        <p:strVal val="visible"/>
+                                      </p:to>
+                                    </p:set>
+                                    <p:animEffect transition="in" filter="barn(inVertical)">
+                                      <p:cBhvr>
+                                        <p:cTn id="7" dur="500"/>
+                                        <p:tgtEl>
+                                          <p:spTgt spid="4"/>
+                                        </p:tgtEl>
+                                      </p:cBhvr>
+                                    </p:animEffect>
+                                  </p:childTnLst>
+                                </p:cTn>
+                              </p:par>
+                            </p:childTnLst>
+                          </p:cTn>
+                        </p:par>
+                      </p:childTnLst>
+                    </p:cTn>
+                  </p:par>
+                  <p:par>
+                    <p:cTn id="8" fill="hold">
+                      <p:stCondLst>
+                        <p:cond delay="indefinite"/>
+                      </p:stCondLst>
+                      <p:childTnLst>
+                        <p:par>
+                          <p:cTn id="9" fill="hold">
+                            <p:stCondLst>
+                              <p:cond delay="0"/>
+                            </p:stCondLst>
+                            <p:childTnLst>
+                              <p:par>
+                                <p:cTn id="10" presetID="16" presetClass="entr" presetSubtype="21" fill="hold" nodeType="clickEffect">
+                                  <p:stCondLst>
+                                    <p:cond delay="0"/>
+                                  </p:stCondLst>
+                                  <p:childTnLst>
+                                    <p:set>
+                                      <p:cBhvr>
+                                        <p:cTn id="11" dur="1" fill="hold">
+                                          <p:stCondLst>
+                                            <p:cond delay="0"/>
+                                          </p:stCondLst>
+                                        </p:cTn>
+                                        <p:tgtEl>
+                                          <p:spTgt spid="5"/>
+                                        </p:tgtEl>
+                                        <p:attrNameLst>
+                                          <p:attrName>style.visibility</p:attrName>
+                                        </p:attrNameLst>
+                                      </p:cBhvr>
+                                      <p:to>
+                                        <p:strVal val="visible"/>
+                                      </p:to>
+                                    </p:set>
+                                    <p:animEffect transition="in" filter="barn(inVertical)">
+                                      <p:cBhvr>
+                                        <p:cTn id="12" dur="500"/>
+                                        <p:tgtEl>
+                                          <p:spTgt spid="5"/>
+                                        </p:tgtEl>
+                                      </p:cBhvr>
+                                    </p:animEffect>
+                                  </p:childTnLst>
+                                </p:cTn>
+                              </p:par>
+                            </p:childTnLst>
+                          </p:cTn>
+                        </p:par>
+                      </p:childTnLst>
+                    </p:cTn>
+                  </p:par>
+                  <p:par>
+                    <p:cTn id="13" fill="hold">
+                      <p:stCondLst>
+                        <p:cond delay="indefinite"/>
+                      </p:stCondLst>
+                      <p:childTnLst>
+                        <p:par>
+                          <p:cTn id="14" fill="hold">
+                            <p:stCondLst>
+                              <p:cond delay="0"/>
+                            </p:stCondLst>
+                            <p:childTnLst>
+                              <p:par>
+                                <p:cTn id="15" presetID="16" presetClass="entr" presetSubtype="21" fill="hold" nodeType="clickEffect">
+                                  <p:stCondLst>
+                                    <p:cond delay="0"/>
+                                  </p:stCondLst>
+                                  <p:childTnLst>
+                                    <p:set>
+                                      <p:cBhvr>
+                                        <p:cTn id="16" dur="1" fill="hold">
+                                          <p:stCondLst>
+                                            <p:cond delay="0"/>
+                                          </p:stCondLst>
+                                        </p:cTn>
+                                        <p:tgtEl>
+                                          <p:spTgt spid="6"/>
+                                        </p:tgtEl>
+                                        <p:attrNameLst>
+                                          <p:attrName>style.visibility</p:attrName>
+                                        </p:attrNameLst>
+                                      </p:cBhvr>
+                                      <p:to>
+                                        <p:strVal val="visible"/>
+                                      </p:to>
+                                    </p:set>
+                                    <p:animEffect transition="in" filter="barn(inVertical)">
+                                      <p:cBhvr>
+                                        <p:cTn id="17" dur="500"/>
+                                        <p:tgtEl>
+                                          <p:spTgt spid="6"/>
+                                        </p:tgtEl>
+                                      </p:cBhvr>
+                                    </p:animEffect>
+                                  </p:childTnLst>
+                                </p:cTn>
+                              </p:par>
+                            </p:childTnLst>
+                          </p:cTn>
+                        </p:par>
+                      </p:childTnLst>
+                    </p:cTn>
+                  </p:par>
+                  <p:par>
+                    <p:cTn id="18" fill="hold">
+                      <p:stCondLst>
+                        <p:cond delay="indefinite"/>
+                      </p:stCondLst>
+                      <p:childTnLst>
+                        <p:par>
+                          <p:cTn id="19" fill="hold">
+                            <p:stCondLst>
+                              <p:cond delay="0"/>
+                            </p:stCondLst>
+                            <p:childTnLst>
+                              <p:par>
+                                <p:cTn id="20" presetID="16" presetClass="entr" presetSubtype="21" fill="hold" nodeType="clickEffect">
+                                  <p:stCondLst>
+                                    <p:cond delay="0"/>
+                                  </p:stCondLst>
+                                  <p:childTnLst>
+                                    <p:set>
+                                      <p:cBhvr>
+                                        <p:cTn id="21" dur="1" fill="hold">
+                                          <p:stCondLst>
+                                            <p:cond delay="0"/>
+                                          </p:stCondLst>
+                                        </p:cTn>
+                                        <p:tgtEl>
+                                          <p:spTgt spid="7"/>
+                                        </p:tgtEl>
+                                        <p:attrNameLst>
+                                          <p:attrName>style.visibility</p:attrName>
+                                        </p:attrNameLst>
+                                      </p:cBhvr>
+                                      <p:to>
+                                        <p:strVal val="visible"/>
+                                      </p:to>
+                                    </p:set>
+                                    <p:animEffect transition="in" filter="barn(inVertical)">
+                                      <p:cBhvr>
+                                        <p:cTn id="22" dur="500"/>
+                                        <p:tgtEl>
+                                          <p:spTgt spid="7"/>
+                                        </p:tgtEl>
+                                      </p:cBhvr>
+                                    </p:animEffect>
+                                  </p:childTnLst>
+                                </p:cTn>
+                              </p:par>
+                            </p:childTnLst>
+                          </p:cTn>
+                        </p:par>
+                      </p:childTnLst>
+                    </p:cTn>
+                  </p:par>
+                  <p:par>
+                    <p:cTn id="23" fill="hold">
+                      <p:stCondLst>
+                        <p:cond delay="indefinite"/>
+                      </p:stCondLst>
+                      <p:childTnLst>
+                        <p:par>
+                          <p:cTn id="24" fill="hold">
+                            <p:stCondLst>
+                              <p:cond delay="0"/>
+                            </p:stCondLst>
+                            <p:childTnLst>
+                              <p:par>
+                                <p:cTn id="25" presetID="16" presetClass="entr" presetSubtype="21" fill="hold" nodeType="clickEffect">
+                                  <p:stCondLst>
+                                    <p:cond delay="0"/>
+                                  </p:stCondLst>
+                                  <p:childTnLst>
+                                    <p:set>
+                                      <p:cBhvr>
+                                        <p:cTn id="26" dur="1" fill="hold">
+                                          <p:stCondLst>
+                                            <p:cond delay="0"/>
+                                          </p:stCondLst>
+                                        </p:cTn>
+                                        <p:tgtEl>
+                                          <p:spTgt spid="9"/>
+                                        </p:tgtEl>
+                                        <p:attrNameLst>
+                                          <p:attrName>style.visibility</p:attrName>
+                                        </p:attrNameLst>
+                                      </p:cBhvr>
+                                      <p:to>
+                                        <p:strVal val="visible"/>
+                                      </p:to>
+                                    </p:set>
+                                    <p:animEffect transition="in" filter="barn(inVertical)">
+                                      <p:cBhvr>
+                                        <p:cTn id="27" dur="500"/>
+                                        <p:tgtEl>
+                                          <p:spTgt spid="9"/>
+                                        </p:tgtEl>
+                                      </p:cBhvr>
+                                    </p:animEffect>
+                                  </p:childTnLst>
+                                </p:cTn>
+                              </p:par>
+                            </p:childTnLst>
+                          </p:cTn>
+                        </p:par>
+                      </p:childTnLst>
+                    </p:cTn>
+                  </p:par>
+                  <p:par>
+                    <p:cTn id="28" fill="hold">
+                      <p:stCondLst>
+                        <p:cond delay="indefinite"/>
+                      </p:stCondLst>
+                      <p:childTnLst>
+                        <p:par>
+                          <p:cTn id="29" fill="hold">
+                            <p:stCondLst>
+                              <p:cond delay="0"/>
+                            </p:stCondLst>
+                            <p:childTnLst>
+                              <p:par>
+                                <p:cTn id="30" presetID="16" presetClass="entr" presetSubtype="21" fill="hold" nodeType="clickEffect">
+                                  <p:stCondLst>
+                                    <p:cond delay="0"/>
+                                  </p:stCondLst>
+                                  <p:childTnLst>
+                                    <p:set>
+                                      <p:cBhvr>
+                                        <p:cTn id="31" dur="1" fill="hold">
+                                          <p:stCondLst>
+                                            <p:cond delay="0"/>
+                                          </p:stCondLst>
+                                        </p:cTn>
+                                        <p:tgtEl>
+                                          <p:spTgt spid="10"/>
+                                        </p:tgtEl>
+                                        <p:attrNameLst>
+                                          <p:attrName>style.visibility</p:attrName>
+                                        </p:attrNameLst>
+                                      </p:cBhvr>
+                                      <p:to>
+                                        <p:strVal val="visible"/>
+                                      </p:to>
+                                    </p:set>
+                                    <p:animEffect transition="in" filter="barn(inVertical)">
+                                      <p:cBhvr>
+                                        <p:cTn id="32" dur="500"/>
+                                        <p:tgtEl>
+                                          <p:spTgt spid="10"/>
+                                        </p:tgtEl>
+                                      </p:cBhvr>
+                                    </p:animEffect>
+                                  </p:childTnLst>
+                                </p:cTn>
+                              </p:par>
+                            </p:childTnLst>
+                          </p:cTn>
+                        </p:par>
+                      </p:childTnLst>
+                    </p:cTn>
+                  </p:par>
+                </p:childTnLst>
+              </p:cTn>
+              <p:prevCondLst>
+                <p:cond evt="onPrev" delay="0">
+                  <p:tgtEl>
+                    <p:sldTgt/>
+                  </p:tgtEl>
+                </p:cond>
+              </p:prevCondLst>
+              <p:nextCondLst>
+                <p:cond evt="onNext" delay="0">
+                  <p:tgtEl>
+                    <p:sldTgt/>
+                  </p:tgtEl>
+                </p:cond>
+              </p:nextCondLst>
+            </p:seq>
+          </p:childTnLst>
+        </p:cTn>
+      </p:par>
+    </p:tnLst>
+  </p:timing>
 </p:sld>
 </file>
 
@@ -7614,7 +8290,7 @@
         </p:nvSpPr>
         <p:spPr>
           <a:xfrm>
-            <a:off x="2520000" y="720000"/>
+            <a:off x="2222288" y="677470"/>
             <a:ext cx="7735824" cy="830997"/>
           </a:xfrm>
           <a:prstGeom prst="rect">
@@ -7631,55 +8307,69 @@
             <a:pPr algn="ctr"/>
             <a:r>
               <a:rPr kumimoji="1" lang="en-US" altLang="zh-CN" sz="4800" dirty="0">
-                <a:latin typeface="Microsoft YaHei" panose="020B0503020204020204" pitchFamily="34" charset="-122"/>
                 <a:ea typeface="Microsoft YaHei" panose="020B0503020204020204" pitchFamily="34" charset="-122"/>
               </a:rPr>
               <a:t>3.</a:t>
             </a:r>
             <a:r>
               <a:rPr kumimoji="1" lang="zh-CN" altLang="en-US" sz="4800" dirty="0">
-                <a:latin typeface="Microsoft YaHei" panose="020B0503020204020204" pitchFamily="34" charset="-122"/>
-                <a:ea typeface="Microsoft YaHei" panose="020B0503020204020204" pitchFamily="34" charset="-122"/>
-              </a:rPr>
-              <a:t>常用转义字符</a:t>
-            </a:r>
-          </a:p>
-        </p:txBody>
-      </p:sp>
-      <p:pic>
-        <p:nvPicPr>
-          <p:cNvPr id="3" name="图片 2">
-            <a:extLst>
-              <a:ext uri="{FF2B5EF4-FFF2-40B4-BE49-F238E27FC236}">
-                <a16:creationId xmlns:a16="http://schemas.microsoft.com/office/drawing/2014/main" id="{C82D2F49-1269-094F-A233-9AADC5A26F6C}"/>
-              </a:ext>
-            </a:extLst>
-          </p:cNvPr>
-          <p:cNvPicPr>
-            <a:picLocks noChangeAspect="1"/>
-          </p:cNvPicPr>
+                <a:ea typeface="Microsoft YaHei" panose="020B0503020204020204" pitchFamily="34" charset="-122"/>
+              </a:rPr>
+              <a:t>二维数组作为函数参数</a:t>
+            </a:r>
+            <a:endParaRPr kumimoji="1" lang="zh-CN" altLang="en-US" sz="4800" dirty="0">
+              <a:latin typeface="Microsoft YaHei" panose="020B0503020204020204" pitchFamily="34" charset="-122"/>
+              <a:ea typeface="Microsoft YaHei" panose="020B0503020204020204" pitchFamily="34" charset="-122"/>
+            </a:endParaRPr>
+          </a:p>
+        </p:txBody>
+      </p:sp>
+      <p:sp>
+        <p:nvSpPr>
+          <p:cNvPr id="4" name="文本框 3">
+            <a:extLst>
+              <a:ext uri="{FF2B5EF4-FFF2-40B4-BE49-F238E27FC236}">
+                <a16:creationId xmlns:a16="http://schemas.microsoft.com/office/drawing/2014/main" id="{9C01A9BA-84C5-E34E-ADF9-5A3B733979B4}"/>
+              </a:ext>
+            </a:extLst>
+          </p:cNvPr>
+          <p:cNvSpPr txBox="1"/>
           <p:nvPr/>
-        </p:nvPicPr>
-        <p:blipFill>
-          <a:blip r:embed="rId4"/>
-          <a:stretch>
-            <a:fillRect/>
-          </a:stretch>
-        </p:blipFill>
+        </p:nvSpPr>
         <p:spPr>
           <a:xfrm>
-            <a:off x="523481" y="2207584"/>
-            <a:ext cx="11145037" cy="3470201"/>
+            <a:off x="4765802" y="3636335"/>
+            <a:ext cx="2660395" cy="584775"/>
           </a:xfrm>
           <a:prstGeom prst="rect">
             <a:avLst/>
           </a:prstGeom>
+          <a:solidFill>
+            <a:schemeClr val="accent2"/>
+          </a:solidFill>
         </p:spPr>
-      </p:pic>
+        <p:txBody>
+          <a:bodyPr wrap="square" rtlCol="0">
+            <a:spAutoFit/>
+          </a:bodyPr>
+          <a:lstStyle/>
+          <a:p>
+            <a:pPr algn="ctr"/>
+            <a:r>
+              <a:rPr kumimoji="1" lang="zh-CN" altLang="en-US" sz="3200" dirty="0">
+                <a:solidFill>
+                  <a:schemeClr val="bg1"/>
+                </a:solidFill>
+              </a:rPr>
+              <a:t>看代码示例</a:t>
+            </a:r>
+          </a:p>
+        </p:txBody>
+      </p:sp>
     </p:spTree>
     <p:extLst>
       <p:ext uri="{BB962C8B-B14F-4D97-AF65-F5344CB8AC3E}">
-        <p14:creationId xmlns:p14="http://schemas.microsoft.com/office/powerpoint/2010/main" val="3639934790"/>
+        <p14:creationId xmlns:p14="http://schemas.microsoft.com/office/powerpoint/2010/main" val="2706320900"/>
       </p:ext>
     </p:extLst>
   </p:cSld>

--- a/ppt/8. 二维数组.pptx
+++ b/ppt/8. 二维数组.pptx
@@ -236,7 +236,7 @@
           <a:p>
             <a:fld id="{66C3546E-20F6-7649-A9A4-4E4A245D3E82}" type="datetimeFigureOut">
               <a:rPr kumimoji="1" lang="zh-CN" altLang="en-US" smtClean="0"/>
-              <a:t>2020/2/26</a:t>
+              <a:t>2020/3/8</a:t>
             </a:fld>
             <a:endParaRPr kumimoji="1" lang="zh-CN" altLang="en-US"/>
           </a:p>
@@ -1931,7 +1931,7 @@
           <a:p>
             <a:fld id="{1C49BB65-7B3F-4D4E-A397-BBFD82890A5A}" type="datetimeFigureOut">
               <a:rPr kumimoji="1" lang="zh-CN" altLang="en-US" smtClean="0"/>
-              <a:t>2020/2/26</a:t>
+              <a:t>2020/3/8</a:t>
             </a:fld>
             <a:endParaRPr kumimoji="1" lang="zh-CN" altLang="en-US"/>
           </a:p>
@@ -2129,7 +2129,7 @@
           <a:p>
             <a:fld id="{1C49BB65-7B3F-4D4E-A397-BBFD82890A5A}" type="datetimeFigureOut">
               <a:rPr kumimoji="1" lang="zh-CN" altLang="en-US" smtClean="0"/>
-              <a:t>2020/2/26</a:t>
+              <a:t>2020/3/8</a:t>
             </a:fld>
             <a:endParaRPr kumimoji="1" lang="zh-CN" altLang="en-US"/>
           </a:p>
@@ -2337,7 +2337,7 @@
           <a:p>
             <a:fld id="{1C49BB65-7B3F-4D4E-A397-BBFD82890A5A}" type="datetimeFigureOut">
               <a:rPr kumimoji="1" lang="zh-CN" altLang="en-US" smtClean="0"/>
-              <a:t>2020/2/26</a:t>
+              <a:t>2020/3/8</a:t>
             </a:fld>
             <a:endParaRPr kumimoji="1" lang="zh-CN" altLang="en-US"/>
           </a:p>
@@ -2535,7 +2535,7 @@
           <a:p>
             <a:fld id="{1C49BB65-7B3F-4D4E-A397-BBFD82890A5A}" type="datetimeFigureOut">
               <a:rPr kumimoji="1" lang="zh-CN" altLang="en-US" smtClean="0"/>
-              <a:t>2020/2/26</a:t>
+              <a:t>2020/3/8</a:t>
             </a:fld>
             <a:endParaRPr kumimoji="1" lang="zh-CN" altLang="en-US"/>
           </a:p>
@@ -2810,7 +2810,7 @@
           <a:p>
             <a:fld id="{1C49BB65-7B3F-4D4E-A397-BBFD82890A5A}" type="datetimeFigureOut">
               <a:rPr kumimoji="1" lang="zh-CN" altLang="en-US" smtClean="0"/>
-              <a:t>2020/2/26</a:t>
+              <a:t>2020/3/8</a:t>
             </a:fld>
             <a:endParaRPr kumimoji="1" lang="zh-CN" altLang="en-US"/>
           </a:p>
@@ -3075,7 +3075,7 @@
           <a:p>
             <a:fld id="{1C49BB65-7B3F-4D4E-A397-BBFD82890A5A}" type="datetimeFigureOut">
               <a:rPr kumimoji="1" lang="zh-CN" altLang="en-US" smtClean="0"/>
-              <a:t>2020/2/26</a:t>
+              <a:t>2020/3/8</a:t>
             </a:fld>
             <a:endParaRPr kumimoji="1" lang="zh-CN" altLang="en-US"/>
           </a:p>
@@ -3487,7 +3487,7 @@
           <a:p>
             <a:fld id="{1C49BB65-7B3F-4D4E-A397-BBFD82890A5A}" type="datetimeFigureOut">
               <a:rPr kumimoji="1" lang="zh-CN" altLang="en-US" smtClean="0"/>
-              <a:t>2020/2/26</a:t>
+              <a:t>2020/3/8</a:t>
             </a:fld>
             <a:endParaRPr kumimoji="1" lang="zh-CN" altLang="en-US"/>
           </a:p>
@@ -3628,7 +3628,7 @@
           <a:p>
             <a:fld id="{1C49BB65-7B3F-4D4E-A397-BBFD82890A5A}" type="datetimeFigureOut">
               <a:rPr kumimoji="1" lang="zh-CN" altLang="en-US" smtClean="0"/>
-              <a:t>2020/2/26</a:t>
+              <a:t>2020/3/8</a:t>
             </a:fld>
             <a:endParaRPr kumimoji="1" lang="zh-CN" altLang="en-US"/>
           </a:p>
@@ -3998,7 +3998,7 @@
           <a:p>
             <a:fld id="{1C49BB65-7B3F-4D4E-A397-BBFD82890A5A}" type="datetimeFigureOut">
               <a:rPr kumimoji="1" lang="zh-CN" altLang="en-US" smtClean="0"/>
-              <a:t>2020/2/26</a:t>
+              <a:t>2020/3/8</a:t>
             </a:fld>
             <a:endParaRPr kumimoji="1" lang="zh-CN" altLang="en-US"/>
           </a:p>
@@ -4286,7 +4286,7 @@
           <a:p>
             <a:fld id="{1C49BB65-7B3F-4D4E-A397-BBFD82890A5A}" type="datetimeFigureOut">
               <a:rPr kumimoji="1" lang="zh-CN" altLang="en-US" smtClean="0"/>
-              <a:t>2020/2/26</a:t>
+              <a:t>2020/3/8</a:t>
             </a:fld>
             <a:endParaRPr kumimoji="1" lang="zh-CN" altLang="en-US"/>
           </a:p>
@@ -4527,7 +4527,7 @@
           <a:p>
             <a:fld id="{1C49BB65-7B3F-4D4E-A397-BBFD82890A5A}" type="datetimeFigureOut">
               <a:rPr kumimoji="1" lang="zh-CN" altLang="en-US" smtClean="0"/>
-              <a:t>2020/2/26</a:t>
+              <a:t>2020/3/8</a:t>
             </a:fld>
             <a:endParaRPr kumimoji="1" lang="zh-CN" altLang="en-US"/>
           </a:p>
@@ -5604,8 +5604,8 @@
         </p:nvSpPr>
         <p:spPr>
           <a:xfrm>
-            <a:off x="5356554" y="5785115"/>
-            <a:ext cx="2062716" cy="523220"/>
+            <a:off x="4527215" y="5785115"/>
+            <a:ext cx="4042628" cy="523220"/>
           </a:xfrm>
           <a:prstGeom prst="rect">
             <a:avLst/>
@@ -5628,7 +5628,7 @@
                 <a:latin typeface="Microsoft YaHei" panose="020B0503020204020204" pitchFamily="34" charset="-122"/>
                 <a:ea typeface="Microsoft YaHei" panose="020B0503020204020204" pitchFamily="34" charset="-122"/>
               </a:rPr>
-              <a:t>看书中示例</a:t>
+              <a:t>看书中示例：每日温度</a:t>
             </a:r>
           </a:p>
         </p:txBody>
@@ -5714,49 +5714,6 @@
                 <a:ea typeface="Microsoft YaHei" panose="020B0503020204020204" pitchFamily="34" charset="-122"/>
               </a:rPr>
               <a:t>多维数组的示例</a:t>
-            </a:r>
-          </a:p>
-        </p:txBody>
-      </p:sp>
-      <p:sp>
-        <p:nvSpPr>
-          <p:cNvPr id="3" name="文本框 2">
-            <a:extLst>
-              <a:ext uri="{FF2B5EF4-FFF2-40B4-BE49-F238E27FC236}">
-                <a16:creationId xmlns:a16="http://schemas.microsoft.com/office/drawing/2014/main" id="{9D69ACF0-35D1-CD41-A0FE-9303BDC6E216}"/>
-              </a:ext>
-            </a:extLst>
-          </p:cNvPr>
-          <p:cNvSpPr txBox="1"/>
-          <p:nvPr/>
-        </p:nvSpPr>
-        <p:spPr>
-          <a:xfrm>
-            <a:off x="5356554" y="5785115"/>
-            <a:ext cx="2062716" cy="523220"/>
-          </a:xfrm>
-          <a:prstGeom prst="rect">
-            <a:avLst/>
-          </a:prstGeom>
-          <a:solidFill>
-            <a:schemeClr val="accent2"/>
-          </a:solidFill>
-        </p:spPr>
-        <p:txBody>
-          <a:bodyPr wrap="square" rtlCol="0">
-            <a:spAutoFit/>
-          </a:bodyPr>
-          <a:lstStyle/>
-          <a:p>
-            <a:r>
-              <a:rPr kumimoji="1" lang="zh-CN" altLang="en-US" sz="2800" dirty="0">
-                <a:solidFill>
-                  <a:schemeClr val="bg1"/>
-                </a:solidFill>
-                <a:latin typeface="Microsoft YaHei" panose="020B0503020204020204" pitchFamily="34" charset="-122"/>
-                <a:ea typeface="Microsoft YaHei" panose="020B0503020204020204" pitchFamily="34" charset="-122"/>
-              </a:rPr>
-              <a:t>看书中示例</a:t>
             </a:r>
           </a:p>
         </p:txBody>

--- a/ppt/8. 二维数组.pptx
+++ b/ppt/8. 二维数组.pptx
@@ -236,7 +236,7 @@
           <a:p>
             <a:fld id="{66C3546E-20F6-7649-A9A4-4E4A245D3E82}" type="datetimeFigureOut">
               <a:rPr kumimoji="1" lang="zh-CN" altLang="en-US" smtClean="0"/>
-              <a:t>2020/3/8</a:t>
+              <a:t>2021/5/19</a:t>
             </a:fld>
             <a:endParaRPr kumimoji="1" lang="zh-CN" altLang="en-US"/>
           </a:p>
@@ -974,9 +974,464 @@
           <a:lstStyle/>
           <a:p>
             <a:r>
-              <a:rPr kumimoji="1" lang="zh-CN" altLang="en-US" dirty="0"/>
-              <a:t>切换到代码演示</a:t>
-            </a:r>
+              <a:rPr lang="zh-CN" altLang="en-US" sz="1200" dirty="0">
+                <a:effectLst/>
+              </a:rPr>
+              <a:t>二维数组实际上是一个数组，它的每个元素都是一个一维数组。数组 </a:t>
+            </a:r>
+            <a:r>
+              <a:rPr lang="en-US" altLang="zh-CN" sz="1200" kern="1200" dirty="0">
+                <a:solidFill>
+                  <a:schemeClr val="tx1"/>
+                </a:solidFill>
+                <a:effectLst/>
+                <a:latin typeface="+mn-lt"/>
+                <a:ea typeface="+mn-ea"/>
+                <a:cs typeface="+mn-cs"/>
+              </a:rPr>
+              <a:t>X </a:t>
+            </a:r>
+            <a:r>
+              <a:rPr lang="zh-CN" altLang="en-US" sz="1200" dirty="0">
+                <a:effectLst/>
+              </a:rPr>
+              <a:t>的长度是数组中 </a:t>
+            </a:r>
+            <a:endParaRPr lang="zh-CN" altLang="en-US" dirty="0"/>
+          </a:p>
+          <a:p>
+            <a:r>
+              <a:rPr lang="zh-CN" altLang="en-US" sz="1200" dirty="0">
+                <a:effectLst/>
+              </a:rPr>
+              <a:t>元素的个数，可以用 </a:t>
+            </a:r>
+            <a:r>
+              <a:rPr lang="en-US" altLang="zh-CN" sz="1200" kern="1200" dirty="0" err="1">
+                <a:solidFill>
+                  <a:schemeClr val="tx1"/>
+                </a:solidFill>
+                <a:effectLst/>
+                <a:latin typeface="+mn-lt"/>
+                <a:ea typeface="+mn-ea"/>
+                <a:cs typeface="+mn-cs"/>
+              </a:rPr>
+              <a:t>x.length</a:t>
+            </a:r>
+            <a:r>
+              <a:rPr lang="en-US" altLang="zh-CN" sz="1200" kern="1200" dirty="0">
+                <a:solidFill>
+                  <a:schemeClr val="tx1"/>
+                </a:solidFill>
+                <a:effectLst/>
+                <a:latin typeface="+mn-lt"/>
+                <a:ea typeface="+mn-ea"/>
+                <a:cs typeface="+mn-cs"/>
+              </a:rPr>
+              <a:t> </a:t>
+            </a:r>
+            <a:r>
+              <a:rPr lang="zh-CN" altLang="en-US" sz="1200" dirty="0">
+                <a:effectLst/>
+              </a:rPr>
+              <a:t>获取该值。元素 </a:t>
+            </a:r>
+            <a:r>
+              <a:rPr lang="en-US" altLang="zh-CN" sz="1200" kern="1200" dirty="0">
+                <a:solidFill>
+                  <a:schemeClr val="tx1"/>
+                </a:solidFill>
+                <a:effectLst/>
+                <a:latin typeface="+mn-lt"/>
+                <a:ea typeface="+mn-ea"/>
+                <a:cs typeface="+mn-cs"/>
+              </a:rPr>
+              <a:t>x[0], x[l], ...</a:t>
+            </a:r>
+            <a:r>
+              <a:rPr lang="zh-CN" altLang="en-US" sz="1200" dirty="0">
+                <a:effectLst/>
+              </a:rPr>
+              <a:t>，</a:t>
+            </a:r>
+            <a:r>
+              <a:rPr lang="en-US" altLang="zh-CN" sz="1200" kern="1200" dirty="0">
+                <a:solidFill>
+                  <a:schemeClr val="tx1"/>
+                </a:solidFill>
+                <a:effectLst/>
+                <a:latin typeface="+mn-lt"/>
+                <a:ea typeface="+mn-ea"/>
+                <a:cs typeface="+mn-cs"/>
+              </a:rPr>
+              <a:t>x[</a:t>
+            </a:r>
+            <a:r>
+              <a:rPr lang="en-US" altLang="zh-CN" sz="1200" kern="1200" dirty="0" err="1">
+                <a:solidFill>
+                  <a:schemeClr val="tx1"/>
+                </a:solidFill>
+                <a:effectLst/>
+                <a:latin typeface="+mn-lt"/>
+                <a:ea typeface="+mn-ea"/>
+                <a:cs typeface="+mn-cs"/>
+              </a:rPr>
+              <a:t>x.length</a:t>
+            </a:r>
+            <a:r>
+              <a:rPr lang="en-US" altLang="zh-CN" sz="1200" kern="1200" dirty="0">
+                <a:solidFill>
+                  <a:schemeClr val="tx1"/>
+                </a:solidFill>
+                <a:effectLst/>
+                <a:latin typeface="+mn-lt"/>
+                <a:ea typeface="+mn-ea"/>
+                <a:cs typeface="+mn-cs"/>
+              </a:rPr>
+              <a:t> l] </a:t>
+            </a:r>
+            <a:r>
+              <a:rPr lang="zh-CN" altLang="en-US" sz="1200" dirty="0">
+                <a:effectLst/>
+              </a:rPr>
+              <a:t>也是数组。 </a:t>
+            </a:r>
+            <a:r>
+              <a:rPr lang="en-US" altLang="zh-CN" sz="1200" kern="1200" dirty="0">
+                <a:solidFill>
+                  <a:schemeClr val="tx1"/>
+                </a:solidFill>
+                <a:effectLst/>
+                <a:latin typeface="+mn-lt"/>
+                <a:ea typeface="+mn-ea"/>
+                <a:cs typeface="+mn-cs"/>
+              </a:rPr>
+              <a:t>- </a:t>
+            </a:r>
+            <a:endParaRPr lang="zh-CN" altLang="en-US" dirty="0"/>
+          </a:p>
+          <a:p>
+            <a:r>
+              <a:rPr lang="zh-CN" altLang="en-US" sz="1200" dirty="0">
+                <a:effectLst/>
+              </a:rPr>
+              <a:t>可以使用 </a:t>
+            </a:r>
+            <a:r>
+              <a:rPr lang="en-US" altLang="zh-CN" sz="1200" kern="1200" dirty="0">
+                <a:solidFill>
+                  <a:schemeClr val="tx1"/>
+                </a:solidFill>
+                <a:effectLst/>
+                <a:latin typeface="+mn-lt"/>
+                <a:ea typeface="+mn-ea"/>
+                <a:cs typeface="+mn-cs"/>
+              </a:rPr>
+              <a:t>x[0].length, x[l].length, ...</a:t>
+            </a:r>
+            <a:r>
+              <a:rPr lang="zh-CN" altLang="en-US" sz="1200" dirty="0">
+                <a:effectLst/>
+              </a:rPr>
+              <a:t>，</a:t>
+            </a:r>
+            <a:r>
+              <a:rPr lang="en-US" altLang="zh-CN" sz="1200" kern="1200" dirty="0">
+                <a:solidFill>
+                  <a:schemeClr val="tx1"/>
+                </a:solidFill>
+                <a:effectLst/>
+                <a:latin typeface="+mn-lt"/>
+                <a:ea typeface="+mn-ea"/>
+                <a:cs typeface="+mn-cs"/>
+              </a:rPr>
+              <a:t>x[</a:t>
+            </a:r>
+            <a:r>
+              <a:rPr lang="en-US" altLang="zh-CN" sz="1200" kern="1200" dirty="0" err="1">
+                <a:solidFill>
+                  <a:schemeClr val="tx1"/>
+                </a:solidFill>
+                <a:effectLst/>
+                <a:latin typeface="+mn-lt"/>
+                <a:ea typeface="+mn-ea"/>
+                <a:cs typeface="+mn-cs"/>
+              </a:rPr>
+              <a:t>x.length</a:t>
+            </a:r>
+            <a:r>
+              <a:rPr lang="en-US" altLang="zh-CN" sz="1200" kern="1200" dirty="0">
+                <a:solidFill>
+                  <a:schemeClr val="tx1"/>
+                </a:solidFill>
+                <a:effectLst/>
+                <a:latin typeface="+mn-lt"/>
+                <a:ea typeface="+mn-ea"/>
+                <a:cs typeface="+mn-cs"/>
+              </a:rPr>
+              <a:t> 1]•length </a:t>
+            </a:r>
+            <a:r>
+              <a:rPr lang="zh-CN" altLang="en-US" sz="1200" dirty="0">
+                <a:effectLst/>
+              </a:rPr>
+              <a:t>获取它们的长度。 </a:t>
+            </a:r>
+            <a:r>
+              <a:rPr lang="en-US" altLang="zh-CN" sz="1200" kern="1200" dirty="0">
+                <a:solidFill>
+                  <a:schemeClr val="tx1"/>
+                </a:solidFill>
+                <a:effectLst/>
+                <a:latin typeface="+mn-lt"/>
+                <a:ea typeface="+mn-ea"/>
+                <a:cs typeface="+mn-cs"/>
+              </a:rPr>
+              <a:t>- </a:t>
+            </a:r>
+            <a:endParaRPr lang="zh-CN" altLang="en-US" dirty="0"/>
+          </a:p>
+          <a:p>
+            <a:r>
+              <a:rPr lang="zh-CN" altLang="en-US" sz="1200" dirty="0">
+                <a:effectLst/>
+              </a:rPr>
+              <a:t>例如</a:t>
+            </a:r>
+            <a:r>
+              <a:rPr lang="en-US" altLang="zh-CN" sz="1200" dirty="0">
+                <a:effectLst/>
+              </a:rPr>
+              <a:t>:</a:t>
+            </a:r>
+            <a:r>
+              <a:rPr lang="zh-CN" altLang="en-US" sz="1200" dirty="0">
+                <a:effectLst/>
+              </a:rPr>
+              <a:t>假设</a:t>
+            </a:r>
+            <a:r>
+              <a:rPr lang="en-US" altLang="zh-CN" sz="1200" kern="1200" dirty="0">
+                <a:solidFill>
+                  <a:schemeClr val="tx1"/>
+                </a:solidFill>
+                <a:effectLst/>
+                <a:latin typeface="+mn-lt"/>
+                <a:ea typeface="+mn-ea"/>
+                <a:cs typeface="+mn-cs"/>
+              </a:rPr>
+              <a:t>x = new int[3][4],</a:t>
+            </a:r>
+            <a:r>
+              <a:rPr lang="zh-CN" altLang="en-US" sz="1200" dirty="0">
+                <a:effectLst/>
+              </a:rPr>
+              <a:t>那么</a:t>
+            </a:r>
+            <a:r>
+              <a:rPr lang="en-US" altLang="zh-CN" sz="1200" kern="1200" dirty="0">
+                <a:solidFill>
+                  <a:schemeClr val="tx1"/>
+                </a:solidFill>
+                <a:effectLst/>
+                <a:latin typeface="+mn-lt"/>
+                <a:ea typeface="+mn-ea"/>
+                <a:cs typeface="+mn-cs"/>
+              </a:rPr>
+              <a:t>x[0]</a:t>
+            </a:r>
+            <a:r>
+              <a:rPr lang="zh-CN" altLang="en-US" sz="1200" dirty="0">
+                <a:effectLst/>
+              </a:rPr>
+              <a:t>、</a:t>
+            </a:r>
+            <a:r>
+              <a:rPr lang="en-US" altLang="zh-CN" sz="1200" kern="1200" dirty="0">
+                <a:solidFill>
+                  <a:schemeClr val="tx1"/>
+                </a:solidFill>
+                <a:effectLst/>
+                <a:latin typeface="+mn-lt"/>
+                <a:ea typeface="+mn-ea"/>
+                <a:cs typeface="+mn-cs"/>
+              </a:rPr>
+              <a:t>x[l]</a:t>
+            </a:r>
+            <a:r>
+              <a:rPr lang="zh-CN" altLang="en-US" sz="1200" dirty="0">
+                <a:effectLst/>
+              </a:rPr>
+              <a:t>和</a:t>
+            </a:r>
+            <a:r>
+              <a:rPr lang="en-US" altLang="zh-CN" sz="1200" kern="1200" dirty="0">
+                <a:solidFill>
+                  <a:schemeClr val="tx1"/>
+                </a:solidFill>
+                <a:effectLst/>
+                <a:latin typeface="+mn-lt"/>
+                <a:ea typeface="+mn-ea"/>
+                <a:cs typeface="+mn-cs"/>
+              </a:rPr>
+              <a:t>X[2]</a:t>
+            </a:r>
+            <a:r>
+              <a:rPr lang="zh-CN" altLang="en-US" sz="1200" dirty="0">
+                <a:effectLst/>
+              </a:rPr>
+              <a:t>都是一维数组，每个数组都 包含 </a:t>
+            </a:r>
+            <a:r>
+              <a:rPr lang="en-US" altLang="zh-CN" sz="1200" kern="1200" dirty="0">
+                <a:solidFill>
+                  <a:schemeClr val="tx1"/>
+                </a:solidFill>
+                <a:effectLst/>
+                <a:latin typeface="+mn-lt"/>
+                <a:ea typeface="+mn-ea"/>
+                <a:cs typeface="+mn-cs"/>
+              </a:rPr>
+              <a:t>4 </a:t>
+            </a:r>
+            <a:r>
+              <a:rPr lang="zh-CN" altLang="en-US" sz="1200" dirty="0">
+                <a:effectLst/>
+              </a:rPr>
+              <a:t>个元素 ， 如图 </a:t>
+            </a:r>
+            <a:r>
+              <a:rPr lang="en-US" altLang="zh-CN" sz="1200" kern="1200" dirty="0">
+                <a:solidFill>
+                  <a:schemeClr val="tx1"/>
+                </a:solidFill>
+                <a:effectLst/>
+                <a:latin typeface="+mn-lt"/>
+                <a:ea typeface="+mn-ea"/>
+                <a:cs typeface="+mn-cs"/>
+              </a:rPr>
+              <a:t>8 2 </a:t>
+            </a:r>
+            <a:r>
+              <a:rPr lang="zh-CN" altLang="en-US" sz="1200" dirty="0">
+                <a:effectLst/>
+              </a:rPr>
+              <a:t>所示。</a:t>
+            </a:r>
+            <a:r>
+              <a:rPr lang="en-US" altLang="zh-CN" sz="1200" kern="1200" dirty="0" err="1">
+                <a:solidFill>
+                  <a:schemeClr val="tx1"/>
+                </a:solidFill>
+                <a:effectLst/>
+                <a:latin typeface="+mn-lt"/>
+                <a:ea typeface="+mn-ea"/>
+                <a:cs typeface="+mn-cs"/>
+              </a:rPr>
+              <a:t>x.length</a:t>
+            </a:r>
+            <a:r>
+              <a:rPr lang="en-US" altLang="zh-CN" sz="1200" kern="1200" dirty="0">
+                <a:solidFill>
+                  <a:schemeClr val="tx1"/>
+                </a:solidFill>
+                <a:effectLst/>
+                <a:latin typeface="+mn-lt"/>
+                <a:ea typeface="+mn-ea"/>
+                <a:cs typeface="+mn-cs"/>
+              </a:rPr>
+              <a:t> </a:t>
+            </a:r>
+            <a:r>
+              <a:rPr lang="zh-CN" altLang="en-US" sz="1200" dirty="0">
+                <a:effectLst/>
+              </a:rPr>
+              <a:t>为 </a:t>
+            </a:r>
+            <a:r>
+              <a:rPr lang="en-US" altLang="zh-CN" sz="1200" kern="1200" dirty="0">
+                <a:solidFill>
+                  <a:schemeClr val="tx1"/>
+                </a:solidFill>
+                <a:effectLst/>
+                <a:latin typeface="+mn-lt"/>
+                <a:ea typeface="+mn-ea"/>
+                <a:cs typeface="+mn-cs"/>
+              </a:rPr>
+              <a:t>3, x[0].length</a:t>
+            </a:r>
+            <a:r>
+              <a:rPr lang="zh-CN" altLang="en-US" sz="1200" dirty="0">
+                <a:effectLst/>
+              </a:rPr>
+              <a:t>、</a:t>
+            </a:r>
+            <a:r>
+              <a:rPr lang="en-US" altLang="zh-CN" sz="1200" kern="1200" dirty="0">
+                <a:solidFill>
+                  <a:schemeClr val="tx1"/>
+                </a:solidFill>
+                <a:effectLst/>
+                <a:latin typeface="+mn-lt"/>
+                <a:ea typeface="+mn-ea"/>
+                <a:cs typeface="+mn-cs"/>
+              </a:rPr>
+              <a:t>x[l].length </a:t>
+            </a:r>
+            <a:r>
+              <a:rPr lang="zh-CN" altLang="en-US" sz="1200" dirty="0">
+                <a:effectLst/>
+              </a:rPr>
+              <a:t>和 </a:t>
+            </a:r>
+            <a:r>
+              <a:rPr lang="en-US" altLang="zh-CN" sz="1200" kern="1200" dirty="0">
+                <a:solidFill>
+                  <a:schemeClr val="tx1"/>
+                </a:solidFill>
+                <a:effectLst/>
+                <a:latin typeface="+mn-lt"/>
+                <a:ea typeface="+mn-ea"/>
+                <a:cs typeface="+mn-cs"/>
+              </a:rPr>
+              <a:t>x[2]•length </a:t>
+            </a:r>
+            <a:endParaRPr lang="en-US" altLang="zh-CN" dirty="0"/>
+          </a:p>
+          <a:p>
+            <a:r>
+              <a:rPr lang="zh-CN" altLang="en-US" sz="1200" dirty="0">
+                <a:effectLst/>
+              </a:rPr>
+              <a:t>都是</a:t>
+            </a:r>
+            <a:r>
+              <a:rPr lang="en-US" altLang="zh-CN" sz="1200" kern="1200" dirty="0">
+                <a:solidFill>
+                  <a:schemeClr val="tx1"/>
+                </a:solidFill>
+                <a:effectLst/>
+                <a:latin typeface="+mn-lt"/>
+                <a:ea typeface="+mn-ea"/>
+                <a:cs typeface="+mn-cs"/>
+              </a:rPr>
+              <a:t>4</a:t>
+            </a:r>
+            <a:r>
+              <a:rPr lang="zh-CN" altLang="en-US" sz="1200" dirty="0">
+                <a:effectLst/>
+              </a:rPr>
+              <a:t>。</a:t>
+            </a:r>
+            <a:br>
+              <a:rPr lang="zh-CN" altLang="en-US" sz="1200" dirty="0">
+                <a:effectLst/>
+              </a:rPr>
+            </a:br>
+            <a:endParaRPr lang="zh-CN" altLang="en-US" dirty="0"/>
+          </a:p>
+          <a:p>
+            <a:endParaRPr kumimoji="1" lang="zh-CN" altLang="en-US" dirty="0"/>
           </a:p>
         </p:txBody>
       </p:sp>
@@ -1931,7 +2386,7 @@
           <a:p>
             <a:fld id="{1C49BB65-7B3F-4D4E-A397-BBFD82890A5A}" type="datetimeFigureOut">
               <a:rPr kumimoji="1" lang="zh-CN" altLang="en-US" smtClean="0"/>
-              <a:t>2020/3/8</a:t>
+              <a:t>2021/5/19</a:t>
             </a:fld>
             <a:endParaRPr kumimoji="1" lang="zh-CN" altLang="en-US"/>
           </a:p>
@@ -2129,7 +2584,7 @@
           <a:p>
             <a:fld id="{1C49BB65-7B3F-4D4E-A397-BBFD82890A5A}" type="datetimeFigureOut">
               <a:rPr kumimoji="1" lang="zh-CN" altLang="en-US" smtClean="0"/>
-              <a:t>2020/3/8</a:t>
+              <a:t>2021/5/19</a:t>
             </a:fld>
             <a:endParaRPr kumimoji="1" lang="zh-CN" altLang="en-US"/>
           </a:p>
@@ -2337,7 +2792,7 @@
           <a:p>
             <a:fld id="{1C49BB65-7B3F-4D4E-A397-BBFD82890A5A}" type="datetimeFigureOut">
               <a:rPr kumimoji="1" lang="zh-CN" altLang="en-US" smtClean="0"/>
-              <a:t>2020/3/8</a:t>
+              <a:t>2021/5/19</a:t>
             </a:fld>
             <a:endParaRPr kumimoji="1" lang="zh-CN" altLang="en-US"/>
           </a:p>
@@ -2535,7 +2990,7 @@
           <a:p>
             <a:fld id="{1C49BB65-7B3F-4D4E-A397-BBFD82890A5A}" type="datetimeFigureOut">
               <a:rPr kumimoji="1" lang="zh-CN" altLang="en-US" smtClean="0"/>
-              <a:t>2020/3/8</a:t>
+              <a:t>2021/5/19</a:t>
             </a:fld>
             <a:endParaRPr kumimoji="1" lang="zh-CN" altLang="en-US"/>
           </a:p>
@@ -2810,7 +3265,7 @@
           <a:p>
             <a:fld id="{1C49BB65-7B3F-4D4E-A397-BBFD82890A5A}" type="datetimeFigureOut">
               <a:rPr kumimoji="1" lang="zh-CN" altLang="en-US" smtClean="0"/>
-              <a:t>2020/3/8</a:t>
+              <a:t>2021/5/19</a:t>
             </a:fld>
             <a:endParaRPr kumimoji="1" lang="zh-CN" altLang="en-US"/>
           </a:p>
@@ -3075,7 +3530,7 @@
           <a:p>
             <a:fld id="{1C49BB65-7B3F-4D4E-A397-BBFD82890A5A}" type="datetimeFigureOut">
               <a:rPr kumimoji="1" lang="zh-CN" altLang="en-US" smtClean="0"/>
-              <a:t>2020/3/8</a:t>
+              <a:t>2021/5/19</a:t>
             </a:fld>
             <a:endParaRPr kumimoji="1" lang="zh-CN" altLang="en-US"/>
           </a:p>
@@ -3487,7 +3942,7 @@
           <a:p>
             <a:fld id="{1C49BB65-7B3F-4D4E-A397-BBFD82890A5A}" type="datetimeFigureOut">
               <a:rPr kumimoji="1" lang="zh-CN" altLang="en-US" smtClean="0"/>
-              <a:t>2020/3/8</a:t>
+              <a:t>2021/5/19</a:t>
             </a:fld>
             <a:endParaRPr kumimoji="1" lang="zh-CN" altLang="en-US"/>
           </a:p>
@@ -3628,7 +4083,7 @@
           <a:p>
             <a:fld id="{1C49BB65-7B3F-4D4E-A397-BBFD82890A5A}" type="datetimeFigureOut">
               <a:rPr kumimoji="1" lang="zh-CN" altLang="en-US" smtClean="0"/>
-              <a:t>2020/3/8</a:t>
+              <a:t>2021/5/19</a:t>
             </a:fld>
             <a:endParaRPr kumimoji="1" lang="zh-CN" altLang="en-US"/>
           </a:p>
@@ -3998,7 +4453,7 @@
           <a:p>
             <a:fld id="{1C49BB65-7B3F-4D4E-A397-BBFD82890A5A}" type="datetimeFigureOut">
               <a:rPr kumimoji="1" lang="zh-CN" altLang="en-US" smtClean="0"/>
-              <a:t>2020/3/8</a:t>
+              <a:t>2021/5/19</a:t>
             </a:fld>
             <a:endParaRPr kumimoji="1" lang="zh-CN" altLang="en-US"/>
           </a:p>
@@ -4286,7 +4741,7 @@
           <a:p>
             <a:fld id="{1C49BB65-7B3F-4D4E-A397-BBFD82890A5A}" type="datetimeFigureOut">
               <a:rPr kumimoji="1" lang="zh-CN" altLang="en-US" smtClean="0"/>
-              <a:t>2020/3/8</a:t>
+              <a:t>2021/5/19</a:t>
             </a:fld>
             <a:endParaRPr kumimoji="1" lang="zh-CN" altLang="en-US"/>
           </a:p>
@@ -4527,7 +4982,7 @@
           <a:p>
             <a:fld id="{1C49BB65-7B3F-4D4E-A397-BBFD82890A5A}" type="datetimeFigureOut">
               <a:rPr kumimoji="1" lang="zh-CN" altLang="en-US" smtClean="0"/>
-              <a:t>2020/3/8</a:t>
+              <a:t>2021/5/19</a:t>
             </a:fld>
             <a:endParaRPr kumimoji="1" lang="zh-CN" altLang="en-US"/>
           </a:p>
